--- a/images/design/src/money-models.pptx
+++ b/images/design/src/money-models.pptx
@@ -346,15 +346,14 @@
           <inkml:channelProperty channel="F" name="resolution" value="0" units="1/dev"/>
         </inkml:channelProperties>
       </inkml:inkSource>
-      <inkml:timestamp xml:id="ts0" timeString="2022-06-20T16:48:06.939"/>
+      <inkml:timestamp xml:id="ts0" timeString="2022-06-20T16:54:09.810"/>
     </inkml:context>
     <inkml:brush xml:id="br0">
       <inkml:brushProperty name="width" value="0.1" units="cm"/>
       <inkml:brushProperty name="height" value="0.1" units="cm"/>
-      <inkml:brushProperty name="color" value="#A9A9A9"/>
     </inkml:brush>
   </inkml:definitions>
-  <inkml:trace contextRef="#ctx0" brushRef="#br0">0 0 24575,'0'0'0</inkml:trace>
+  <inkml:trace contextRef="#ctx0" brushRef="#br0">2692 115 24575,'-11'0'0,"-3"0"0,6 0 0,-6 0 0,1 0 0,-3 0 0,0 0 0,-1 0 0,1 0 0,4 0 0,-4 0 0,-1 0 0,4 0 0,-7 0 0,7 0 0,-3 0 0,0 0 0,0 0 0,-1 0 0,5 0 0,-3 0 0,2 0 0,-8-4 0,4 3 0,-9-11 0,4 10 0,-5-6 0,0 4 0,0 3 0,5-7 0,-3 3 0,2-3 0,1 3 0,-3-3 0,7 7 0,-8-7 0,9 3 0,-9 0 0,4-2 0,-5 6 0,0-7 0,5 7 0,-3-3 0,7 0 0,-7 3 0,7-2 0,-3 3 0,0 0 0,4 0 0,-4 0 0,4 0 0,1 0 0,4 0 0,-4 0 0,4 0 0,-4 0 0,-1 0 0,1 0 0,0 0 0,4 0 0,-4 0 0,-7 3 0,4-2 0,-7 6 0,5-2 0,3-1 0,-8 4 0,9-3 0,-9 4 0,-3 3 0,0-2 0,0 2 0,3-3 0,-1 0 0,-2 0 0,-3 0 0,5 4 0,0 1 0,1 0 0,-1 3 0,0-7 0,0 7 0,0-3 0,1 3 0,3-3 0,-2 3 0,3-4 0,-5 5 0,0 0 0,5-1 0,-4 1 0,9-5 0,-9 4 0,9-4 0,-9 4 0,-4 4 0,6-3 0,-4 3 0,7-8 0,4 2 0,-4-2 0,4 4 0,1-1 0,0 0 0,0 1 0,-1-1 0,1 0 0,0 1 0,3-1 0,-3 0 0,4 1 0,-5-5 0,5 4 0,-4-4 0,3 9 0,-3-3 0,2 3 0,-9 7 0,8-4 0,-7 10 0,6-7 0,2-5 0,1 4 0,0-4 0,0 4 0,4 1 0,-8 0 0,7 0 0,-3-5 0,0 4 0,4-4 0,-4 0 0,4 4 0,5-9 0,-4 9 0,3-9 0,0 4 0,-2 0 0,6-3 0,-7 19 0,3-16 0,0 16 0,-2-14 0,6-1 0,-7 3 0,7-7 0,-7 8 0,7-9 0,-3 9 0,4-9 0,0 9 0,0-9 0,0 9 0,0-4 0,-4 5 0,3 5 0,-3-4 0,0 4 0,3-5 0,-8 5 0,8-3 0,-3 3 0,0-5 0,3-5 0,-3 4 0,4-9 0,0 4 0,0 0 0,0-4 0,0 9 0,0-4 0,0 5 0,0 5 0,0-3 0,0 3 0,0-5 0,0-1 0,0-3 0,0 2 0,0-7 0,0 7 0,0-7 0,0 3 0,0 0 0,0-4 0,0 4 0,0-4 0,0 4 0,0-4 0,0 4 0,0 0 0,0-3 0,0 7 0,0-7 0,0 19 0,0-12 0,0 14 0,0-12 0,0 0 0,0 0 0,0 0 0,0-1 0,4 1 0,1 0 0,4 0 0,0-1 0,0 1 0,0 0 0,0 5 0,0-8 0,0 7 0,4-9 0,-4 0 0,4-1 0,-5 0 0,0-4 0,1 4 0,-1-8 0,0 2 0,-1-3 0,1 4 0,4 1 0,2 4 0,-2-4 0,4 4 0,-2 0 0,2-4 0,1 4 0,0 0 0,0-3 0,4 3 0,-3-4 0,3 0 0,-5-1 0,5-3 0,-7 3 0,6-7 0,-11 2 0,2-3 0,-4-1 0,1 1 0,-1-1 0,0 1 0,1 2 0,-1-2 0,1 0 0,-1-2 0,6-5 0,0 2 0,4 1 0,0 1 0,-1 6 0,0-2 0,1 3 0,4 1 0,-4-4 0,4 7 0,0-7 0,-4 7 0,9-3 0,-9 0 0,4 3 0,-4-7 0,-1 3 0,0-4 0,1 1 0,-5-2 0,3 1 0,-6 0 0,2-4 0,-4 3 0,5-3 0,-4 4 0,3-4 0,1 3 0,-4-3 0,3 4 0,1 0 0,-4-1 0,7-2 0,-6 1 0,6-1 0,-3 2 0,5 2 0,-5-2 0,3-2 0,-6 1 0,6-5 0,-3 6 0,1-3 0,2 1 0,-6-2 0,6 1 0,-7-4 0,7 8 0,-6-7 0,6 6 0,-7-6 0,8 6 0,-4-6 0,4 3 0,1-1 0,-1-2 0,0 6 0,1-6 0,6 6 0,-5-2 0,2 3 0,-5-4 0,-6 3 0,6-6 0,-7 5 0,7-5 0,-2 2 0,3-3 0,0 0 0,1 0 0,4 0 0,1 0 0,5 4 0,0-3 0,-1 3 0,1 0 0,0 1 0,0 0 0,0 3 0,-5-7 0,3 7 0,-2-7 0,-1 7 0,-1-8 0,-9 4 0,3-4 0,-6 0 0,2 0 0,-4 0 0,1 0 0,-1 0 0,0 0 0,5 0 0,5 0 0,0 0 0,9 0 0,-4 0 0,5 0 0,-5 0 0,4 0 0,-9 0 0,9 0 0,-9 0 0,4 0 0,-4 0 0,-1 0 0,0 4 0,1-3 0,-1 2 0,5-3 0,-4 0 0,4 0 0,-4 0 0,-1 0 0,5 0 0,-3 4 0,7-3 0,-7 2 0,13-3 0,-8 0 0,15 0 0,-10 0 0,10 0 0,-10 0 0,9 0 0,-8 0 0,3 0 0,0 0 0,-8 0 0,7 4 0,8-3 0,-8 3 0,13-4 0,-11 0 0,0 0 0,1 0 0,3 0 0,-3 0 0,0 0 0,3-4 0,-3-1 0,-1-5 0,5 1 0,-5-1 0,6-4 0,0 3 0,0-7 0,0 7 0,-5-7 0,4 8 0,-10-7 0,9 6 0,-8-6 0,8 2 0,-9 1 0,5-4 0,-7 8 0,1-6 0,0 6 0,0-7 0,5 2 0,-4-3 0,10-1 0,-10 1 0,10-2 0,-10 2 0,5-5 0,0 3 0,-3-8 0,3 3 0,-3-4 0,-1-1 0,-5 2 0,4-1 0,-8-3 0,4-3 0,-5-4 0,10-23 0,-7 17 0,7-17 0,-14 23 0,-2 5 0,1-3 0,-3 8 0,2-3 0,-4 5 0,0-5 0,0 4 0,1-4 0,-1-1 0,0 0 0,6-6 0,-5 0 0,4 0 0,-4 0 0,0 0 0,-1 6 0,-3 1 0,2-1 0,-3 5 0,0-4 0,8-12 0,-11 13 0,6-14 0,-4 13 0,-3 4 0,4-4 0,-5-1 0,0 5 0,0-4 0,0 5 0,0 0 0,0 0 0,4 1 0,-3-7 0,3 5 0,-4-9 0,0 8 0,0-8 0,0 9 0,0-10 0,0 5 0,0-1 0,0-10 0,0 14 0,0-9 0,0 13 0,0 3 0,0-2 0,0 3 0,0-5 0,0 0 0,0-5 0,0 4 0,-4-5 0,3 1 0,-7 4 0,7-10 0,-8 5 0,8-6 0,-7 5 0,7-3 0,-7 3 0,2-5 0,-3 5 0,0 2 0,0 5 0,-4-11 0,3 8 0,-6-4 0,5 3 0,-1 12 0,7-12 0,-2 9 0,2-5 0,-4 0 0,0 0 0,0 0 0,0 5 0,0-4 0,1 9 0,-4-4 0,-1 8 0,-3-2 0,0 6 0,-1-3 0,1 4 0,0 0 0,4 0 0,-4 0 0,8 0 0,0-5 0,1 4 0,7-7 0,-11 3 0,6-3 0,-11 0 0,7 3 0,-6-2 0,7 7 0,-4-8 0,1 8 0,2-4 0,-2 4 0,3 1 0,-3 3 0,3-3 0,-8 7 0,8-7 0,-7 3 0,6-1 0,-6-2 0,3 6 0,-1-6 0,-2 3 0,7-4 0,-8 4 0,8-3 0,-3 3 0,-1-3 0,4-1 0,-4 1 0,5-1 0,-4 0 0,2 1 0,-2-1 0,0 4 0,2-2 0,-2 2 0,0-1 0,2 2 0,-2 0 0,4 2 0,-1-2 0,1 0 0,0 2 0,-1-3 0,1 4 0,-1-3 0,-3 2 0,3-5 0,-4 2 0,1 0 0,3-3 0,-8 3 0,8-4 0,-7 0 0,-1 1 0,3-1 0,-2 1 0,4-1 0,3 4 0,-4-3 0,1 6 0,3-6 0,-8 3 0,4 0 0,0-3 0,-4 2 0,4 1 0,0-3 0,-4 7 0,11-7 0,-9 6 0,9-2 0,-7 0 0,5 2 0,-4-6 0,-2 6 0,1-3 0,1 1 0,-8-1 0,9-1 0,-13 2 0,11-1 0,0 3 0,-4-2 0,4 3 0,0-4 0,-4 4 0,4-4 0,-4 4 0,-1 0 0,1-3 0,0 2 0,-1-3 0,1 4 0,4 0 0,-4 0 0,8 0 0,-7 0 0,2 0 0,1 0 0,-11 0 0,9 0 0,-9-3 0,2 2 0,3-3 0,-3 0 0,0 4 0,4-4 0,-4 4 0,9-3 0,0 2 0,5-2 0,-1 3 0,1 0 0,0 0 0,0 0 0,0 0 0,0 0 0,-5 0 0,4 0 0,-3 0 0,3 0 0,1 0 0,0 0 0,0 0 0,0 0 0,1 0 0,-2 0 0,1 0 0,0 3 0,0-3 0,-5 7 0,0-6 0,-4 6 0,3-3 0,2 1 0,4-2 0,-1 0 0,1-2 0,0 3 0,2-4 0,2 0 0</inkml:trace>
 </inkml:ink>
 </file>
 
@@ -374,15 +373,14 @@
           <inkml:channelProperty channel="F" name="resolution" value="0" units="1/dev"/>
         </inkml:channelProperties>
       </inkml:inkSource>
-      <inkml:timestamp xml:id="ts0" timeString="2022-06-20T16:48:07.018"/>
+      <inkml:timestamp xml:id="ts0" timeString="2022-09-14T19:54:40.796"/>
     </inkml:context>
     <inkml:brush xml:id="br0">
       <inkml:brushProperty name="width" value="0.1" units="cm"/>
       <inkml:brushProperty name="height" value="0.1" units="cm"/>
-      <inkml:brushProperty name="color" value="#A9A9A9"/>
     </inkml:brush>
   </inkml:definitions>
-  <inkml:trace contextRef="#ctx0" brushRef="#br0">0 0 24575,'0'0'0</inkml:trace>
+  <inkml:trace contextRef="#ctx0" brushRef="#br0">2692 115 24575,'-11'0'0,"-3"0"0,6 0 0,-6 0 0,1 0 0,-3 0 0,0 0 0,-1 0 0,1 0 0,4 0 0,-4 0 0,-1 0 0,4 0 0,-7 0 0,7 0 0,-3 0 0,0 0 0,0 0 0,-1 0 0,5 0 0,-3 0 0,2 0 0,-8-4 0,4 3 0,-9-11 0,4 10 0,-5-6 0,0 4 0,0 3 0,5-7 0,-3 3 0,2-3 0,1 3 0,-3-3 0,7 7 0,-8-7 0,9 3 0,-9 0 0,4-2 0,-5 6 0,0-7 0,5 7 0,-3-3 0,7 0 0,-7 3 0,7-2 0,-3 3 0,0 0 0,4 0 0,-4 0 0,4 0 0,1 0 0,4 0 0,-4 0 0,4 0 0,-4 0 0,-1 0 0,1 0 0,0 0 0,4 0 0,-4 0 0,-7 3 0,4-2 0,-7 6 0,5-2 0,3-1 0,-8 4 0,9-3 0,-9 4 0,-3 3 0,0-2 0,0 2 0,3-3 0,-1 0 0,-2 0 0,-3 0 0,5 4 0,0 1 0,1 0 0,-1 3 0,0-7 0,0 7 0,0-3 0,1 3 0,3-3 0,-2 3 0,3-4 0,-5 5 0,0 0 0,5-1 0,-4 1 0,9-5 0,-9 4 0,9-4 0,-9 4 0,-4 4 0,6-3 0,-4 3 0,7-8 0,4 2 0,-4-2 0,4 4 0,1-1 0,0 0 0,0 1 0,-1-1 0,1 0 0,0 1 0,3-1 0,-3 0 0,4 1 0,-5-5 0,5 4 0,-4-4 0,3 9 0,-3-3 0,2 3 0,-9 7 0,8-4 0,-7 10 0,6-7 0,2-5 0,1 4 0,0-4 0,0 4 0,4 1 0,-8 0 0,7 0 0,-3-5 0,0 4 0,4-4 0,-4 0 0,4 4 0,5-9 0,-4 9 0,3-9 0,0 4 0,-2 0 0,6-3 0,-7 19 0,3-16 0,0 16 0,-2-14 0,6-1 0,-7 3 0,7-7 0,-7 8 0,7-9 0,-3 9 0,4-9 0,0 9 0,0-9 0,0 9 0,0-4 0,-4 5 0,3 5 0,-3-4 0,0 4 0,3-5 0,-8 5 0,8-3 0,-3 3 0,0-5 0,3-5 0,-3 4 0,4-9 0,0 4 0,0 0 0,0-4 0,0 9 0,0-4 0,0 5 0,0 5 0,0-3 0,0 3 0,0-5 0,0-1 0,0-3 0,0 2 0,0-7 0,0 7 0,0-7 0,0 3 0,0 0 0,0-4 0,0 4 0,0-4 0,0 4 0,0-4 0,0 4 0,0 0 0,0-3 0,0 7 0,0-7 0,0 19 0,0-12 0,0 14 0,0-12 0,0 0 0,0 0 0,0 0 0,0-1 0,4 1 0,1 0 0,4 0 0,0-1 0,0 1 0,0 0 0,0 5 0,0-8 0,0 7 0,4-9 0,-4 0 0,4-1 0,-5 0 0,0-4 0,1 4 0,-1-8 0,0 2 0,-1-3 0,1 4 0,4 1 0,2 4 0,-2-4 0,4 4 0,-2 0 0,2-4 0,1 4 0,0 0 0,0-3 0,4 3 0,-3-4 0,3 0 0,-5-1 0,5-3 0,-7 3 0,6-7 0,-11 2 0,2-3 0,-4-1 0,1 1 0,-1-1 0,0 1 0,1 2 0,-1-2 0,1 0 0,-1-2 0,6-5 0,0 2 0,4 1 0,0 1 0,-1 6 0,0-2 0,1 3 0,4 1 0,-4-4 0,4 7 0,0-7 0,-4 7 0,9-3 0,-9 0 0,4 3 0,-4-7 0,-1 3 0,0-4 0,1 1 0,-5-2 0,3 1 0,-6 0 0,2-4 0,-4 3 0,5-3 0,-4 4 0,3-4 0,1 3 0,-4-3 0,3 4 0,1 0 0,-4-1 0,7-2 0,-6 1 0,6-1 0,-3 2 0,5 2 0,-5-2 0,3-2 0,-6 1 0,6-5 0,-3 6 0,1-3 0,2 1 0,-6-2 0,6 1 0,-7-4 0,7 8 0,-6-7 0,6 6 0,-7-6 0,8 6 0,-4-6 0,4 3 0,1-1 0,-1-2 0,0 6 0,1-6 0,6 6 0,-5-2 0,2 3 0,-5-4 0,-6 3 0,6-6 0,-7 5 0,7-5 0,-2 2 0,3-3 0,0 0 0,1 0 0,4 0 0,1 0 0,5 4 0,0-3 0,-1 3 0,1 0 0,0 1 0,0 0 0,0 3 0,-5-7 0,3 7 0,-2-7 0,-1 7 0,-1-8 0,-9 4 0,3-4 0,-6 0 0,2 0 0,-4 0 0,1 0 0,-1 0 0,0 0 0,5 0 0,5 0 0,0 0 0,9 0 0,-4 0 0,5 0 0,-5 0 0,4 0 0,-9 0 0,9 0 0,-9 0 0,4 0 0,-4 0 0,-1 0 0,0 4 0,1-3 0,-1 2 0,5-3 0,-4 0 0,4 0 0,-4 0 0,-1 0 0,5 0 0,-3 4 0,7-3 0,-7 2 0,13-3 0,-8 0 0,15 0 0,-10 0 0,10 0 0,-10 0 0,9 0 0,-8 0 0,3 0 0,0 0 0,-8 0 0,7 4 0,8-3 0,-8 3 0,13-4 0,-11 0 0,0 0 0,1 0 0,3 0 0,-3 0 0,0 0 0,3-4 0,-3-1 0,-1-5 0,5 1 0,-5-1 0,6-4 0,0 3 0,0-7 0,0 7 0,-5-7 0,4 8 0,-10-7 0,9 6 0,-8-6 0,8 2 0,-9 1 0,5-4 0,-7 8 0,1-6 0,0 6 0,0-7 0,5 2 0,-4-3 0,10-1 0,-10 1 0,10-2 0,-10 2 0,5-5 0,0 3 0,-3-8 0,3 3 0,-3-4 0,-1-1 0,-5 2 0,4-1 0,-8-3 0,4-3 0,-5-4 0,10-23 0,-7 17 0,7-17 0,-14 23 0,-2 5 0,1-3 0,-3 8 0,2-3 0,-4 5 0,0-5 0,0 4 0,1-4 0,-1-1 0,0 0 0,6-6 0,-5 0 0,4 0 0,-4 0 0,0 0 0,-1 6 0,-3 1 0,2-1 0,-3 5 0,0-4 0,8-12 0,-11 13 0,6-14 0,-4 13 0,-3 4 0,4-4 0,-5-1 0,0 5 0,0-4 0,0 5 0,0 0 0,0 0 0,4 1 0,-3-7 0,3 5 0,-4-9 0,0 8 0,0-8 0,0 9 0,0-10 0,0 5 0,0-1 0,0-10 0,0 14 0,0-9 0,0 13 0,0 3 0,0-2 0,0 3 0,0-5 0,0 0 0,0-5 0,0 4 0,-4-5 0,3 1 0,-7 4 0,7-10 0,-8 5 0,8-6 0,-7 5 0,7-3 0,-7 3 0,2-5 0,-3 5 0,0 2 0,0 5 0,-4-11 0,3 8 0,-6-4 0,5 3 0,-1 12 0,7-12 0,-2 9 0,2-5 0,-4 0 0,0 0 0,0 0 0,0 5 0,0-4 0,1 9 0,-4-4 0,-1 8 0,-3-2 0,0 6 0,-1-3 0,1 4 0,0 0 0,4 0 0,-4 0 0,8 0 0,0-5 0,1 4 0,7-7 0,-11 3 0,6-3 0,-11 0 0,7 3 0,-6-2 0,7 7 0,-4-8 0,1 8 0,2-4 0,-2 4 0,3 1 0,-3 3 0,3-3 0,-8 7 0,8-7 0,-7 3 0,6-1 0,-6-2 0,3 6 0,-1-6 0,-2 3 0,7-4 0,-8 4 0,8-3 0,-3 3 0,-1-3 0,4-1 0,-4 1 0,5-1 0,-4 0 0,2 1 0,-2-1 0,0 4 0,2-2 0,-2 2 0,0-1 0,2 2 0,-2 0 0,4 2 0,-1-2 0,1 0 0,0 2 0,-1-3 0,1 4 0,-1-3 0,-3 2 0,3-5 0,-4 2 0,1 0 0,3-3 0,-8 3 0,8-4 0,-7 0 0,-1 1 0,3-1 0,-2 1 0,4-1 0,3 4 0,-4-3 0,1 6 0,3-6 0,-8 3 0,4 0 0,0-3 0,-4 2 0,4 1 0,0-3 0,-4 7 0,11-7 0,-9 6 0,9-2 0,-7 0 0,5 2 0,-4-6 0,-2 6 0,1-3 0,1 1 0,-8-1 0,9-1 0,-13 2 0,11-1 0,0 3 0,-4-2 0,4 3 0,0-4 0,-4 4 0,4-4 0,-4 4 0,-1 0 0,1-3 0,0 2 0,-1-3 0,1 4 0,4 0 0,-4 0 0,8 0 0,-7 0 0,2 0 0,1 0 0,-11 0 0,9 0 0,-9-3 0,2 2 0,3-3 0,-3 0 0,0 4 0,4-4 0,-4 4 0,9-3 0,0 2 0,5-2 0,-1 3 0,1 0 0,0 0 0,0 0 0,0 0 0,0 0 0,-5 0 0,4 0 0,-3 0 0,3 0 0,1 0 0,0 0 0,0 0 0,0 0 0,1 0 0,-2 0 0,1 0 0,0 3 0,0-3 0,-5 7 0,0-6 0,-4 6 0,3-3 0,2 1 0,4-2 0,-1 0 0,1-2 0,0 3 0,2-4 0,2 0 0</inkml:trace>
 </inkml:ink>
 </file>
 
@@ -402,14 +400,14 @@
           <inkml:channelProperty channel="F" name="resolution" value="0" units="1/dev"/>
         </inkml:channelProperties>
       </inkml:inkSource>
-      <inkml:timestamp xml:id="ts0" timeString="2022-06-20T16:54:09.810"/>
+      <inkml:timestamp xml:id="ts0" timeString="2022-09-14T19:55:17.850"/>
     </inkml:context>
     <inkml:brush xml:id="br0">
       <inkml:brushProperty name="width" value="0.1" units="cm"/>
       <inkml:brushProperty name="height" value="0.1" units="cm"/>
     </inkml:brush>
   </inkml:definitions>
-  <inkml:trace contextRef="#ctx0" brushRef="#br0">2692 115 24575,'-11'0'0,"-3"0"0,6 0 0,-6 0 0,1 0 0,-3 0 0,0 0 0,-1 0 0,1 0 0,4 0 0,-4 0 0,-1 0 0,4 0 0,-7 0 0,7 0 0,-3 0 0,0 0 0,0 0 0,-1 0 0,5 0 0,-3 0 0,2 0 0,-8-4 0,4 3 0,-9-11 0,4 10 0,-5-6 0,0 4 0,0 3 0,5-7 0,-3 3 0,2-3 0,1 3 0,-3-3 0,7 7 0,-8-7 0,9 3 0,-9 0 0,4-2 0,-5 6 0,0-7 0,5 7 0,-3-3 0,7 0 0,-7 3 0,7-2 0,-3 3 0,0 0 0,4 0 0,-4 0 0,4 0 0,1 0 0,4 0 0,-4 0 0,4 0 0,-4 0 0,-1 0 0,1 0 0,0 0 0,4 0 0,-4 0 0,-7 3 0,4-2 0,-7 6 0,5-2 0,3-1 0,-8 4 0,9-3 0,-9 4 0,-3 3 0,0-2 0,0 2 0,3-3 0,-1 0 0,-2 0 0,-3 0 0,5 4 0,0 1 0,1 0 0,-1 3 0,0-7 0,0 7 0,0-3 0,1 3 0,3-3 0,-2 3 0,3-4 0,-5 5 0,0 0 0,5-1 0,-4 1 0,9-5 0,-9 4 0,9-4 0,-9 4 0,-4 4 0,6-3 0,-4 3 0,7-8 0,4 2 0,-4-2 0,4 4 0,1-1 0,0 0 0,0 1 0,-1-1 0,1 0 0,0 1 0,3-1 0,-3 0 0,4 1 0,-5-5 0,5 4 0,-4-4 0,3 9 0,-3-3 0,2 3 0,-9 7 0,8-4 0,-7 10 0,6-7 0,2-5 0,1 4 0,0-4 0,0 4 0,4 1 0,-8 0 0,7 0 0,-3-5 0,0 4 0,4-4 0,-4 0 0,4 4 0,5-9 0,-4 9 0,3-9 0,0 4 0,-2 0 0,6-3 0,-7 19 0,3-16 0,0 16 0,-2-14 0,6-1 0,-7 3 0,7-7 0,-7 8 0,7-9 0,-3 9 0,4-9 0,0 9 0,0-9 0,0 9 0,0-4 0,-4 5 0,3 5 0,-3-4 0,0 4 0,3-5 0,-8 5 0,8-3 0,-3 3 0,0-5 0,3-5 0,-3 4 0,4-9 0,0 4 0,0 0 0,0-4 0,0 9 0,0-4 0,0 5 0,0 5 0,0-3 0,0 3 0,0-5 0,0-1 0,0-3 0,0 2 0,0-7 0,0 7 0,0-7 0,0 3 0,0 0 0,0-4 0,0 4 0,0-4 0,0 4 0,0-4 0,0 4 0,0 0 0,0-3 0,0 7 0,0-7 0,0 19 0,0-12 0,0 14 0,0-12 0,0 0 0,0 0 0,0 0 0,0-1 0,4 1 0,1 0 0,4 0 0,0-1 0,0 1 0,0 0 0,0 5 0,0-8 0,0 7 0,4-9 0,-4 0 0,4-1 0,-5 0 0,0-4 0,1 4 0,-1-8 0,0 2 0,-1-3 0,1 4 0,4 1 0,2 4 0,-2-4 0,4 4 0,-2 0 0,2-4 0,1 4 0,0 0 0,0-3 0,4 3 0,-3-4 0,3 0 0,-5-1 0,5-3 0,-7 3 0,6-7 0,-11 2 0,2-3 0,-4-1 0,1 1 0,-1-1 0,0 1 0,1 2 0,-1-2 0,1 0 0,-1-2 0,6-5 0,0 2 0,4 1 0,0 1 0,-1 6 0,0-2 0,1 3 0,4 1 0,-4-4 0,4 7 0,0-7 0,-4 7 0,9-3 0,-9 0 0,4 3 0,-4-7 0,-1 3 0,0-4 0,1 1 0,-5-2 0,3 1 0,-6 0 0,2-4 0,-4 3 0,5-3 0,-4 4 0,3-4 0,1 3 0,-4-3 0,3 4 0,1 0 0,-4-1 0,7-2 0,-6 1 0,6-1 0,-3 2 0,5 2 0,-5-2 0,3-2 0,-6 1 0,6-5 0,-3 6 0,1-3 0,2 1 0,-6-2 0,6 1 0,-7-4 0,7 8 0,-6-7 0,6 6 0,-7-6 0,8 6 0,-4-6 0,4 3 0,1-1 0,-1-2 0,0 6 0,1-6 0,6 6 0,-5-2 0,2 3 0,-5-4 0,-6 3 0,6-6 0,-7 5 0,7-5 0,-2 2 0,3-3 0,0 0 0,1 0 0,4 0 0,1 0 0,5 4 0,0-3 0,-1 3 0,1 0 0,0 1 0,0 0 0,0 3 0,-5-7 0,3 7 0,-2-7 0,-1 7 0,-1-8 0,-9 4 0,3-4 0,-6 0 0,2 0 0,-4 0 0,1 0 0,-1 0 0,0 0 0,5 0 0,5 0 0,0 0 0,9 0 0,-4 0 0,5 0 0,-5 0 0,4 0 0,-9 0 0,9 0 0,-9 0 0,4 0 0,-4 0 0,-1 0 0,0 4 0,1-3 0,-1 2 0,5-3 0,-4 0 0,4 0 0,-4 0 0,-1 0 0,5 0 0,-3 4 0,7-3 0,-7 2 0,13-3 0,-8 0 0,15 0 0,-10 0 0,10 0 0,-10 0 0,9 0 0,-8 0 0,3 0 0,0 0 0,-8 0 0,7 4 0,8-3 0,-8 3 0,13-4 0,-11 0 0,0 0 0,1 0 0,3 0 0,-3 0 0,0 0 0,3-4 0,-3-1 0,-1-5 0,5 1 0,-5-1 0,6-4 0,0 3 0,0-7 0,0 7 0,-5-7 0,4 8 0,-10-7 0,9 6 0,-8-6 0,8 2 0,-9 1 0,5-4 0,-7 8 0,1-6 0,0 6 0,0-7 0,5 2 0,-4-3 0,10-1 0,-10 1 0,10-2 0,-10 2 0,5-5 0,0 3 0,-3-8 0,3 3 0,-3-4 0,-1-1 0,-5 2 0,4-1 0,-8-3 0,4-3 0,-5-4 0,10-23 0,-7 17 0,7-17 0,-14 23 0,-2 5 0,1-3 0,-3 8 0,2-3 0,-4 5 0,0-5 0,0 4 0,1-4 0,-1-1 0,0 0 0,6-6 0,-5 0 0,4 0 0,-4 0 0,0 0 0,-1 6 0,-3 1 0,2-1 0,-3 5 0,0-4 0,8-12 0,-11 13 0,6-14 0,-4 13 0,-3 4 0,4-4 0,-5-1 0,0 5 0,0-4 0,0 5 0,0 0 0,0 0 0,4 1 0,-3-7 0,3 5 0,-4-9 0,0 8 0,0-8 0,0 9 0,0-10 0,0 5 0,0-1 0,0-10 0,0 14 0,0-9 0,0 13 0,0 3 0,0-2 0,0 3 0,0-5 0,0 0 0,0-5 0,0 4 0,-4-5 0,3 1 0,-7 4 0,7-10 0,-8 5 0,8-6 0,-7 5 0,7-3 0,-7 3 0,2-5 0,-3 5 0,0 2 0,0 5 0,-4-11 0,3 8 0,-6-4 0,5 3 0,-1 12 0,7-12 0,-2 9 0,2-5 0,-4 0 0,0 0 0,0 0 0,0 5 0,0-4 0,1 9 0,-4-4 0,-1 8 0,-3-2 0,0 6 0,-1-3 0,1 4 0,0 0 0,4 0 0,-4 0 0,8 0 0,0-5 0,1 4 0,7-7 0,-11 3 0,6-3 0,-11 0 0,7 3 0,-6-2 0,7 7 0,-4-8 0,1 8 0,2-4 0,-2 4 0,3 1 0,-3 3 0,3-3 0,-8 7 0,8-7 0,-7 3 0,6-1 0,-6-2 0,3 6 0,-1-6 0,-2 3 0,7-4 0,-8 4 0,8-3 0,-3 3 0,-1-3 0,4-1 0,-4 1 0,5-1 0,-4 0 0,2 1 0,-2-1 0,0 4 0,2-2 0,-2 2 0,0-1 0,2 2 0,-2 0 0,4 2 0,-1-2 0,1 0 0,0 2 0,-1-3 0,1 4 0,-1-3 0,-3 2 0,3-5 0,-4 2 0,1 0 0,3-3 0,-8 3 0,8-4 0,-7 0 0,-1 1 0,3-1 0,-2 1 0,4-1 0,3 4 0,-4-3 0,1 6 0,3-6 0,-8 3 0,4 0 0,0-3 0,-4 2 0,4 1 0,0-3 0,-4 7 0,11-7 0,-9 6 0,9-2 0,-7 0 0,5 2 0,-4-6 0,-2 6 0,1-3 0,1 1 0,-8-1 0,9-1 0,-13 2 0,11-1 0,0 3 0,-4-2 0,4 3 0,0-4 0,-4 4 0,4-4 0,-4 4 0,-1 0 0,1-3 0,0 2 0,-1-3 0,1 4 0,4 0 0,-4 0 0,8 0 0,-7 0 0,2 0 0,1 0 0,-11 0 0,9 0 0,-9-3 0,2 2 0,3-3 0,-3 0 0,0 4 0,4-4 0,-4 4 0,9-3 0,0 2 0,5-2 0,-1 3 0,1 0 0,0 0 0,0 0 0,0 0 0,0 0 0,-5 0 0,4 0 0,-3 0 0,3 0 0,1 0 0,0 0 0,0 0 0,0 0 0,1 0 0,-2 0 0,1 0 0,0 3 0,0-3 0,-5 7 0,0-6 0,-4 6 0,3-3 0,2 1 0,4-2 0,-1 0 0,1-2 0,0 3 0,2-4 0,2 0 0</inkml:trace>
+  <inkml:trace contextRef="#ctx0" brushRef="#br0">4358 1 24575,'-78'50'0,"1"0"0,-1 0 0,0-1 0,1 1 0,-1 0 0,0 0 0,1 0 0,-1 0 0,0 0 0,1 0 0,-1 0 0,-3 2 0,-2 1 0,-3 1 0,1 0 0,0 0 0,2-1 0,3-1 0,5-2 0,4-2 0,8-2 0,7-4 0,-15 17 0,15-5 0,4-3 0,-1 0-1821,-20 14 1,0-2 0,3-2 1820,8-7 0,2-1 0,7-6 0,8-3 0,7-7 1636,-16 8-1636,-1 19 883,15-22-883,-1 9 0,2-12 0,0 0 2942,0 0-2942,-2 12 0,1-9 0,-15 22 0,13-21 0,-11 10 0,22-14 0,-6 0 0,15 1 0,-15-10 0,16-2 0,-16-9 0,8 9 0,-10-7 0,9 7 0,-7 0 0,7 2 0,1-1 0,-8 8 0,16-7 0,-16 9 0,6-8 0,1 6 0,-7-7 0,15 10 0,-6-11 0,9 8 0,0-7 0,0-1 0,1-1 0,8-11 0,-6 1 0,14 0 0,-13-1 0,5 1 0,-8 0 0,0 0 0,9-1 0,-7 1 0,6 0 0,0-1 0,-6 1 0,7-1 0,-1 0 0,-4-8 0,4 6 0,-6-6 0,-1 8 0,0 0 0,-1 1 0,1-9 0,7 7 0,-6-6 0,6 8 0,0-1 0,-5 1 0,13 0 0,-6-1 0,1-8 0,5-8 0,-5-11 0,-1-7 0,-2 1 0,1-2 0,-7 9 0,14-7 0,-13 6 0,13-8 0,-14 1 0,14-1 0,-15-9 0,15 7 0,-15-17 0,15 7 0,-15 1 0,6-8 0,1 17 0,-7-17 0,7 17 0,-1-8 0,3 11 0,0-1 0,6 0 0,-13 1 0,13-1 0,-6 0 0,0 8 0,6-5 0,-13 13 0,13-6 0,-5 8 0</inkml:trace>
 </inkml:ink>
 </file>
 
@@ -456,60 +454,6 @@
           <inkml:channelProperty channel="F" name="resolution" value="0" units="1/dev"/>
         </inkml:channelProperties>
       </inkml:inkSource>
-      <inkml:timestamp xml:id="ts0" timeString="2022-09-14T19:54:40.796"/>
-    </inkml:context>
-    <inkml:brush xml:id="br0">
-      <inkml:brushProperty name="width" value="0.1" units="cm"/>
-      <inkml:brushProperty name="height" value="0.1" units="cm"/>
-    </inkml:brush>
-  </inkml:definitions>
-  <inkml:trace contextRef="#ctx0" brushRef="#br0">2692 115 24575,'-11'0'0,"-3"0"0,6 0 0,-6 0 0,1 0 0,-3 0 0,0 0 0,-1 0 0,1 0 0,4 0 0,-4 0 0,-1 0 0,4 0 0,-7 0 0,7 0 0,-3 0 0,0 0 0,0 0 0,-1 0 0,5 0 0,-3 0 0,2 0 0,-8-4 0,4 3 0,-9-11 0,4 10 0,-5-6 0,0 4 0,0 3 0,5-7 0,-3 3 0,2-3 0,1 3 0,-3-3 0,7 7 0,-8-7 0,9 3 0,-9 0 0,4-2 0,-5 6 0,0-7 0,5 7 0,-3-3 0,7 0 0,-7 3 0,7-2 0,-3 3 0,0 0 0,4 0 0,-4 0 0,4 0 0,1 0 0,4 0 0,-4 0 0,4 0 0,-4 0 0,-1 0 0,1 0 0,0 0 0,4 0 0,-4 0 0,-7 3 0,4-2 0,-7 6 0,5-2 0,3-1 0,-8 4 0,9-3 0,-9 4 0,-3 3 0,0-2 0,0 2 0,3-3 0,-1 0 0,-2 0 0,-3 0 0,5 4 0,0 1 0,1 0 0,-1 3 0,0-7 0,0 7 0,0-3 0,1 3 0,3-3 0,-2 3 0,3-4 0,-5 5 0,0 0 0,5-1 0,-4 1 0,9-5 0,-9 4 0,9-4 0,-9 4 0,-4 4 0,6-3 0,-4 3 0,7-8 0,4 2 0,-4-2 0,4 4 0,1-1 0,0 0 0,0 1 0,-1-1 0,1 0 0,0 1 0,3-1 0,-3 0 0,4 1 0,-5-5 0,5 4 0,-4-4 0,3 9 0,-3-3 0,2 3 0,-9 7 0,8-4 0,-7 10 0,6-7 0,2-5 0,1 4 0,0-4 0,0 4 0,4 1 0,-8 0 0,7 0 0,-3-5 0,0 4 0,4-4 0,-4 0 0,4 4 0,5-9 0,-4 9 0,3-9 0,0 4 0,-2 0 0,6-3 0,-7 19 0,3-16 0,0 16 0,-2-14 0,6-1 0,-7 3 0,7-7 0,-7 8 0,7-9 0,-3 9 0,4-9 0,0 9 0,0-9 0,0 9 0,0-4 0,-4 5 0,3 5 0,-3-4 0,0 4 0,3-5 0,-8 5 0,8-3 0,-3 3 0,0-5 0,3-5 0,-3 4 0,4-9 0,0 4 0,0 0 0,0-4 0,0 9 0,0-4 0,0 5 0,0 5 0,0-3 0,0 3 0,0-5 0,0-1 0,0-3 0,0 2 0,0-7 0,0 7 0,0-7 0,0 3 0,0 0 0,0-4 0,0 4 0,0-4 0,0 4 0,0-4 0,0 4 0,0 0 0,0-3 0,0 7 0,0-7 0,0 19 0,0-12 0,0 14 0,0-12 0,0 0 0,0 0 0,0 0 0,0-1 0,4 1 0,1 0 0,4 0 0,0-1 0,0 1 0,0 0 0,0 5 0,0-8 0,0 7 0,4-9 0,-4 0 0,4-1 0,-5 0 0,0-4 0,1 4 0,-1-8 0,0 2 0,-1-3 0,1 4 0,4 1 0,2 4 0,-2-4 0,4 4 0,-2 0 0,2-4 0,1 4 0,0 0 0,0-3 0,4 3 0,-3-4 0,3 0 0,-5-1 0,5-3 0,-7 3 0,6-7 0,-11 2 0,2-3 0,-4-1 0,1 1 0,-1-1 0,0 1 0,1 2 0,-1-2 0,1 0 0,-1-2 0,6-5 0,0 2 0,4 1 0,0 1 0,-1 6 0,0-2 0,1 3 0,4 1 0,-4-4 0,4 7 0,0-7 0,-4 7 0,9-3 0,-9 0 0,4 3 0,-4-7 0,-1 3 0,0-4 0,1 1 0,-5-2 0,3 1 0,-6 0 0,2-4 0,-4 3 0,5-3 0,-4 4 0,3-4 0,1 3 0,-4-3 0,3 4 0,1 0 0,-4-1 0,7-2 0,-6 1 0,6-1 0,-3 2 0,5 2 0,-5-2 0,3-2 0,-6 1 0,6-5 0,-3 6 0,1-3 0,2 1 0,-6-2 0,6 1 0,-7-4 0,7 8 0,-6-7 0,6 6 0,-7-6 0,8 6 0,-4-6 0,4 3 0,1-1 0,-1-2 0,0 6 0,1-6 0,6 6 0,-5-2 0,2 3 0,-5-4 0,-6 3 0,6-6 0,-7 5 0,7-5 0,-2 2 0,3-3 0,0 0 0,1 0 0,4 0 0,1 0 0,5 4 0,0-3 0,-1 3 0,1 0 0,0 1 0,0 0 0,0 3 0,-5-7 0,3 7 0,-2-7 0,-1 7 0,-1-8 0,-9 4 0,3-4 0,-6 0 0,2 0 0,-4 0 0,1 0 0,-1 0 0,0 0 0,5 0 0,5 0 0,0 0 0,9 0 0,-4 0 0,5 0 0,-5 0 0,4 0 0,-9 0 0,9 0 0,-9 0 0,4 0 0,-4 0 0,-1 0 0,0 4 0,1-3 0,-1 2 0,5-3 0,-4 0 0,4 0 0,-4 0 0,-1 0 0,5 0 0,-3 4 0,7-3 0,-7 2 0,13-3 0,-8 0 0,15 0 0,-10 0 0,10 0 0,-10 0 0,9 0 0,-8 0 0,3 0 0,0 0 0,-8 0 0,7 4 0,8-3 0,-8 3 0,13-4 0,-11 0 0,0 0 0,1 0 0,3 0 0,-3 0 0,0 0 0,3-4 0,-3-1 0,-1-5 0,5 1 0,-5-1 0,6-4 0,0 3 0,0-7 0,0 7 0,-5-7 0,4 8 0,-10-7 0,9 6 0,-8-6 0,8 2 0,-9 1 0,5-4 0,-7 8 0,1-6 0,0 6 0,0-7 0,5 2 0,-4-3 0,10-1 0,-10 1 0,10-2 0,-10 2 0,5-5 0,0 3 0,-3-8 0,3 3 0,-3-4 0,-1-1 0,-5 2 0,4-1 0,-8-3 0,4-3 0,-5-4 0,10-23 0,-7 17 0,7-17 0,-14 23 0,-2 5 0,1-3 0,-3 8 0,2-3 0,-4 5 0,0-5 0,0 4 0,1-4 0,-1-1 0,0 0 0,6-6 0,-5 0 0,4 0 0,-4 0 0,0 0 0,-1 6 0,-3 1 0,2-1 0,-3 5 0,0-4 0,8-12 0,-11 13 0,6-14 0,-4 13 0,-3 4 0,4-4 0,-5-1 0,0 5 0,0-4 0,0 5 0,0 0 0,0 0 0,4 1 0,-3-7 0,3 5 0,-4-9 0,0 8 0,0-8 0,0 9 0,0-10 0,0 5 0,0-1 0,0-10 0,0 14 0,0-9 0,0 13 0,0 3 0,0-2 0,0 3 0,0-5 0,0 0 0,0-5 0,0 4 0,-4-5 0,3 1 0,-7 4 0,7-10 0,-8 5 0,8-6 0,-7 5 0,7-3 0,-7 3 0,2-5 0,-3 5 0,0 2 0,0 5 0,-4-11 0,3 8 0,-6-4 0,5 3 0,-1 12 0,7-12 0,-2 9 0,2-5 0,-4 0 0,0 0 0,0 0 0,0 5 0,0-4 0,1 9 0,-4-4 0,-1 8 0,-3-2 0,0 6 0,-1-3 0,1 4 0,0 0 0,4 0 0,-4 0 0,8 0 0,0-5 0,1 4 0,7-7 0,-11 3 0,6-3 0,-11 0 0,7 3 0,-6-2 0,7 7 0,-4-8 0,1 8 0,2-4 0,-2 4 0,3 1 0,-3 3 0,3-3 0,-8 7 0,8-7 0,-7 3 0,6-1 0,-6-2 0,3 6 0,-1-6 0,-2 3 0,7-4 0,-8 4 0,8-3 0,-3 3 0,-1-3 0,4-1 0,-4 1 0,5-1 0,-4 0 0,2 1 0,-2-1 0,0 4 0,2-2 0,-2 2 0,0-1 0,2 2 0,-2 0 0,4 2 0,-1-2 0,1 0 0,0 2 0,-1-3 0,1 4 0,-1-3 0,-3 2 0,3-5 0,-4 2 0,1 0 0,3-3 0,-8 3 0,8-4 0,-7 0 0,-1 1 0,3-1 0,-2 1 0,4-1 0,3 4 0,-4-3 0,1 6 0,3-6 0,-8 3 0,4 0 0,0-3 0,-4 2 0,4 1 0,0-3 0,-4 7 0,11-7 0,-9 6 0,9-2 0,-7 0 0,5 2 0,-4-6 0,-2 6 0,1-3 0,1 1 0,-8-1 0,9-1 0,-13 2 0,11-1 0,0 3 0,-4-2 0,4 3 0,0-4 0,-4 4 0,4-4 0,-4 4 0,-1 0 0,1-3 0,0 2 0,-1-3 0,1 4 0,4 0 0,-4 0 0,8 0 0,-7 0 0,2 0 0,1 0 0,-11 0 0,9 0 0,-9-3 0,2 2 0,3-3 0,-3 0 0,0 4 0,4-4 0,-4 4 0,9-3 0,0 2 0,5-2 0,-1 3 0,1 0 0,0 0 0,0 0 0,0 0 0,0 0 0,-5 0 0,4 0 0,-3 0 0,3 0 0,1 0 0,0 0 0,0 0 0,0 0 0,1 0 0,-2 0 0,1 0 0,0 3 0,0-3 0,-5 7 0,0-6 0,-4 6 0,3-3 0,2 1 0,4-2 0,-1 0 0,1-2 0,0 3 0,2-4 0,2 0 0</inkml:trace>
-</inkml:ink>
-</file>
-
-<file path=ppt/ink/ink21.xml><?xml version="1.0" encoding="utf-8"?>
-<inkml:ink xmlns:inkml="http://www.w3.org/2003/InkML">
-  <inkml:definitions>
-    <inkml:context xml:id="ctx0">
-      <inkml:inkSource xml:id="inkSrc0">
-        <inkml:traceFormat>
-          <inkml:channel name="X" type="integer" min="-2.14748E9" max="2.14748E9" units="cm"/>
-          <inkml:channel name="Y" type="integer" min="-2.14748E9" max="2.14748E9" units="cm"/>
-          <inkml:channel name="F" type="integer" max="32767" units="dev"/>
-        </inkml:traceFormat>
-        <inkml:channelProperties>
-          <inkml:channelProperty channel="X" name="resolution" value="1000" units="1/cm"/>
-          <inkml:channelProperty channel="Y" name="resolution" value="1000" units="1/cm"/>
-          <inkml:channelProperty channel="F" name="resolution" value="0" units="1/dev"/>
-        </inkml:channelProperties>
-      </inkml:inkSource>
-      <inkml:timestamp xml:id="ts0" timeString="2022-09-14T19:55:17.850"/>
-    </inkml:context>
-    <inkml:brush xml:id="br0">
-      <inkml:brushProperty name="width" value="0.1" units="cm"/>
-      <inkml:brushProperty name="height" value="0.1" units="cm"/>
-    </inkml:brush>
-  </inkml:definitions>
-  <inkml:trace contextRef="#ctx0" brushRef="#br0">4358 1 24575,'-78'50'0,"1"0"0,-1 0 0,0-1 0,1 1 0,-1 0 0,0 0 0,1 0 0,-1 0 0,0 0 0,1 0 0,-1 0 0,-3 2 0,-2 1 0,-3 1 0,1 0 0,0 0 0,2-1 0,3-1 0,5-2 0,4-2 0,8-2 0,7-4 0,-15 17 0,15-5 0,4-3 0,-1 0-1821,-20 14 1,0-2 0,3-2 1820,8-7 0,2-1 0,7-6 0,8-3 0,7-7 1636,-16 8-1636,-1 19 883,15-22-883,-1 9 0,2-12 0,0 0 2942,0 0-2942,-2 12 0,1-9 0,-15 22 0,13-21 0,-11 10 0,22-14 0,-6 0 0,15 1 0,-15-10 0,16-2 0,-16-9 0,8 9 0,-10-7 0,9 7 0,-7 0 0,7 2 0,1-1 0,-8 8 0,16-7 0,-16 9 0,6-8 0,1 6 0,-7-7 0,15 10 0,-6-11 0,9 8 0,0-7 0,0-1 0,1-1 0,8-11 0,-6 1 0,14 0 0,-13-1 0,5 1 0,-8 0 0,0 0 0,9-1 0,-7 1 0,6 0 0,0-1 0,-6 1 0,7-1 0,-1 0 0,-4-8 0,4 6 0,-6-6 0,-1 8 0,0 0 0,-1 1 0,1-9 0,7 7 0,-6-6 0,6 8 0,0-1 0,-5 1 0,13 0 0,-6-1 0,1-8 0,5-8 0,-5-11 0,-1-7 0,-2 1 0,1-2 0,-7 9 0,14-7 0,-13 6 0,13-8 0,-14 1 0,14-1 0,-15-9 0,15 7 0,-15-17 0,15 7 0,-15 1 0,6-8 0,1 17 0,-7-17 0,7 17 0,-1-8 0,3 11 0,0-1 0,6 0 0,-13 1 0,13-1 0,-6 0 0,0 8 0,6-5 0,-13 13 0,13-6 0,-5 8 0</inkml:trace>
-</inkml:ink>
-</file>
-
-<file path=ppt/ink/ink22.xml><?xml version="1.0" encoding="utf-8"?>
-<inkml:ink xmlns:inkml="http://www.w3.org/2003/InkML">
-  <inkml:definitions>
-    <inkml:context xml:id="ctx0">
-      <inkml:inkSource xml:id="inkSrc0">
-        <inkml:traceFormat>
-          <inkml:channel name="X" type="integer" min="-2.14748E9" max="2.14748E9" units="cm"/>
-          <inkml:channel name="Y" type="integer" min="-2.14748E9" max="2.14748E9" units="cm"/>
-          <inkml:channel name="F" type="integer" max="32767" units="dev"/>
-        </inkml:traceFormat>
-        <inkml:channelProperties>
-          <inkml:channelProperty channel="X" name="resolution" value="1000" units="1/cm"/>
-          <inkml:channelProperty channel="Y" name="resolution" value="1000" units="1/cm"/>
-          <inkml:channelProperty channel="F" name="resolution" value="0" units="1/dev"/>
-        </inkml:channelProperties>
-      </inkml:inkSource>
       <inkml:timestamp xml:id="ts0" timeString="2022-09-14T19:55:19.449"/>
     </inkml:context>
     <inkml:brush xml:id="br0">
@@ -521,7 +465,7 @@
 </inkml:ink>
 </file>
 
-<file path=ppt/ink/ink23.xml><?xml version="1.0" encoding="utf-8"?>
+<file path=ppt/ink/ink21.xml><?xml version="1.0" encoding="utf-8"?>
 <inkml:ink xmlns:inkml="http://www.w3.org/2003/InkML">
   <inkml:definitions>
     <inkml:context xml:id="ctx0">
@@ -548,7 +492,7 @@
 </inkml:ink>
 </file>
 
-<file path=ppt/ink/ink24.xml><?xml version="1.0" encoding="utf-8"?>
+<file path=ppt/ink/ink22.xml><?xml version="1.0" encoding="utf-8"?>
 <inkml:ink xmlns:inkml="http://www.w3.org/2003/InkML">
   <inkml:definitions>
     <inkml:context xml:id="ctx0">
@@ -575,7 +519,7 @@
 </inkml:ink>
 </file>
 
-<file path=ppt/ink/ink25.xml><?xml version="1.0" encoding="utf-8"?>
+<file path=ppt/ink/ink23.xml><?xml version="1.0" encoding="utf-8"?>
 <inkml:ink xmlns:inkml="http://www.w3.org/2003/InkML">
   <inkml:definitions>
     <inkml:context xml:id="ctx0">
@@ -602,7 +546,7 @@
 </inkml:ink>
 </file>
 
-<file path=ppt/ink/ink26.xml><?xml version="1.0" encoding="utf-8"?>
+<file path=ppt/ink/ink24.xml><?xml version="1.0" encoding="utf-8"?>
 <inkml:ink xmlns:inkml="http://www.w3.org/2003/InkML">
   <inkml:definitions>
     <inkml:context xml:id="ctx0">
@@ -629,7 +573,7 @@
 </inkml:ink>
 </file>
 
-<file path=ppt/ink/ink27.xml><?xml version="1.0" encoding="utf-8"?>
+<file path=ppt/ink/ink25.xml><?xml version="1.0" encoding="utf-8"?>
 <inkml:ink xmlns:inkml="http://www.w3.org/2003/InkML">
   <inkml:definitions>
     <inkml:context xml:id="ctx0">
@@ -650,14 +594,14 @@
     <inkml:brush xml:id="br0">
       <inkml:brushProperty name="width" value="0.1" units="cm"/>
       <inkml:brushProperty name="height" value="0.1" units="cm"/>
-      <inkml:brushProperty name="color" value="#E71224"/>
+      <inkml:brushProperty name="color" value="#C93431"/>
     </inkml:brush>
   </inkml:definitions>
   <inkml:trace contextRef="#ctx0" brushRef="#br0">1 1021 24575,'0'-20'0,"0"-21"0,0-2 0,0-27 0,0 17 0,0-16 0,0 16 0,7-2 0,1-4 0,4-17 0,-4 14 0,1 3 0,-2 1 0,-7 6 0,0 22 0,0-1 0,0 1 0,7 0 0,-5 7 0,11-6 0,-11 14 0,4-6 0,0 7 0,-4 1 0,10 5 0,-11 2 0,5 6 0</inkml:trace>
 </inkml:ink>
 </file>
 
-<file path=ppt/ink/ink28.xml><?xml version="1.0" encoding="utf-8"?>
+<file path=ppt/ink/ink26.xml><?xml version="1.0" encoding="utf-8"?>
 <inkml:ink xmlns:inkml="http://www.w3.org/2003/InkML">
   <inkml:definitions>
     <inkml:context xml:id="ctx0">
@@ -678,14 +622,14 @@
     <inkml:brush xml:id="br0">
       <inkml:brushProperty name="width" value="0.1" units="cm"/>
       <inkml:brushProperty name="height" value="0.1" units="cm"/>
-      <inkml:brushProperty name="color" value="#E71224"/>
+      <inkml:brushProperty name="color" value="#C93431"/>
     </inkml:brush>
   </inkml:definitions>
   <inkml:trace contextRef="#ctx0" brushRef="#br0">1 471 24575,'19'0'0,"-1"0"0,-4 0 0,-1 0 0,1 0 0,12-7 0,-15 0 0,22-1 0,-23-12 0,11 11 0,9-14 0,-11 2 0,11 10 0,0-10 0,-12 6 0,20-2 0,-15-5 0,1 0 0,4 12 0,-4-10 0,6 11 0,-13-5 0,2 6 0,-10-12 0,4 17 0,1-11 0,-1 9 0,1-3 0,-1 1 0,-6-5 0,5 5 0,-4-1 0,-1-4 0,4 10 0,-4-4 0,7-7 0,-1 3 0,9-11 0,-6-1 0,5 12 0,-6-9 0,-2 17 0,-5-4 0,-2 6 0</inkml:trace>
 </inkml:ink>
 </file>
 
-<file path=ppt/ink/ink29.xml><?xml version="1.0" encoding="utf-8"?>
+<file path=ppt/ink/ink27.xml><?xml version="1.0" encoding="utf-8"?>
 <inkml:ink xmlns:inkml="http://www.w3.org/2003/InkML">
   <inkml:definitions>
     <inkml:context xml:id="ctx0">
@@ -706,10 +650,66 @@
     <inkml:brush xml:id="br0">
       <inkml:brushProperty name="width" value="0.1" units="cm"/>
       <inkml:brushProperty name="height" value="0.1" units="cm"/>
-      <inkml:brushProperty name="color" value="#E71224"/>
+      <inkml:brushProperty name="color" value="#C93431"/>
     </inkml:brush>
   </inkml:definitions>
   <inkml:trace contextRef="#ctx0" brushRef="#br0">384 0 24575,'-13'0'0,"0"0"0,-1 0 0,1 0 0,-8 0 0,-1 0 0,0 0 0,-5 0 0,11 0 0,-17 0 0,10 0 0,-4 6 0,8 1 0,11 7 0,-3-1 0,3 0 0,1 0 0,-5 1 0,4-1 0,1 1 0,-5-7 0,11 5 0,-5-5 0,0 6 0,5 0 0,-11-5 0,10 4 0,-10-5 0,10 7 0,-4-1 0,6 0 0,0 0 0,0 0 0,0 0 0,0 1 0,0-1 0,0 1 0,6-7 0,1-2 0,6-5 0,-5 6 0,3-4 0,-4 4 0,6-6 0,0 0 0,1 0 0,-1 0 0,0 0 0,0 0 0,0 0 0,-5-6 0,4-2 0,-4-5 0,5-1 0,1 0 0,0 7 0,-7-5 0,5 10 0,-10-10 0,10 11 0,-5-11 0,7 4 0,-2-4 0,2-2 0,-7 2 0,5 5 0,-11-5 0,11 4 0,-10-5 0,10-1 0,-11 0 0,12 1 0,-6-1 0,7 6 0,-7-4 0,5 5 0,-16 5 0,9 10 0,-17 6 0,5 6 0,-7-6 0,0-1 0,1 1 0,-1-1 0,0 1 0,1 0 0,-1-1 0,0 1 0,7 0 0,-5-1 0,10 1 0,-10 0 0,10-1 0,-4 0 0,6 0 0,0 1 0,0 0 0,-13 0 0,10 0 0,-11 0 0,14 0 0,0-1 0,0 1 0,0-1 0,6 0 0,2 0 0,-1 1 0,6-1 0,-6-5 0,6-2 0,0-6 0,0 0 0,0 0 0,1 0 0,-1 0 0,1 0 0,-1 0 0,1 0 0,-1 0 0,1 0 0,7 0 0,2 0 0,0 0 0,5-7 0,-12 6 0,5-12 0,-8 11 0,1-4 0,-1 0 0,1-1 0,-2-6 0,-4-7 0,4 4 0,-11-12 0,11 12 0,-10-12 0,4 5 0,0-7 0,-4 7 0,5 2 0,-7 7 0,0 1 0,0-1 0,0 0 0,0 1 0,-6 6 0,-9-5 0,0 10 0,-6-5 0,7 1 0,1 5 0,-1-5 0,0 6 0,1 0 0,0 0 0,0 0 0,6-6 0,-4 4 0,9-10 0,-9 11 0,4-5 0,-7 0 0,1-2 0,-1-5 0,-7 5 0,12-4 0,-11 4 0,12 1 0,1-5 0,-5 10 0,10-4 0,-4 6 0</inkml:trace>
+</inkml:ink>
+</file>
+
+<file path=ppt/ink/ink28.xml><?xml version="1.0" encoding="utf-8"?>
+<inkml:ink xmlns:inkml="http://www.w3.org/2003/InkML">
+  <inkml:definitions>
+    <inkml:context xml:id="ctx0">
+      <inkml:inkSource xml:id="inkSrc0">
+        <inkml:traceFormat>
+          <inkml:channel name="X" type="integer" min="-2.14748E9" max="2.14748E9" units="cm"/>
+          <inkml:channel name="Y" type="integer" min="-2.14748E9" max="2.14748E9" units="cm"/>
+          <inkml:channel name="F" type="integer" max="32767" units="dev"/>
+        </inkml:traceFormat>
+        <inkml:channelProperties>
+          <inkml:channelProperty channel="X" name="resolution" value="1000" units="1/cm"/>
+          <inkml:channelProperty channel="Y" name="resolution" value="1000" units="1/cm"/>
+          <inkml:channelProperty channel="F" name="resolution" value="0" units="1/dev"/>
+        </inkml:channelProperties>
+      </inkml:inkSource>
+      <inkml:timestamp xml:id="ts0" timeString="2022-09-14T20:00:10.040"/>
+    </inkml:context>
+    <inkml:brush xml:id="br0">
+      <inkml:brushProperty name="width" value="0.1" units="cm"/>
+      <inkml:brushProperty name="height" value="0.1" units="cm"/>
+      <inkml:brushProperty name="color" value="#EBEBEB"/>
+    </inkml:brush>
+  </inkml:definitions>
+  <inkml:trace contextRef="#ctx0" brushRef="#br0">1 1 24575,'-1'5'0,"3"1"0,9 1 0,-4 3 0,4-3 0,-5 5 0,6 0 0,0 0 0,0 0 0,0-1 0,-5 1 0,3-5 0,-9 3 0,10-8 0,-10 8 0,10-4 0,-10 5 0,9-5 0,-8 5 0,8-5 0,-4 5 0,0 0 0,-1-5 0,-5-1 0</inkml:trace>
+</inkml:ink>
+</file>
+
+<file path=ppt/ink/ink29.xml><?xml version="1.0" encoding="utf-8"?>
+<inkml:ink xmlns:inkml="http://www.w3.org/2003/InkML">
+  <inkml:definitions>
+    <inkml:context xml:id="ctx0">
+      <inkml:inkSource xml:id="inkSrc0">
+        <inkml:traceFormat>
+          <inkml:channel name="X" type="integer" min="-2.14748E9" max="2.14748E9" units="cm"/>
+          <inkml:channel name="Y" type="integer" min="-2.14748E9" max="2.14748E9" units="cm"/>
+          <inkml:channel name="F" type="integer" max="32767" units="dev"/>
+        </inkml:traceFormat>
+        <inkml:channelProperties>
+          <inkml:channelProperty channel="X" name="resolution" value="1000" units="1/cm"/>
+          <inkml:channelProperty channel="Y" name="resolution" value="1000" units="1/cm"/>
+          <inkml:channelProperty channel="F" name="resolution" value="0" units="1/dev"/>
+        </inkml:channelProperties>
+      </inkml:inkSource>
+      <inkml:timestamp xml:id="ts0" timeString="2022-09-14T20:00:13.158"/>
+    </inkml:context>
+    <inkml:brush xml:id="br0">
+      <inkml:brushProperty name="width" value="0.1" units="cm"/>
+      <inkml:brushProperty name="height" value="0.1" units="cm"/>
+      <inkml:brushProperty name="color" value="#EBEBEB"/>
+    </inkml:brush>
+  </inkml:definitions>
+  <inkml:trace contextRef="#ctx0" brushRef="#br0">7 6 24575,'-5'-6'0,"3"6"0,2 7 0,7 5 0,5-1 0,-5 1 0,3 0 0,-9 0 0,4 0 0,0-1 0,-4 1 0,10-6 0,-10 5 0,10-4 0,-10 4 0,4 1 0,1-5 0,-5 4 0,10-5 0,-10 6 0,9 0 0,-9-1 0,10-4 0,-10-2 0,4-5 0</inkml:trace>
 </inkml:ink>
 </file>
 
@@ -757,62 +757,6 @@
           <inkml:channelProperty channel="F" name="resolution" value="0" units="1/dev"/>
         </inkml:channelProperties>
       </inkml:inkSource>
-      <inkml:timestamp xml:id="ts0" timeString="2022-09-14T20:00:10.040"/>
-    </inkml:context>
-    <inkml:brush xml:id="br0">
-      <inkml:brushProperty name="width" value="0.1" units="cm"/>
-      <inkml:brushProperty name="height" value="0.1" units="cm"/>
-      <inkml:brushProperty name="color" value="#EBEBEB"/>
-    </inkml:brush>
-  </inkml:definitions>
-  <inkml:trace contextRef="#ctx0" brushRef="#br0">1 1 24575,'-1'5'0,"3"1"0,9 1 0,-4 3 0,4-3 0,-5 5 0,6 0 0,0 0 0,0 0 0,0-1 0,-5 1 0,3-5 0,-9 3 0,10-8 0,-10 8 0,10-4 0,-10 5 0,9-5 0,-8 5 0,8-5 0,-4 5 0,0 0 0,-1-5 0,-5-1 0</inkml:trace>
-</inkml:ink>
-</file>
-
-<file path=ppt/ink/ink31.xml><?xml version="1.0" encoding="utf-8"?>
-<inkml:ink xmlns:inkml="http://www.w3.org/2003/InkML">
-  <inkml:definitions>
-    <inkml:context xml:id="ctx0">
-      <inkml:inkSource xml:id="inkSrc0">
-        <inkml:traceFormat>
-          <inkml:channel name="X" type="integer" min="-2.14748E9" max="2.14748E9" units="cm"/>
-          <inkml:channel name="Y" type="integer" min="-2.14748E9" max="2.14748E9" units="cm"/>
-          <inkml:channel name="F" type="integer" max="32767" units="dev"/>
-        </inkml:traceFormat>
-        <inkml:channelProperties>
-          <inkml:channelProperty channel="X" name="resolution" value="1000" units="1/cm"/>
-          <inkml:channelProperty channel="Y" name="resolution" value="1000" units="1/cm"/>
-          <inkml:channelProperty channel="F" name="resolution" value="0" units="1/dev"/>
-        </inkml:channelProperties>
-      </inkml:inkSource>
-      <inkml:timestamp xml:id="ts0" timeString="2022-09-14T20:00:13.158"/>
-    </inkml:context>
-    <inkml:brush xml:id="br0">
-      <inkml:brushProperty name="width" value="0.1" units="cm"/>
-      <inkml:brushProperty name="height" value="0.1" units="cm"/>
-      <inkml:brushProperty name="color" value="#EBEBEB"/>
-    </inkml:brush>
-  </inkml:definitions>
-  <inkml:trace contextRef="#ctx0" brushRef="#br0">7 6 24575,'-5'-6'0,"3"6"0,2 7 0,7 5 0,5-1 0,-5 1 0,3 0 0,-9 0 0,4 0 0,0-1 0,-4 1 0,10-6 0,-10 5 0,10-4 0,-10 4 0,4 1 0,1-5 0,-5 4 0,10-5 0,-10 6 0,9 0 0,-9-1 0,10-4 0,-10-2 0,4-5 0</inkml:trace>
-</inkml:ink>
-</file>
-
-<file path=ppt/ink/ink32.xml><?xml version="1.0" encoding="utf-8"?>
-<inkml:ink xmlns:inkml="http://www.w3.org/2003/InkML">
-  <inkml:definitions>
-    <inkml:context xml:id="ctx0">
-      <inkml:inkSource xml:id="inkSrc0">
-        <inkml:traceFormat>
-          <inkml:channel name="X" type="integer" min="-2.14748E9" max="2.14748E9" units="cm"/>
-          <inkml:channel name="Y" type="integer" min="-2.14748E9" max="2.14748E9" units="cm"/>
-          <inkml:channel name="F" type="integer" max="32767" units="dev"/>
-        </inkml:traceFormat>
-        <inkml:channelProperties>
-          <inkml:channelProperty channel="X" name="resolution" value="1000" units="1/cm"/>
-          <inkml:channelProperty channel="Y" name="resolution" value="1000" units="1/cm"/>
-          <inkml:channelProperty channel="F" name="resolution" value="0" units="1/dev"/>
-        </inkml:channelProperties>
-      </inkml:inkSource>
       <inkml:timestamp xml:id="ts0" timeString="2022-09-14T20:00:14.573"/>
     </inkml:context>
     <inkml:brush xml:id="br0">
@@ -825,7 +769,7 @@
 </inkml:ink>
 </file>
 
-<file path=ppt/ink/ink33.xml><?xml version="1.0" encoding="utf-8"?>
+<file path=ppt/ink/ink31.xml><?xml version="1.0" encoding="utf-8"?>
 <inkml:ink xmlns:inkml="http://www.w3.org/2003/InkML">
   <inkml:definitions>
     <inkml:context xml:id="ctx0">
@@ -853,7 +797,7 @@
 </inkml:ink>
 </file>
 
-<file path=ppt/ink/ink34.xml><?xml version="1.0" encoding="utf-8"?>
+<file path=ppt/ink/ink32.xml><?xml version="1.0" encoding="utf-8"?>
 <inkml:ink xmlns:inkml="http://www.w3.org/2003/InkML">
   <inkml:definitions>
     <inkml:context xml:id="ctx0">
@@ -881,7 +825,7 @@
 </inkml:ink>
 </file>
 
-<file path=ppt/ink/ink35.xml><?xml version="1.0" encoding="utf-8"?>
+<file path=ppt/ink/ink33.xml><?xml version="1.0" encoding="utf-8"?>
 <inkml:ink xmlns:inkml="http://www.w3.org/2003/InkML">
   <inkml:definitions>
     <inkml:context xml:id="ctx0">
@@ -909,7 +853,7 @@
 </inkml:ink>
 </file>
 
-<file path=ppt/ink/ink36.xml><?xml version="1.0" encoding="utf-8"?>
+<file path=ppt/ink/ink34.xml><?xml version="1.0" encoding="utf-8"?>
 <inkml:ink xmlns:inkml="http://www.w3.org/2003/InkML">
   <inkml:definitions>
     <inkml:context xml:id="ctx0">
@@ -937,7 +881,7 @@
 </inkml:ink>
 </file>
 
-<file path=ppt/ink/ink37.xml><?xml version="1.0" encoding="utf-8"?>
+<file path=ppt/ink/ink35.xml><?xml version="1.0" encoding="utf-8"?>
 <inkml:ink xmlns:inkml="http://www.w3.org/2003/InkML">
   <inkml:definitions>
     <inkml:context xml:id="ctx0">
@@ -965,7 +909,7 @@
 </inkml:ink>
 </file>
 
-<file path=ppt/ink/ink38.xml><?xml version="1.0" encoding="utf-8"?>
+<file path=ppt/ink/ink36.xml><?xml version="1.0" encoding="utf-8"?>
 <inkml:ink xmlns:inkml="http://www.w3.org/2003/InkML">
   <inkml:definitions>
     <inkml:context xml:id="ctx0">
@@ -993,6 +937,60 @@
 </inkml:ink>
 </file>
 
+<file path=ppt/ink/ink37.xml><?xml version="1.0" encoding="utf-8"?>
+<inkml:ink xmlns:inkml="http://www.w3.org/2003/InkML">
+  <inkml:definitions>
+    <inkml:context xml:id="ctx0">
+      <inkml:inkSource xml:id="inkSrc0">
+        <inkml:traceFormat>
+          <inkml:channel name="X" type="integer" min="-2.14748E9" max="2.14748E9" units="cm"/>
+          <inkml:channel name="Y" type="integer" min="-2.14748E9" max="2.14748E9" units="cm"/>
+          <inkml:channel name="F" type="integer" max="32767" units="dev"/>
+        </inkml:traceFormat>
+        <inkml:channelProperties>
+          <inkml:channelProperty channel="X" name="resolution" value="1000" units="1/cm"/>
+          <inkml:channelProperty channel="Y" name="resolution" value="1000" units="1/cm"/>
+          <inkml:channelProperty channel="F" name="resolution" value="0" units="1/dev"/>
+        </inkml:channelProperties>
+      </inkml:inkSource>
+      <inkml:timestamp xml:id="ts0" timeString="2022-06-20T16:35:15.585"/>
+    </inkml:context>
+    <inkml:brush xml:id="br0">
+      <inkml:brushProperty name="width" value="0.1" units="cm"/>
+      <inkml:brushProperty name="height" value="0.1" units="cm"/>
+    </inkml:brush>
+  </inkml:definitions>
+  <inkml:trace contextRef="#ctx0" brushRef="#br0">2692 115 24575,'-11'0'0,"-3"0"0,6 0 0,-6 0 0,1 0 0,-3 0 0,0 0 0,-1 0 0,1 0 0,4 0 0,-4 0 0,-1 0 0,4 0 0,-7 0 0,7 0 0,-3 0 0,0 0 0,0 0 0,-1 0 0,5 0 0,-3 0 0,2 0 0,-8-4 0,4 3 0,-9-11 0,4 10 0,-5-6 0,0 4 0,0 3 0,5-7 0,-3 3 0,2-3 0,1 3 0,-3-3 0,7 7 0,-8-7 0,9 3 0,-9 0 0,4-2 0,-5 6 0,0-7 0,5 7 0,-3-3 0,7 0 0,-7 3 0,7-2 0,-3 3 0,0 0 0,4 0 0,-4 0 0,4 0 0,1 0 0,4 0 0,-4 0 0,4 0 0,-4 0 0,-1 0 0,1 0 0,0 0 0,4 0 0,-4 0 0,-7 3 0,4-2 0,-7 6 0,5-2 0,3-1 0,-8 4 0,9-3 0,-9 4 0,-3 3 0,0-2 0,0 2 0,3-3 0,-1 0 0,-2 0 0,-3 0 0,5 4 0,0 1 0,1 0 0,-1 3 0,0-7 0,0 7 0,0-3 0,1 3 0,3-3 0,-2 3 0,3-4 0,-5 5 0,0 0 0,5-1 0,-4 1 0,9-5 0,-9 4 0,9-4 0,-9 4 0,-4 4 0,6-3 0,-4 3 0,7-8 0,4 2 0,-4-2 0,4 4 0,1-1 0,0 0 0,0 1 0,-1-1 0,1 0 0,0 1 0,3-1 0,-3 0 0,4 1 0,-5-5 0,5 4 0,-4-4 0,3 9 0,-3-3 0,2 3 0,-9 7 0,8-4 0,-7 10 0,6-7 0,2-5 0,1 4 0,0-4 0,0 4 0,4 1 0,-8 0 0,7 0 0,-3-5 0,0 4 0,4-4 0,-4 0 0,4 4 0,5-9 0,-4 9 0,3-9 0,0 4 0,-2 0 0,6-3 0,-7 19 0,3-16 0,0 16 0,-2-14 0,6-1 0,-7 3 0,7-7 0,-7 8 0,7-9 0,-3 9 0,4-9 0,0 9 0,0-9 0,0 9 0,0-4 0,-4 5 0,3 5 0,-3-4 0,0 4 0,3-5 0,-8 5 0,8-3 0,-3 3 0,0-5 0,3-5 0,-3 4 0,4-9 0,0 4 0,0 0 0,0-4 0,0 9 0,0-4 0,0 5 0,0 5 0,0-3 0,0 3 0,0-5 0,0-1 0,0-3 0,0 2 0,0-7 0,0 7 0,0-7 0,0 3 0,0 0 0,0-4 0,0 4 0,0-4 0,0 4 0,0-4 0,0 4 0,0 0 0,0-3 0,0 7 0,0-7 0,0 19 0,0-12 0,0 14 0,0-12 0,0 0 0,0 0 0,0 0 0,0-1 0,4 1 0,1 0 0,4 0 0,0-1 0,0 1 0,0 0 0,0 5 0,0-8 0,0 7 0,4-9 0,-4 0 0,4-1 0,-5 0 0,0-4 0,1 4 0,-1-8 0,0 2 0,-1-3 0,1 4 0,4 1 0,2 4 0,-2-4 0,4 4 0,-2 0 0,2-4 0,1 4 0,0 0 0,0-3 0,4 3 0,-3-4 0,3 0 0,-5-1 0,5-3 0,-7 3 0,6-7 0,-11 2 0,2-3 0,-4-1 0,1 1 0,-1-1 0,0 1 0,1 2 0,-1-2 0,1 0 0,-1-2 0,6-5 0,0 2 0,4 1 0,0 1 0,-1 6 0,0-2 0,1 3 0,4 1 0,-4-4 0,4 7 0,0-7 0,-4 7 0,9-3 0,-9 0 0,4 3 0,-4-7 0,-1 3 0,0-4 0,1 1 0,-5-2 0,3 1 0,-6 0 0,2-4 0,-4 3 0,5-3 0,-4 4 0,3-4 0,1 3 0,-4-3 0,3 4 0,1 0 0,-4-1 0,7-2 0,-6 1 0,6-1 0,-3 2 0,5 2 0,-5-2 0,3-2 0,-6 1 0,6-5 0,-3 6 0,1-3 0,2 1 0,-6-2 0,6 1 0,-7-4 0,7 8 0,-6-7 0,6 6 0,-7-6 0,8 6 0,-4-6 0,4 3 0,1-1 0,-1-2 0,0 6 0,1-6 0,6 6 0,-5-2 0,2 3 0,-5-4 0,-6 3 0,6-6 0,-7 5 0,7-5 0,-2 2 0,3-3 0,0 0 0,1 0 0,4 0 0,1 0 0,5 4 0,0-3 0,-1 3 0,1 0 0,0 1 0,0 0 0,0 3 0,-5-7 0,3 7 0,-2-7 0,-1 7 0,-1-8 0,-9 4 0,3-4 0,-6 0 0,2 0 0,-4 0 0,1 0 0,-1 0 0,0 0 0,5 0 0,5 0 0,0 0 0,9 0 0,-4 0 0,5 0 0,-5 0 0,4 0 0,-9 0 0,9 0 0,-9 0 0,4 0 0,-4 0 0,-1 0 0,0 4 0,1-3 0,-1 2 0,5-3 0,-4 0 0,4 0 0,-4 0 0,-1 0 0,5 0 0,-3 4 0,7-3 0,-7 2 0,13-3 0,-8 0 0,15 0 0,-10 0 0,10 0 0,-10 0 0,9 0 0,-8 0 0,3 0 0,0 0 0,-8 0 0,7 4 0,8-3 0,-8 3 0,13-4 0,-11 0 0,0 0 0,1 0 0,3 0 0,-3 0 0,0 0 0,3-4 0,-3-1 0,-1-5 0,5 1 0,-5-1 0,6-4 0,0 3 0,0-7 0,0 7 0,-5-7 0,4 8 0,-10-7 0,9 6 0,-8-6 0,8 2 0,-9 1 0,5-4 0,-7 8 0,1-6 0,0 6 0,0-7 0,5 2 0,-4-3 0,10-1 0,-10 1 0,10-2 0,-10 2 0,5-5 0,0 3 0,-3-8 0,3 3 0,-3-4 0,-1-1 0,-5 2 0,4-1 0,-8-3 0,4-3 0,-5-4 0,10-23 0,-7 17 0,7-17 0,-14 23 0,-2 5 0,1-3 0,-3 8 0,2-3 0,-4 5 0,0-5 0,0 4 0,1-4 0,-1-1 0,0 0 0,6-6 0,-5 0 0,4 0 0,-4 0 0,0 0 0,-1 6 0,-3 1 0,2-1 0,-3 5 0,0-4 0,8-12 0,-11 13 0,6-14 0,-4 13 0,-3 4 0,4-4 0,-5-1 0,0 5 0,0-4 0,0 5 0,0 0 0,0 0 0,4 1 0,-3-7 0,3 5 0,-4-9 0,0 8 0,0-8 0,0 9 0,0-10 0,0 5 0,0-1 0,0-10 0,0 14 0,0-9 0,0 13 0,0 3 0,0-2 0,0 3 0,0-5 0,0 0 0,0-5 0,0 4 0,-4-5 0,3 1 0,-7 4 0,7-10 0,-8 5 0,8-6 0,-7 5 0,7-3 0,-7 3 0,2-5 0,-3 5 0,0 2 0,0 5 0,-4-11 0,3 8 0,-6-4 0,5 3 0,-1 12 0,7-12 0,-2 9 0,2-5 0,-4 0 0,0 0 0,0 0 0,0 5 0,0-4 0,1 9 0,-4-4 0,-1 8 0,-3-2 0,0 6 0,-1-3 0,1 4 0,0 0 0,4 0 0,-4 0 0,8 0 0,0-5 0,1 4 0,7-7 0,-11 3 0,6-3 0,-11 0 0,7 3 0,-6-2 0,7 7 0,-4-8 0,1 8 0,2-4 0,-2 4 0,3 1 0,-3 3 0,3-3 0,-8 7 0,8-7 0,-7 3 0,6-1 0,-6-2 0,3 6 0,-1-6 0,-2 3 0,7-4 0,-8 4 0,8-3 0,-3 3 0,-1-3 0,4-1 0,-4 1 0,5-1 0,-4 0 0,2 1 0,-2-1 0,0 4 0,2-2 0,-2 2 0,0-1 0,2 2 0,-2 0 0,4 2 0,-1-2 0,1 0 0,0 2 0,-1-3 0,1 4 0,-1-3 0,-3 2 0,3-5 0,-4 2 0,1 0 0,3-3 0,-8 3 0,8-4 0,-7 0 0,-1 1 0,3-1 0,-2 1 0,4-1 0,3 4 0,-4-3 0,1 6 0,3-6 0,-8 3 0,4 0 0,0-3 0,-4 2 0,4 1 0,0-3 0,-4 7 0,11-7 0,-9 6 0,9-2 0,-7 0 0,5 2 0,-4-6 0,-2 6 0,1-3 0,1 1 0,-8-1 0,9-1 0,-13 2 0,11-1 0,0 3 0,-4-2 0,4 3 0,0-4 0,-4 4 0,4-4 0,-4 4 0,-1 0 0,1-3 0,0 2 0,-1-3 0,1 4 0,4 0 0,-4 0 0,8 0 0,-7 0 0,2 0 0,1 0 0,-11 0 0,9 0 0,-9-3 0,2 2 0,3-3 0,-3 0 0,0 4 0,4-4 0,-4 4 0,9-3 0,0 2 0,5-2 0,-1 3 0,1 0 0,0 0 0,0 0 0,0 0 0,0 0 0,-5 0 0,4 0 0,-3 0 0,3 0 0,1 0 0,0 0 0,0 0 0,0 0 0,1 0 0,-2 0 0,1 0 0,0 3 0,0-3 0,-5 7 0,0-6 0,-4 6 0,3-3 0,2 1 0,4-2 0,-1 0 0,1-2 0,0 3 0,2-4 0,2 0 0</inkml:trace>
+</inkml:ink>
+</file>
+
+<file path=ppt/ink/ink38.xml><?xml version="1.0" encoding="utf-8"?>
+<inkml:ink xmlns:inkml="http://www.w3.org/2003/InkML">
+  <inkml:definitions>
+    <inkml:context xml:id="ctx0">
+      <inkml:inkSource xml:id="inkSrc0">
+        <inkml:traceFormat>
+          <inkml:channel name="X" type="integer" min="-2.14748E9" max="2.14748E9" units="cm"/>
+          <inkml:channel name="Y" type="integer" min="-2.14748E9" max="2.14748E9" units="cm"/>
+          <inkml:channel name="F" type="integer" max="32767" units="dev"/>
+        </inkml:traceFormat>
+        <inkml:channelProperties>
+          <inkml:channelProperty channel="X" name="resolution" value="1000" units="1/cm"/>
+          <inkml:channelProperty channel="Y" name="resolution" value="1000" units="1/cm"/>
+          <inkml:channelProperty channel="F" name="resolution" value="0" units="1/dev"/>
+        </inkml:channelProperties>
+      </inkml:inkSource>
+      <inkml:timestamp xml:id="ts0" timeString="2022-06-20T16:35:15.588"/>
+    </inkml:context>
+    <inkml:brush xml:id="br0">
+      <inkml:brushProperty name="width" value="0.1" units="cm"/>
+      <inkml:brushProperty name="height" value="0.1" units="cm"/>
+    </inkml:brush>
+  </inkml:definitions>
+  <inkml:trace contextRef="#ctx0" brushRef="#br0">2692 115 24575,'-11'0'0,"-3"0"0,6 0 0,-6 0 0,1 0 0,-3 0 0,0 0 0,-1 0 0,1 0 0,4 0 0,-4 0 0,-1 0 0,4 0 0,-7 0 0,7 0 0,-3 0 0,0 0 0,0 0 0,-1 0 0,5 0 0,-3 0 0,2 0 0,-8-4 0,4 3 0,-9-11 0,4 10 0,-5-6 0,0 4 0,0 3 0,5-7 0,-3 3 0,2-3 0,1 3 0,-3-3 0,7 7 0,-8-7 0,9 3 0,-9 0 0,4-2 0,-5 6 0,0-7 0,5 7 0,-3-3 0,7 0 0,-7 3 0,7-2 0,-3 3 0,0 0 0,4 0 0,-4 0 0,4 0 0,1 0 0,4 0 0,-4 0 0,4 0 0,-4 0 0,-1 0 0,1 0 0,0 0 0,4 0 0,-4 0 0,-7 3 0,4-2 0,-7 6 0,5-2 0,3-1 0,-8 4 0,9-3 0,-9 4 0,-3 3 0,0-2 0,0 2 0,3-3 0,-1 0 0,-2 0 0,-3 0 0,5 4 0,0 1 0,1 0 0,-1 3 0,0-7 0,0 7 0,0-3 0,1 3 0,3-3 0,-2 3 0,3-4 0,-5 5 0,0 0 0,5-1 0,-4 1 0,9-5 0,-9 4 0,9-4 0,-9 4 0,-4 4 0,6-3 0,-4 3 0,7-8 0,4 2 0,-4-2 0,4 4 0,1-1 0,0 0 0,0 1 0,-1-1 0,1 0 0,0 1 0,3-1 0,-3 0 0,4 1 0,-5-5 0,5 4 0,-4-4 0,3 9 0,-3-3 0,2 3 0,-9 7 0,8-4 0,-7 10 0,6-7 0,2-5 0,1 4 0,0-4 0,0 4 0,4 1 0,-8 0 0,7 0 0,-3-5 0,0 4 0,4-4 0,-4 0 0,4 4 0,5-9 0,-4 9 0,3-9 0,0 4 0,-2 0 0,6-3 0,-7 19 0,3-16 0,0 16 0,-2-14 0,6-1 0,-7 3 0,7-7 0,-7 8 0,7-9 0,-3 9 0,4-9 0,0 9 0,0-9 0,0 9 0,0-4 0,-4 5 0,3 5 0,-3-4 0,0 4 0,3-5 0,-8 5 0,8-3 0,-3 3 0,0-5 0,3-5 0,-3 4 0,4-9 0,0 4 0,0 0 0,0-4 0,0 9 0,0-4 0,0 5 0,0 5 0,0-3 0,0 3 0,0-5 0,0-1 0,0-3 0,0 2 0,0-7 0,0 7 0,0-7 0,0 3 0,0 0 0,0-4 0,0 4 0,0-4 0,0 4 0,0-4 0,0 4 0,0 0 0,0-3 0,0 7 0,0-7 0,0 19 0,0-12 0,0 14 0,0-12 0,0 0 0,0 0 0,0 0 0,0-1 0,4 1 0,1 0 0,4 0 0,0-1 0,0 1 0,0 0 0,0 5 0,0-8 0,0 7 0,4-9 0,-4 0 0,4-1 0,-5 0 0,0-4 0,1 4 0,-1-8 0,0 2 0,-1-3 0,1 4 0,4 1 0,2 4 0,-2-4 0,4 4 0,-2 0 0,2-4 0,1 4 0,0 0 0,0-3 0,4 3 0,-3-4 0,3 0 0,-5-1 0,5-3 0,-7 3 0,6-7 0,-11 2 0,2-3 0,-4-1 0,1 1 0,-1-1 0,0 1 0,1 2 0,-1-2 0,1 0 0,-1-2 0,6-5 0,0 2 0,4 1 0,0 1 0,-1 6 0,0-2 0,1 3 0,4 1 0,-4-4 0,4 7 0,0-7 0,-4 7 0,9-3 0,-9 0 0,4 3 0,-4-7 0,-1 3 0,0-4 0,1 1 0,-5-2 0,3 1 0,-6 0 0,2-4 0,-4 3 0,5-3 0,-4 4 0,3-4 0,1 3 0,-4-3 0,3 4 0,1 0 0,-4-1 0,7-2 0,-6 1 0,6-1 0,-3 2 0,5 2 0,-5-2 0,3-2 0,-6 1 0,6-5 0,-3 6 0,1-3 0,2 1 0,-6-2 0,6 1 0,-7-4 0,7 8 0,-6-7 0,6 6 0,-7-6 0,8 6 0,-4-6 0,4 3 0,1-1 0,-1-2 0,0 6 0,1-6 0,6 6 0,-5-2 0,2 3 0,-5-4 0,-6 3 0,6-6 0,-7 5 0,7-5 0,-2 2 0,3-3 0,0 0 0,1 0 0,4 0 0,1 0 0,5 4 0,0-3 0,-1 3 0,1 0 0,0 1 0,0 0 0,0 3 0,-5-7 0,3 7 0,-2-7 0,-1 7 0,-1-8 0,-9 4 0,3-4 0,-6 0 0,2 0 0,-4 0 0,1 0 0,-1 0 0,0 0 0,5 0 0,5 0 0,0 0 0,9 0 0,-4 0 0,5 0 0,-5 0 0,4 0 0,-9 0 0,9 0 0,-9 0 0,4 0 0,-4 0 0,-1 0 0,0 4 0,1-3 0,-1 2 0,5-3 0,-4 0 0,4 0 0,-4 0 0,-1 0 0,5 0 0,-3 4 0,7-3 0,-7 2 0,13-3 0,-8 0 0,15 0 0,-10 0 0,10 0 0,-10 0 0,9 0 0,-8 0 0,3 0 0,0 0 0,-8 0 0,7 4 0,8-3 0,-8 3 0,13-4 0,-11 0 0,0 0 0,1 0 0,3 0 0,-3 0 0,0 0 0,3-4 0,-3-1 0,-1-5 0,5 1 0,-5-1 0,6-4 0,0 3 0,0-7 0,0 7 0,-5-7 0,4 8 0,-10-7 0,9 6 0,-8-6 0,8 2 0,-9 1 0,5-4 0,-7 8 0,1-6 0,0 6 0,0-7 0,5 2 0,-4-3 0,10-1 0,-10 1 0,10-2 0,-10 2 0,5-5 0,0 3 0,-3-8 0,3 3 0,-3-4 0,-1-1 0,-5 2 0,4-1 0,-8-3 0,4-3 0,-5-4 0,10-23 0,-7 17 0,7-17 0,-14 23 0,-2 5 0,1-3 0,-3 8 0,2-3 0,-4 5 0,0-5 0,0 4 0,1-4 0,-1-1 0,0 0 0,6-6 0,-5 0 0,4 0 0,-4 0 0,0 0 0,-1 6 0,-3 1 0,2-1 0,-3 5 0,0-4 0,8-12 0,-11 13 0,6-14 0,-4 13 0,-3 4 0,4-4 0,-5-1 0,0 5 0,0-4 0,0 5 0,0 0 0,0 0 0,4 1 0,-3-7 0,3 5 0,-4-9 0,0 8 0,0-8 0,0 9 0,0-10 0,0 5 0,0-1 0,0-10 0,0 14 0,0-9 0,0 13 0,0 3 0,0-2 0,0 3 0,0-5 0,0 0 0,0-5 0,0 4 0,-4-5 0,3 1 0,-7 4 0,7-10 0,-8 5 0,8-6 0,-7 5 0,7-3 0,-7 3 0,2-5 0,-3 5 0,0 2 0,0 5 0,-4-11 0,3 8 0,-6-4 0,5 3 0,-1 12 0,7-12 0,-2 9 0,2-5 0,-4 0 0,0 0 0,0 0 0,0 5 0,0-4 0,1 9 0,-4-4 0,-1 8 0,-3-2 0,0 6 0,-1-3 0,1 4 0,0 0 0,4 0 0,-4 0 0,8 0 0,0-5 0,1 4 0,7-7 0,-11 3 0,6-3 0,-11 0 0,7 3 0,-6-2 0,7 7 0,-4-8 0,1 8 0,2-4 0,-2 4 0,3 1 0,-3 3 0,3-3 0,-8 7 0,8-7 0,-7 3 0,6-1 0,-6-2 0,3 6 0,-1-6 0,-2 3 0,7-4 0,-8 4 0,8-3 0,-3 3 0,-1-3 0,4-1 0,-4 1 0,5-1 0,-4 0 0,2 1 0,-2-1 0,0 4 0,2-2 0,-2 2 0,0-1 0,2 2 0,-2 0 0,4 2 0,-1-2 0,1 0 0,0 2 0,-1-3 0,1 4 0,-1-3 0,-3 2 0,3-5 0,-4 2 0,1 0 0,3-3 0,-8 3 0,8-4 0,-7 0 0,-1 1 0,3-1 0,-2 1 0,4-1 0,3 4 0,-4-3 0,1 6 0,3-6 0,-8 3 0,4 0 0,0-3 0,-4 2 0,4 1 0,0-3 0,-4 7 0,11-7 0,-9 6 0,9-2 0,-7 0 0,5 2 0,-4-6 0,-2 6 0,1-3 0,1 1 0,-8-1 0,9-1 0,-13 2 0,11-1 0,0 3 0,-4-2 0,4 3 0,0-4 0,-4 4 0,4-4 0,-4 4 0,-1 0 0,1-3 0,0 2 0,-1-3 0,1 4 0,4 0 0,-4 0 0,8 0 0,-7 0 0,2 0 0,1 0 0,-11 0 0,9 0 0,-9-3 0,2 2 0,3-3 0,-3 0 0,0 4 0,4-4 0,-4 4 0,9-3 0,0 2 0,5-2 0,-1 3 0,1 0 0,0 0 0,0 0 0,0 0 0,0 0 0,-5 0 0,4 0 0,-3 0 0,3 0 0,1 0 0,0 0 0,0 0 0,0 0 0,1 0 0,-2 0 0,1 0 0,0 3 0,0-3 0,-5 7 0,0-6 0,-4 6 0,3-3 0,2 1 0,4-2 0,-1 0 0,1-2 0,0 3 0,2-4 0,2 0 0</inkml:trace>
+</inkml:ink>
+</file>
+
 <file path=ppt/ink/ink39.xml><?xml version="1.0" encoding="utf-8"?>
 <inkml:ink xmlns:inkml="http://www.w3.org/2003/InkML">
   <inkml:definitions>
@@ -1009,7 +1007,7 @@
           <inkml:channelProperty channel="F" name="resolution" value="0" units="1/dev"/>
         </inkml:channelProperties>
       </inkml:inkSource>
-      <inkml:timestamp xml:id="ts0" timeString="2022-06-20T16:35:15.585"/>
+      <inkml:timestamp xml:id="ts0" timeString="2022-06-20T16:35:47.902"/>
     </inkml:context>
     <inkml:brush xml:id="br0">
       <inkml:brushProperty name="width" value="0.1" units="cm"/>
@@ -1064,60 +1062,6 @@
           <inkml:channelProperty channel="F" name="resolution" value="0" units="1/dev"/>
         </inkml:channelProperties>
       </inkml:inkSource>
-      <inkml:timestamp xml:id="ts0" timeString="2022-06-20T16:35:15.588"/>
-    </inkml:context>
-    <inkml:brush xml:id="br0">
-      <inkml:brushProperty name="width" value="0.1" units="cm"/>
-      <inkml:brushProperty name="height" value="0.1" units="cm"/>
-    </inkml:brush>
-  </inkml:definitions>
-  <inkml:trace contextRef="#ctx0" brushRef="#br0">2692 115 24575,'-11'0'0,"-3"0"0,6 0 0,-6 0 0,1 0 0,-3 0 0,0 0 0,-1 0 0,1 0 0,4 0 0,-4 0 0,-1 0 0,4 0 0,-7 0 0,7 0 0,-3 0 0,0 0 0,0 0 0,-1 0 0,5 0 0,-3 0 0,2 0 0,-8-4 0,4 3 0,-9-11 0,4 10 0,-5-6 0,0 4 0,0 3 0,5-7 0,-3 3 0,2-3 0,1 3 0,-3-3 0,7 7 0,-8-7 0,9 3 0,-9 0 0,4-2 0,-5 6 0,0-7 0,5 7 0,-3-3 0,7 0 0,-7 3 0,7-2 0,-3 3 0,0 0 0,4 0 0,-4 0 0,4 0 0,1 0 0,4 0 0,-4 0 0,4 0 0,-4 0 0,-1 0 0,1 0 0,0 0 0,4 0 0,-4 0 0,-7 3 0,4-2 0,-7 6 0,5-2 0,3-1 0,-8 4 0,9-3 0,-9 4 0,-3 3 0,0-2 0,0 2 0,3-3 0,-1 0 0,-2 0 0,-3 0 0,5 4 0,0 1 0,1 0 0,-1 3 0,0-7 0,0 7 0,0-3 0,1 3 0,3-3 0,-2 3 0,3-4 0,-5 5 0,0 0 0,5-1 0,-4 1 0,9-5 0,-9 4 0,9-4 0,-9 4 0,-4 4 0,6-3 0,-4 3 0,7-8 0,4 2 0,-4-2 0,4 4 0,1-1 0,0 0 0,0 1 0,-1-1 0,1 0 0,0 1 0,3-1 0,-3 0 0,4 1 0,-5-5 0,5 4 0,-4-4 0,3 9 0,-3-3 0,2 3 0,-9 7 0,8-4 0,-7 10 0,6-7 0,2-5 0,1 4 0,0-4 0,0 4 0,4 1 0,-8 0 0,7 0 0,-3-5 0,0 4 0,4-4 0,-4 0 0,4 4 0,5-9 0,-4 9 0,3-9 0,0 4 0,-2 0 0,6-3 0,-7 19 0,3-16 0,0 16 0,-2-14 0,6-1 0,-7 3 0,7-7 0,-7 8 0,7-9 0,-3 9 0,4-9 0,0 9 0,0-9 0,0 9 0,0-4 0,-4 5 0,3 5 0,-3-4 0,0 4 0,3-5 0,-8 5 0,8-3 0,-3 3 0,0-5 0,3-5 0,-3 4 0,4-9 0,0 4 0,0 0 0,0-4 0,0 9 0,0-4 0,0 5 0,0 5 0,0-3 0,0 3 0,0-5 0,0-1 0,0-3 0,0 2 0,0-7 0,0 7 0,0-7 0,0 3 0,0 0 0,0-4 0,0 4 0,0-4 0,0 4 0,0-4 0,0 4 0,0 0 0,0-3 0,0 7 0,0-7 0,0 19 0,0-12 0,0 14 0,0-12 0,0 0 0,0 0 0,0 0 0,0-1 0,4 1 0,1 0 0,4 0 0,0-1 0,0 1 0,0 0 0,0 5 0,0-8 0,0 7 0,4-9 0,-4 0 0,4-1 0,-5 0 0,0-4 0,1 4 0,-1-8 0,0 2 0,-1-3 0,1 4 0,4 1 0,2 4 0,-2-4 0,4 4 0,-2 0 0,2-4 0,1 4 0,0 0 0,0-3 0,4 3 0,-3-4 0,3 0 0,-5-1 0,5-3 0,-7 3 0,6-7 0,-11 2 0,2-3 0,-4-1 0,1 1 0,-1-1 0,0 1 0,1 2 0,-1-2 0,1 0 0,-1-2 0,6-5 0,0 2 0,4 1 0,0 1 0,-1 6 0,0-2 0,1 3 0,4 1 0,-4-4 0,4 7 0,0-7 0,-4 7 0,9-3 0,-9 0 0,4 3 0,-4-7 0,-1 3 0,0-4 0,1 1 0,-5-2 0,3 1 0,-6 0 0,2-4 0,-4 3 0,5-3 0,-4 4 0,3-4 0,1 3 0,-4-3 0,3 4 0,1 0 0,-4-1 0,7-2 0,-6 1 0,6-1 0,-3 2 0,5 2 0,-5-2 0,3-2 0,-6 1 0,6-5 0,-3 6 0,1-3 0,2 1 0,-6-2 0,6 1 0,-7-4 0,7 8 0,-6-7 0,6 6 0,-7-6 0,8 6 0,-4-6 0,4 3 0,1-1 0,-1-2 0,0 6 0,1-6 0,6 6 0,-5-2 0,2 3 0,-5-4 0,-6 3 0,6-6 0,-7 5 0,7-5 0,-2 2 0,3-3 0,0 0 0,1 0 0,4 0 0,1 0 0,5 4 0,0-3 0,-1 3 0,1 0 0,0 1 0,0 0 0,0 3 0,-5-7 0,3 7 0,-2-7 0,-1 7 0,-1-8 0,-9 4 0,3-4 0,-6 0 0,2 0 0,-4 0 0,1 0 0,-1 0 0,0 0 0,5 0 0,5 0 0,0 0 0,9 0 0,-4 0 0,5 0 0,-5 0 0,4 0 0,-9 0 0,9 0 0,-9 0 0,4 0 0,-4 0 0,-1 0 0,0 4 0,1-3 0,-1 2 0,5-3 0,-4 0 0,4 0 0,-4 0 0,-1 0 0,5 0 0,-3 4 0,7-3 0,-7 2 0,13-3 0,-8 0 0,15 0 0,-10 0 0,10 0 0,-10 0 0,9 0 0,-8 0 0,3 0 0,0 0 0,-8 0 0,7 4 0,8-3 0,-8 3 0,13-4 0,-11 0 0,0 0 0,1 0 0,3 0 0,-3 0 0,0 0 0,3-4 0,-3-1 0,-1-5 0,5 1 0,-5-1 0,6-4 0,0 3 0,0-7 0,0 7 0,-5-7 0,4 8 0,-10-7 0,9 6 0,-8-6 0,8 2 0,-9 1 0,5-4 0,-7 8 0,1-6 0,0 6 0,0-7 0,5 2 0,-4-3 0,10-1 0,-10 1 0,10-2 0,-10 2 0,5-5 0,0 3 0,-3-8 0,3 3 0,-3-4 0,-1-1 0,-5 2 0,4-1 0,-8-3 0,4-3 0,-5-4 0,10-23 0,-7 17 0,7-17 0,-14 23 0,-2 5 0,1-3 0,-3 8 0,2-3 0,-4 5 0,0-5 0,0 4 0,1-4 0,-1-1 0,0 0 0,6-6 0,-5 0 0,4 0 0,-4 0 0,0 0 0,-1 6 0,-3 1 0,2-1 0,-3 5 0,0-4 0,8-12 0,-11 13 0,6-14 0,-4 13 0,-3 4 0,4-4 0,-5-1 0,0 5 0,0-4 0,0 5 0,0 0 0,0 0 0,4 1 0,-3-7 0,3 5 0,-4-9 0,0 8 0,0-8 0,0 9 0,0-10 0,0 5 0,0-1 0,0-10 0,0 14 0,0-9 0,0 13 0,0 3 0,0-2 0,0 3 0,0-5 0,0 0 0,0-5 0,0 4 0,-4-5 0,3 1 0,-7 4 0,7-10 0,-8 5 0,8-6 0,-7 5 0,7-3 0,-7 3 0,2-5 0,-3 5 0,0 2 0,0 5 0,-4-11 0,3 8 0,-6-4 0,5 3 0,-1 12 0,7-12 0,-2 9 0,2-5 0,-4 0 0,0 0 0,0 0 0,0 5 0,0-4 0,1 9 0,-4-4 0,-1 8 0,-3-2 0,0 6 0,-1-3 0,1 4 0,0 0 0,4 0 0,-4 0 0,8 0 0,0-5 0,1 4 0,7-7 0,-11 3 0,6-3 0,-11 0 0,7 3 0,-6-2 0,7 7 0,-4-8 0,1 8 0,2-4 0,-2 4 0,3 1 0,-3 3 0,3-3 0,-8 7 0,8-7 0,-7 3 0,6-1 0,-6-2 0,3 6 0,-1-6 0,-2 3 0,7-4 0,-8 4 0,8-3 0,-3 3 0,-1-3 0,4-1 0,-4 1 0,5-1 0,-4 0 0,2 1 0,-2-1 0,0 4 0,2-2 0,-2 2 0,0-1 0,2 2 0,-2 0 0,4 2 0,-1-2 0,1 0 0,0 2 0,-1-3 0,1 4 0,-1-3 0,-3 2 0,3-5 0,-4 2 0,1 0 0,3-3 0,-8 3 0,8-4 0,-7 0 0,-1 1 0,3-1 0,-2 1 0,4-1 0,3 4 0,-4-3 0,1 6 0,3-6 0,-8 3 0,4 0 0,0-3 0,-4 2 0,4 1 0,0-3 0,-4 7 0,11-7 0,-9 6 0,9-2 0,-7 0 0,5 2 0,-4-6 0,-2 6 0,1-3 0,1 1 0,-8-1 0,9-1 0,-13 2 0,11-1 0,0 3 0,-4-2 0,4 3 0,0-4 0,-4 4 0,4-4 0,-4 4 0,-1 0 0,1-3 0,0 2 0,-1-3 0,1 4 0,4 0 0,-4 0 0,8 0 0,-7 0 0,2 0 0,1 0 0,-11 0 0,9 0 0,-9-3 0,2 2 0,3-3 0,-3 0 0,0 4 0,4-4 0,-4 4 0,9-3 0,0 2 0,5-2 0,-1 3 0,1 0 0,0 0 0,0 0 0,0 0 0,0 0 0,-5 0 0,4 0 0,-3 0 0,3 0 0,1 0 0,0 0 0,0 0 0,0 0 0,1 0 0,-2 0 0,1 0 0,0 3 0,0-3 0,-5 7 0,0-6 0,-4 6 0,3-3 0,2 1 0,4-2 0,-1 0 0,1-2 0,0 3 0,2-4 0,2 0 0</inkml:trace>
-</inkml:ink>
-</file>
-
-<file path=ppt/ink/ink41.xml><?xml version="1.0" encoding="utf-8"?>
-<inkml:ink xmlns:inkml="http://www.w3.org/2003/InkML">
-  <inkml:definitions>
-    <inkml:context xml:id="ctx0">
-      <inkml:inkSource xml:id="inkSrc0">
-        <inkml:traceFormat>
-          <inkml:channel name="X" type="integer" min="-2.14748E9" max="2.14748E9" units="cm"/>
-          <inkml:channel name="Y" type="integer" min="-2.14748E9" max="2.14748E9" units="cm"/>
-          <inkml:channel name="F" type="integer" max="32767" units="dev"/>
-        </inkml:traceFormat>
-        <inkml:channelProperties>
-          <inkml:channelProperty channel="X" name="resolution" value="1000" units="1/cm"/>
-          <inkml:channelProperty channel="Y" name="resolution" value="1000" units="1/cm"/>
-          <inkml:channelProperty channel="F" name="resolution" value="0" units="1/dev"/>
-        </inkml:channelProperties>
-      </inkml:inkSource>
-      <inkml:timestamp xml:id="ts0" timeString="2022-06-20T16:35:47.902"/>
-    </inkml:context>
-    <inkml:brush xml:id="br0">
-      <inkml:brushProperty name="width" value="0.1" units="cm"/>
-      <inkml:brushProperty name="height" value="0.1" units="cm"/>
-    </inkml:brush>
-  </inkml:definitions>
-  <inkml:trace contextRef="#ctx0" brushRef="#br0">2692 115 24575,'-11'0'0,"-3"0"0,6 0 0,-6 0 0,1 0 0,-3 0 0,0 0 0,-1 0 0,1 0 0,4 0 0,-4 0 0,-1 0 0,4 0 0,-7 0 0,7 0 0,-3 0 0,0 0 0,0 0 0,-1 0 0,5 0 0,-3 0 0,2 0 0,-8-4 0,4 3 0,-9-11 0,4 10 0,-5-6 0,0 4 0,0 3 0,5-7 0,-3 3 0,2-3 0,1 3 0,-3-3 0,7 7 0,-8-7 0,9 3 0,-9 0 0,4-2 0,-5 6 0,0-7 0,5 7 0,-3-3 0,7 0 0,-7 3 0,7-2 0,-3 3 0,0 0 0,4 0 0,-4 0 0,4 0 0,1 0 0,4 0 0,-4 0 0,4 0 0,-4 0 0,-1 0 0,1 0 0,0 0 0,4 0 0,-4 0 0,-7 3 0,4-2 0,-7 6 0,5-2 0,3-1 0,-8 4 0,9-3 0,-9 4 0,-3 3 0,0-2 0,0 2 0,3-3 0,-1 0 0,-2 0 0,-3 0 0,5 4 0,0 1 0,1 0 0,-1 3 0,0-7 0,0 7 0,0-3 0,1 3 0,3-3 0,-2 3 0,3-4 0,-5 5 0,0 0 0,5-1 0,-4 1 0,9-5 0,-9 4 0,9-4 0,-9 4 0,-4 4 0,6-3 0,-4 3 0,7-8 0,4 2 0,-4-2 0,4 4 0,1-1 0,0 0 0,0 1 0,-1-1 0,1 0 0,0 1 0,3-1 0,-3 0 0,4 1 0,-5-5 0,5 4 0,-4-4 0,3 9 0,-3-3 0,2 3 0,-9 7 0,8-4 0,-7 10 0,6-7 0,2-5 0,1 4 0,0-4 0,0 4 0,4 1 0,-8 0 0,7 0 0,-3-5 0,0 4 0,4-4 0,-4 0 0,4 4 0,5-9 0,-4 9 0,3-9 0,0 4 0,-2 0 0,6-3 0,-7 19 0,3-16 0,0 16 0,-2-14 0,6-1 0,-7 3 0,7-7 0,-7 8 0,7-9 0,-3 9 0,4-9 0,0 9 0,0-9 0,0 9 0,0-4 0,-4 5 0,3 5 0,-3-4 0,0 4 0,3-5 0,-8 5 0,8-3 0,-3 3 0,0-5 0,3-5 0,-3 4 0,4-9 0,0 4 0,0 0 0,0-4 0,0 9 0,0-4 0,0 5 0,0 5 0,0-3 0,0 3 0,0-5 0,0-1 0,0-3 0,0 2 0,0-7 0,0 7 0,0-7 0,0 3 0,0 0 0,0-4 0,0 4 0,0-4 0,0 4 0,0-4 0,0 4 0,0 0 0,0-3 0,0 7 0,0-7 0,0 19 0,0-12 0,0 14 0,0-12 0,0 0 0,0 0 0,0 0 0,0-1 0,4 1 0,1 0 0,4 0 0,0-1 0,0 1 0,0 0 0,0 5 0,0-8 0,0 7 0,4-9 0,-4 0 0,4-1 0,-5 0 0,0-4 0,1 4 0,-1-8 0,0 2 0,-1-3 0,1 4 0,4 1 0,2 4 0,-2-4 0,4 4 0,-2 0 0,2-4 0,1 4 0,0 0 0,0-3 0,4 3 0,-3-4 0,3 0 0,-5-1 0,5-3 0,-7 3 0,6-7 0,-11 2 0,2-3 0,-4-1 0,1 1 0,-1-1 0,0 1 0,1 2 0,-1-2 0,1 0 0,-1-2 0,6-5 0,0 2 0,4 1 0,0 1 0,-1 6 0,0-2 0,1 3 0,4 1 0,-4-4 0,4 7 0,0-7 0,-4 7 0,9-3 0,-9 0 0,4 3 0,-4-7 0,-1 3 0,0-4 0,1 1 0,-5-2 0,3 1 0,-6 0 0,2-4 0,-4 3 0,5-3 0,-4 4 0,3-4 0,1 3 0,-4-3 0,3 4 0,1 0 0,-4-1 0,7-2 0,-6 1 0,6-1 0,-3 2 0,5 2 0,-5-2 0,3-2 0,-6 1 0,6-5 0,-3 6 0,1-3 0,2 1 0,-6-2 0,6 1 0,-7-4 0,7 8 0,-6-7 0,6 6 0,-7-6 0,8 6 0,-4-6 0,4 3 0,1-1 0,-1-2 0,0 6 0,1-6 0,6 6 0,-5-2 0,2 3 0,-5-4 0,-6 3 0,6-6 0,-7 5 0,7-5 0,-2 2 0,3-3 0,0 0 0,1 0 0,4 0 0,1 0 0,5 4 0,0-3 0,-1 3 0,1 0 0,0 1 0,0 0 0,0 3 0,-5-7 0,3 7 0,-2-7 0,-1 7 0,-1-8 0,-9 4 0,3-4 0,-6 0 0,2 0 0,-4 0 0,1 0 0,-1 0 0,0 0 0,5 0 0,5 0 0,0 0 0,9 0 0,-4 0 0,5 0 0,-5 0 0,4 0 0,-9 0 0,9 0 0,-9 0 0,4 0 0,-4 0 0,-1 0 0,0 4 0,1-3 0,-1 2 0,5-3 0,-4 0 0,4 0 0,-4 0 0,-1 0 0,5 0 0,-3 4 0,7-3 0,-7 2 0,13-3 0,-8 0 0,15 0 0,-10 0 0,10 0 0,-10 0 0,9 0 0,-8 0 0,3 0 0,0 0 0,-8 0 0,7 4 0,8-3 0,-8 3 0,13-4 0,-11 0 0,0 0 0,1 0 0,3 0 0,-3 0 0,0 0 0,3-4 0,-3-1 0,-1-5 0,5 1 0,-5-1 0,6-4 0,0 3 0,0-7 0,0 7 0,-5-7 0,4 8 0,-10-7 0,9 6 0,-8-6 0,8 2 0,-9 1 0,5-4 0,-7 8 0,1-6 0,0 6 0,0-7 0,5 2 0,-4-3 0,10-1 0,-10 1 0,10-2 0,-10 2 0,5-5 0,0 3 0,-3-8 0,3 3 0,-3-4 0,-1-1 0,-5 2 0,4-1 0,-8-3 0,4-3 0,-5-4 0,10-23 0,-7 17 0,7-17 0,-14 23 0,-2 5 0,1-3 0,-3 8 0,2-3 0,-4 5 0,0-5 0,0 4 0,1-4 0,-1-1 0,0 0 0,6-6 0,-5 0 0,4 0 0,-4 0 0,0 0 0,-1 6 0,-3 1 0,2-1 0,-3 5 0,0-4 0,8-12 0,-11 13 0,6-14 0,-4 13 0,-3 4 0,4-4 0,-5-1 0,0 5 0,0-4 0,0 5 0,0 0 0,0 0 0,4 1 0,-3-7 0,3 5 0,-4-9 0,0 8 0,0-8 0,0 9 0,0-10 0,0 5 0,0-1 0,0-10 0,0 14 0,0-9 0,0 13 0,0 3 0,0-2 0,0 3 0,0-5 0,0 0 0,0-5 0,0 4 0,-4-5 0,3 1 0,-7 4 0,7-10 0,-8 5 0,8-6 0,-7 5 0,7-3 0,-7 3 0,2-5 0,-3 5 0,0 2 0,0 5 0,-4-11 0,3 8 0,-6-4 0,5 3 0,-1 12 0,7-12 0,-2 9 0,2-5 0,-4 0 0,0 0 0,0 0 0,0 5 0,0-4 0,1 9 0,-4-4 0,-1 8 0,-3-2 0,0 6 0,-1-3 0,1 4 0,0 0 0,4 0 0,-4 0 0,8 0 0,0-5 0,1 4 0,7-7 0,-11 3 0,6-3 0,-11 0 0,7 3 0,-6-2 0,7 7 0,-4-8 0,1 8 0,2-4 0,-2 4 0,3 1 0,-3 3 0,3-3 0,-8 7 0,8-7 0,-7 3 0,6-1 0,-6-2 0,3 6 0,-1-6 0,-2 3 0,7-4 0,-8 4 0,8-3 0,-3 3 0,-1-3 0,4-1 0,-4 1 0,5-1 0,-4 0 0,2 1 0,-2-1 0,0 4 0,2-2 0,-2 2 0,0-1 0,2 2 0,-2 0 0,4 2 0,-1-2 0,1 0 0,0 2 0,-1-3 0,1 4 0,-1-3 0,-3 2 0,3-5 0,-4 2 0,1 0 0,3-3 0,-8 3 0,8-4 0,-7 0 0,-1 1 0,3-1 0,-2 1 0,4-1 0,3 4 0,-4-3 0,1 6 0,3-6 0,-8 3 0,4 0 0,0-3 0,-4 2 0,4 1 0,0-3 0,-4 7 0,11-7 0,-9 6 0,9-2 0,-7 0 0,5 2 0,-4-6 0,-2 6 0,1-3 0,1 1 0,-8-1 0,9-1 0,-13 2 0,11-1 0,0 3 0,-4-2 0,4 3 0,0-4 0,-4 4 0,4-4 0,-4 4 0,-1 0 0,1-3 0,0 2 0,-1-3 0,1 4 0,4 0 0,-4 0 0,8 0 0,-7 0 0,2 0 0,1 0 0,-11 0 0,9 0 0,-9-3 0,2 2 0,3-3 0,-3 0 0,0 4 0,4-4 0,-4 4 0,9-3 0,0 2 0,5-2 0,-1 3 0,1 0 0,0 0 0,0 0 0,0 0 0,0 0 0,-5 0 0,4 0 0,-3 0 0,3 0 0,1 0 0,0 0 0,0 0 0,0 0 0,1 0 0,-2 0 0,1 0 0,0 3 0,0-3 0,-5 7 0,0-6 0,-4 6 0,3-3 0,2 1 0,4-2 0,-1 0 0,1-2 0,0 3 0,2-4 0,2 0 0</inkml:trace>
-</inkml:ink>
-</file>
-
-<file path=ppt/ink/ink42.xml><?xml version="1.0" encoding="utf-8"?>
-<inkml:ink xmlns:inkml="http://www.w3.org/2003/InkML">
-  <inkml:definitions>
-    <inkml:context xml:id="ctx0">
-      <inkml:inkSource xml:id="inkSrc0">
-        <inkml:traceFormat>
-          <inkml:channel name="X" type="integer" min="-2.14748E9" max="2.14748E9" units="cm"/>
-          <inkml:channel name="Y" type="integer" min="-2.14748E9" max="2.14748E9" units="cm"/>
-          <inkml:channel name="F" type="integer" max="32767" units="dev"/>
-        </inkml:traceFormat>
-        <inkml:channelProperties>
-          <inkml:channelProperty channel="X" name="resolution" value="1000" units="1/cm"/>
-          <inkml:channelProperty channel="Y" name="resolution" value="1000" units="1/cm"/>
-          <inkml:channelProperty channel="F" name="resolution" value="0" units="1/dev"/>
-        </inkml:channelProperties>
-      </inkml:inkSource>
       <inkml:timestamp xml:id="ts0" timeString="2022-06-20T16:36:09.771"/>
     </inkml:context>
     <inkml:brush xml:id="br0">
@@ -1130,7 +1074,7 @@
 </inkml:ink>
 </file>
 
-<file path=ppt/ink/ink43.xml><?xml version="1.0" encoding="utf-8"?>
+<file path=ppt/ink/ink41.xml><?xml version="1.0" encoding="utf-8"?>
 <inkml:ink xmlns:inkml="http://www.w3.org/2003/InkML">
   <inkml:definitions>
     <inkml:context xml:id="ctx0">
@@ -1158,7 +1102,7 @@
 </inkml:ink>
 </file>
 
-<file path=ppt/ink/ink44.xml><?xml version="1.0" encoding="utf-8"?>
+<file path=ppt/ink/ink42.xml><?xml version="1.0" encoding="utf-8"?>
 <inkml:ink xmlns:inkml="http://www.w3.org/2003/InkML">
   <inkml:definitions>
     <inkml:context xml:id="ctx0">
@@ -1186,7 +1130,7 @@
 </inkml:ink>
 </file>
 
-<file path=ppt/ink/ink45.xml><?xml version="1.0" encoding="utf-8"?>
+<file path=ppt/ink/ink43.xml><?xml version="1.0" encoding="utf-8"?>
 <inkml:ink xmlns:inkml="http://www.w3.org/2003/InkML">
   <inkml:definitions>
     <inkml:context xml:id="ctx0">
@@ -1214,7 +1158,7 @@
 </inkml:ink>
 </file>
 
-<file path=ppt/ink/ink46.xml><?xml version="1.0" encoding="utf-8"?>
+<file path=ppt/ink/ink44.xml><?xml version="1.0" encoding="utf-8"?>
 <inkml:ink xmlns:inkml="http://www.w3.org/2003/InkML">
   <inkml:definitions>
     <inkml:context xml:id="ctx0">
@@ -1241,7 +1185,7 @@
 </inkml:ink>
 </file>
 
-<file path=ppt/ink/ink47.xml><?xml version="1.0" encoding="utf-8"?>
+<file path=ppt/ink/ink45.xml><?xml version="1.0" encoding="utf-8"?>
 <inkml:ink xmlns:inkml="http://www.w3.org/2003/InkML">
   <inkml:definitions>
     <inkml:context xml:id="ctx0">
@@ -1269,7 +1213,7 @@
 </inkml:ink>
 </file>
 
-<file path=ppt/ink/ink48.xml><?xml version="1.0" encoding="utf-8"?>
+<file path=ppt/ink/ink46.xml><?xml version="1.0" encoding="utf-8"?>
 <inkml:ink xmlns:inkml="http://www.w3.org/2003/InkML">
   <inkml:definitions>
     <inkml:context xml:id="ctx0">
@@ -1297,7 +1241,7 @@
 </inkml:ink>
 </file>
 
-<file path=ppt/ink/ink49.xml><?xml version="1.0" encoding="utf-8"?>
+<file path=ppt/ink/ink47.xml><?xml version="1.0" encoding="utf-8"?>
 <inkml:ink xmlns:inkml="http://www.w3.org/2003/InkML">
   <inkml:definitions>
     <inkml:context xml:id="ctx0">
@@ -1322,6 +1266,62 @@
     </inkml:brush>
   </inkml:definitions>
   <inkml:trace contextRef="#ctx0" brushRef="#br0">1 1021 24575,'0'-20'0,"0"-21"0,0-2 0,0-27 0,0 17 0,0-16 0,0 16 0,7-2 0,1-4 0,4-17 0,-4 14 0,1 3 0,-2 1 0,-7 6 0,0 22 0,0-1 0,0 1 0,7 0 0,-5 7 0,11-6 0,-11 14 0,4-6 0,0 7 0,-4 1 0,10 5 0,-11 2 0,5 6 0</inkml:trace>
+</inkml:ink>
+</file>
+
+<file path=ppt/ink/ink48.xml><?xml version="1.0" encoding="utf-8"?>
+<inkml:ink xmlns:inkml="http://www.w3.org/2003/InkML">
+  <inkml:definitions>
+    <inkml:context xml:id="ctx0">
+      <inkml:inkSource xml:id="inkSrc0">
+        <inkml:traceFormat>
+          <inkml:channel name="X" type="integer" min="-2.14748E9" max="2.14748E9" units="cm"/>
+          <inkml:channel name="Y" type="integer" min="-2.14748E9" max="2.14748E9" units="cm"/>
+          <inkml:channel name="F" type="integer" max="32767" units="dev"/>
+        </inkml:traceFormat>
+        <inkml:channelProperties>
+          <inkml:channelProperty channel="X" name="resolution" value="1000" units="1/cm"/>
+          <inkml:channelProperty channel="Y" name="resolution" value="1000" units="1/cm"/>
+          <inkml:channelProperty channel="F" name="resolution" value="0" units="1/dev"/>
+        </inkml:channelProperties>
+      </inkml:inkSource>
+      <inkml:timestamp xml:id="ts0" timeString="2022-06-20T16:48:23.160"/>
+    </inkml:context>
+    <inkml:brush xml:id="br0">
+      <inkml:brushProperty name="width" value="0.1" units="cm"/>
+      <inkml:brushProperty name="height" value="0.1" units="cm"/>
+      <inkml:brushProperty name="color" value="#E71224"/>
+    </inkml:brush>
+  </inkml:definitions>
+  <inkml:trace contextRef="#ctx0" brushRef="#br0">1 471 24575,'19'0'0,"-1"0"0,-4 0 0,-1 0 0,1 0 0,12-7 0,-15 0 0,22-1 0,-23-12 0,11 11 0,9-14 0,-11 2 0,11 10 0,0-10 0,-12 6 0,20-2 0,-15-5 0,1 0 0,4 12 0,-4-10 0,6 11 0,-13-5 0,2 6 0,-10-12 0,4 17 0,1-11 0,-1 9 0,1-3 0,-1 1 0,-6-5 0,5 5 0,-4-1 0,-1-4 0,4 10 0,-4-4 0,7-7 0,-1 3 0,9-11 0,-6-1 0,5 12 0,-6-9 0,-2 17 0,-5-4 0,-2 6 0</inkml:trace>
+</inkml:ink>
+</file>
+
+<file path=ppt/ink/ink49.xml><?xml version="1.0" encoding="utf-8"?>
+<inkml:ink xmlns:inkml="http://www.w3.org/2003/InkML">
+  <inkml:definitions>
+    <inkml:context xml:id="ctx0">
+      <inkml:inkSource xml:id="inkSrc0">
+        <inkml:traceFormat>
+          <inkml:channel name="X" type="integer" min="-2.14748E9" max="2.14748E9" units="cm"/>
+          <inkml:channel name="Y" type="integer" min="-2.14748E9" max="2.14748E9" units="cm"/>
+          <inkml:channel name="F" type="integer" max="32767" units="dev"/>
+        </inkml:traceFormat>
+        <inkml:channelProperties>
+          <inkml:channelProperty channel="X" name="resolution" value="1000" units="1/cm"/>
+          <inkml:channelProperty channel="Y" name="resolution" value="1000" units="1/cm"/>
+          <inkml:channelProperty channel="F" name="resolution" value="0" units="1/dev"/>
+        </inkml:channelProperties>
+      </inkml:inkSource>
+      <inkml:timestamp xml:id="ts0" timeString="2022-06-20T16:48:27.210"/>
+    </inkml:context>
+    <inkml:brush xml:id="br0">
+      <inkml:brushProperty name="width" value="0.1" units="cm"/>
+      <inkml:brushProperty name="height" value="0.1" units="cm"/>
+      <inkml:brushProperty name="color" value="#E71224"/>
+    </inkml:brush>
+  </inkml:definitions>
+  <inkml:trace contextRef="#ctx0" brushRef="#br0">384 0 24575,'-13'0'0,"0"0"0,-1 0 0,1 0 0,-8 0 0,-1 0 0,0 0 0,-5 0 0,11 0 0,-17 0 0,10 0 0,-4 6 0,8 1 0,11 7 0,-3-1 0,3 0 0,1 0 0,-5 1 0,4-1 0,1 1 0,-5-7 0,11 5 0,-5-5 0,0 6 0,5 0 0,-11-5 0,10 4 0,-10-5 0,10 7 0,-4-1 0,6 0 0,0 0 0,0 0 0,0 0 0,0 1 0,0-1 0,0 1 0,6-7 0,1-2 0,6-5 0,-5 6 0,3-4 0,-4 4 0,6-6 0,0 0 0,1 0 0,-1 0 0,0 0 0,0 0 0,0 0 0,-5-6 0,4-2 0,-4-5 0,5-1 0,1 0 0,0 7 0,-7-5 0,5 10 0,-10-10 0,10 11 0,-5-11 0,7 4 0,-2-4 0,2-2 0,-7 2 0,5 5 0,-11-5 0,11 4 0,-10-5 0,10-1 0,-11 0 0,12 1 0,-6-1 0,7 6 0,-7-4 0,5 5 0,-16 5 0,9 10 0,-17 6 0,5 6 0,-7-6 0,0-1 0,1 1 0,-1-1 0,0 1 0,1 0 0,-1-1 0,0 1 0,7 0 0,-5-1 0,10 1 0,-10 0 0,10-1 0,-4 0 0,6 0 0,0 1 0,0 0 0,-13 0 0,10 0 0,-11 0 0,14 0 0,0-1 0,0 1 0,0-1 0,6 0 0,2 0 0,-1 1 0,6-1 0,-6-5 0,6-2 0,0-6 0,0 0 0,0 0 0,1 0 0,-1 0 0,1 0 0,-1 0 0,1 0 0,-1 0 0,1 0 0,7 0 0,2 0 0,0 0 0,5-7 0,-12 6 0,5-12 0,-8 11 0,1-4 0,-1 0 0,1-1 0,-2-6 0,-4-7 0,4 4 0,-11-12 0,11 12 0,-10-12 0,4 5 0,0-7 0,-4 7 0,5 2 0,-7 7 0,0 1 0,0-1 0,0 0 0,0 1 0,-6 6 0,-9-5 0,0 10 0,-6-5 0,7 1 0,1 5 0,-1-5 0,0 6 0,1 0 0,0 0 0,0 0 0,6-6 0,-4 4 0,9-10 0,-9 11 0,4-5 0,-7 0 0,1-2 0,-1-5 0,-7 5 0,12-4 0,-11 4 0,12 1 0,1-5 0,-5 10 0,10-4 0,-4 6 0</inkml:trace>
 </inkml:ink>
 </file>
 
@@ -1368,62 +1368,6 @@
           <inkml:channelProperty channel="F" name="resolution" value="0" units="1/dev"/>
         </inkml:channelProperties>
       </inkml:inkSource>
-      <inkml:timestamp xml:id="ts0" timeString="2022-06-20T16:48:23.160"/>
-    </inkml:context>
-    <inkml:brush xml:id="br0">
-      <inkml:brushProperty name="width" value="0.1" units="cm"/>
-      <inkml:brushProperty name="height" value="0.1" units="cm"/>
-      <inkml:brushProperty name="color" value="#E71224"/>
-    </inkml:brush>
-  </inkml:definitions>
-  <inkml:trace contextRef="#ctx0" brushRef="#br0">1 471 24575,'19'0'0,"-1"0"0,-4 0 0,-1 0 0,1 0 0,12-7 0,-15 0 0,22-1 0,-23-12 0,11 11 0,9-14 0,-11 2 0,11 10 0,0-10 0,-12 6 0,20-2 0,-15-5 0,1 0 0,4 12 0,-4-10 0,6 11 0,-13-5 0,2 6 0,-10-12 0,4 17 0,1-11 0,-1 9 0,1-3 0,-1 1 0,-6-5 0,5 5 0,-4-1 0,-1-4 0,4 10 0,-4-4 0,7-7 0,-1 3 0,9-11 0,-6-1 0,5 12 0,-6-9 0,-2 17 0,-5-4 0,-2 6 0</inkml:trace>
-</inkml:ink>
-</file>
-
-<file path=ppt/ink/ink51.xml><?xml version="1.0" encoding="utf-8"?>
-<inkml:ink xmlns:inkml="http://www.w3.org/2003/InkML">
-  <inkml:definitions>
-    <inkml:context xml:id="ctx0">
-      <inkml:inkSource xml:id="inkSrc0">
-        <inkml:traceFormat>
-          <inkml:channel name="X" type="integer" min="-2.14748E9" max="2.14748E9" units="cm"/>
-          <inkml:channel name="Y" type="integer" min="-2.14748E9" max="2.14748E9" units="cm"/>
-          <inkml:channel name="F" type="integer" max="32767" units="dev"/>
-        </inkml:traceFormat>
-        <inkml:channelProperties>
-          <inkml:channelProperty channel="X" name="resolution" value="1000" units="1/cm"/>
-          <inkml:channelProperty channel="Y" name="resolution" value="1000" units="1/cm"/>
-          <inkml:channelProperty channel="F" name="resolution" value="0" units="1/dev"/>
-        </inkml:channelProperties>
-      </inkml:inkSource>
-      <inkml:timestamp xml:id="ts0" timeString="2022-06-20T16:48:27.210"/>
-    </inkml:context>
-    <inkml:brush xml:id="br0">
-      <inkml:brushProperty name="width" value="0.1" units="cm"/>
-      <inkml:brushProperty name="height" value="0.1" units="cm"/>
-      <inkml:brushProperty name="color" value="#E71224"/>
-    </inkml:brush>
-  </inkml:definitions>
-  <inkml:trace contextRef="#ctx0" brushRef="#br0">384 0 24575,'-13'0'0,"0"0"0,-1 0 0,1 0 0,-8 0 0,-1 0 0,0 0 0,-5 0 0,11 0 0,-17 0 0,10 0 0,-4 6 0,8 1 0,11 7 0,-3-1 0,3 0 0,1 0 0,-5 1 0,4-1 0,1 1 0,-5-7 0,11 5 0,-5-5 0,0 6 0,5 0 0,-11-5 0,10 4 0,-10-5 0,10 7 0,-4-1 0,6 0 0,0 0 0,0 0 0,0 0 0,0 1 0,0-1 0,0 1 0,6-7 0,1-2 0,6-5 0,-5 6 0,3-4 0,-4 4 0,6-6 0,0 0 0,1 0 0,-1 0 0,0 0 0,0 0 0,0 0 0,-5-6 0,4-2 0,-4-5 0,5-1 0,1 0 0,0 7 0,-7-5 0,5 10 0,-10-10 0,10 11 0,-5-11 0,7 4 0,-2-4 0,2-2 0,-7 2 0,5 5 0,-11-5 0,11 4 0,-10-5 0,10-1 0,-11 0 0,12 1 0,-6-1 0,7 6 0,-7-4 0,5 5 0,-16 5 0,9 10 0,-17 6 0,5 6 0,-7-6 0,0-1 0,1 1 0,-1-1 0,0 1 0,1 0 0,-1-1 0,0 1 0,7 0 0,-5-1 0,10 1 0,-10 0 0,10-1 0,-4 0 0,6 0 0,0 1 0,0 0 0,-13 0 0,10 0 0,-11 0 0,14 0 0,0-1 0,0 1 0,0-1 0,6 0 0,2 0 0,-1 1 0,6-1 0,-6-5 0,6-2 0,0-6 0,0 0 0,0 0 0,1 0 0,-1 0 0,1 0 0,-1 0 0,1 0 0,-1 0 0,1 0 0,7 0 0,2 0 0,0 0 0,5-7 0,-12 6 0,5-12 0,-8 11 0,1-4 0,-1 0 0,1-1 0,-2-6 0,-4-7 0,4 4 0,-11-12 0,11 12 0,-10-12 0,4 5 0,0-7 0,-4 7 0,5 2 0,-7 7 0,0 1 0,0-1 0,0 0 0,0 1 0,-6 6 0,-9-5 0,0 10 0,-6-5 0,7 1 0,1 5 0,-1-5 0,0 6 0,1 0 0,0 0 0,0 0 0,6-6 0,-4 4 0,9-10 0,-9 11 0,4-5 0,-7 0 0,1-2 0,-1-5 0,-7 5 0,12-4 0,-11 4 0,12 1 0,1-5 0,-5 10 0,10-4 0,-4 6 0</inkml:trace>
-</inkml:ink>
-</file>
-
-<file path=ppt/ink/ink52.xml><?xml version="1.0" encoding="utf-8"?>
-<inkml:ink xmlns:inkml="http://www.w3.org/2003/InkML">
-  <inkml:definitions>
-    <inkml:context xml:id="ctx0">
-      <inkml:inkSource xml:id="inkSrc0">
-        <inkml:traceFormat>
-          <inkml:channel name="X" type="integer" min="-2.14748E9" max="2.14748E9" units="cm"/>
-          <inkml:channel name="Y" type="integer" min="-2.14748E9" max="2.14748E9" units="cm"/>
-          <inkml:channel name="F" type="integer" max="32767" units="dev"/>
-        </inkml:traceFormat>
-        <inkml:channelProperties>
-          <inkml:channelProperty channel="X" name="resolution" value="1000" units="1/cm"/>
-          <inkml:channelProperty channel="Y" name="resolution" value="1000" units="1/cm"/>
-          <inkml:channelProperty channel="F" name="resolution" value="0" units="1/dev"/>
-        </inkml:channelProperties>
-      </inkml:inkSource>
       <inkml:timestamp xml:id="ts0" timeString="2022-06-20T16:48:46.895"/>
     </inkml:context>
     <inkml:brush xml:id="br0">
@@ -1436,7 +1380,7 @@
 </inkml:ink>
 </file>
 
-<file path=ppt/ink/ink53.xml><?xml version="1.0" encoding="utf-8"?>
+<file path=ppt/ink/ink51.xml><?xml version="1.0" encoding="utf-8"?>
 <inkml:ink xmlns:inkml="http://www.w3.org/2003/InkML">
   <inkml:definitions>
     <inkml:context xml:id="ctx0">
@@ -1464,7 +1408,7 @@
 </inkml:ink>
 </file>
 
-<file path=ppt/ink/ink54.xml><?xml version="1.0" encoding="utf-8"?>
+<file path=ppt/ink/ink52.xml><?xml version="1.0" encoding="utf-8"?>
 <inkml:ink xmlns:inkml="http://www.w3.org/2003/InkML">
   <inkml:definitions>
     <inkml:context xml:id="ctx0">
@@ -1492,7 +1436,7 @@
 </inkml:ink>
 </file>
 
-<file path=ppt/ink/ink55.xml><?xml version="1.0" encoding="utf-8"?>
+<file path=ppt/ink/ink53.xml><?xml version="1.0" encoding="utf-8"?>
 <inkml:ink xmlns:inkml="http://www.w3.org/2003/InkML">
   <inkml:definitions>
     <inkml:context xml:id="ctx0">
@@ -1520,7 +1464,7 @@
 </inkml:ink>
 </file>
 
-<file path=ppt/ink/ink56.xml><?xml version="1.0" encoding="utf-8"?>
+<file path=ppt/ink/ink54.xml><?xml version="1.0" encoding="utf-8"?>
 <inkml:ink xmlns:inkml="http://www.w3.org/2003/InkML">
   <inkml:definitions>
     <inkml:context xml:id="ctx0">
@@ -1547,7 +1491,7 @@
 </inkml:ink>
 </file>
 
-<file path=ppt/ink/ink57.xml><?xml version="1.0" encoding="utf-8"?>
+<file path=ppt/ink/ink55.xml><?xml version="1.0" encoding="utf-8"?>
 <inkml:ink xmlns:inkml="http://www.w3.org/2003/InkML">
   <inkml:definitions>
     <inkml:context xml:id="ctx0">
@@ -1575,7 +1519,7 @@
 </inkml:ink>
 </file>
 
-<file path=ppt/ink/ink58.xml><?xml version="1.0" encoding="utf-8"?>
+<file path=ppt/ink/ink56.xml><?xml version="1.0" encoding="utf-8"?>
 <inkml:ink xmlns:inkml="http://www.w3.org/2003/InkML">
   <inkml:definitions>
     <inkml:context xml:id="ctx0">
@@ -1603,7 +1547,7 @@
 </inkml:ink>
 </file>
 
-<file path=ppt/ink/ink59.xml><?xml version="1.0" encoding="utf-8"?>
+<file path=ppt/ink/ink57.xml><?xml version="1.0" encoding="utf-8"?>
 <inkml:ink xmlns:inkml="http://www.w3.org/2003/InkML">
   <inkml:definitions>
     <inkml:context xml:id="ctx0">
@@ -1628,6 +1572,62 @@
     </inkml:brush>
   </inkml:definitions>
   <inkml:trace contextRef="#ctx0" brushRef="#br0">1 0 24575,'0'15'0,"0"3"0,0-7 0,0 15 0,0-13 0,0 13 0,5-10 0,-4 0 0,4 10 0,4-8 0,-7 4 0,13 5 0,-9-10 0,6 17 0,-1-5 0,0 0 0,6 5 0,-4-5 0,9 6 0,-5-6 0,1 4 0,4 3 0,-9 1 0,5 12 0,-6-12 0,6 5 0,-5-7 0,3 0 0,-4-6 0,-1 5 0,0-11 0,0-1 0,-1-2 0,1-4 0,-1 5 0,0-4 0,1 9 0,0-9 0,0 17 0,1-5 0,-6 0 0,5 12 0,-4-10 0,4 5 0,1-3 0,-1-4 0,1 6 0,-1-6 0,0-1 0,0-1 0,0-4 0,0 4 0,5 4 0,-4-1 0,4 2 0,-5 2 0,5-11 0,-4 11 0,9-12 0,-8 12 0,2-11 0,-4 4 0,5-5 0,-5-1 0,5 7 0,-5-6 0,5 6 0,-4-7 0,4 7 0,-5 1 0,1 6 0,-1 0 0,1 0 0,0 0 0,0 7 0,0-5 0,0 5 0,0-7 0,-1 0 0,6 0 0,-4 1 0,4-7 0,-6-2 0,0 0 0,0-4 0,5 5 0,-5-7 0,5 1 0,-5-1 0,0 6 0,-1-4 0,2 5 0,-1-1 0,0 2 0,0 0 0,1 5 0,-1-5 0,1 6 0,0 7 0,0-5 0,0 5 0,0 0 0,0 2 0,1 7 0,0 0 0,-6 0 0,4-7 0,-5-1 0,1-8 0,-2-6 0,0-2 0,-4-5 0,4-1 0,0 0 0,-4 1 0,3-1 0,-4 0 0,6 7 0,-5 1 0,4 0 0,0 4 0,-3-4 0,3 13 0,0-5 0,-4-1 0,4-2 0,6 10 0,-9-11 0,14 16 0,-15-26 0,9 5 0,-3-1 0,-1-4 0,4 5 0,-4-7 0,4 0 0,-4 7 0,4-5 0,-4 4 0,4-6 0,1 1 0,0-1 0,-5 0 0,3 1 0,-3-1 0,5 1 0,-1-1 0,2 6 0,-2-4 0,6 5 0,-3-1 0,2-4 0,-3 11 0,4-5 0,-3 6 0,4 0 0,0 0 0,-4 0 0,9 0 0,-9 0 0,9 1 0,-4-1 0,7 7 0,-7-5 0,4-1 0,-4 13 0,4-22 0,-5 16 0,-1-22 0,-6 0 0,1 1 0,0-1 0,-5-5 0,3 4 0,-3-4 0,5 12 0,-5-5 0,4 4 0,-4-5 0,0-1 0,3 0 0,-3 1 0,5-1 0,-5 0 0,3 1 0,-3-1 0,6 6 0,-6 2 0,4 6 0,2 23 0,1-17 0,4 10 0,-5-17 0,-1-11 0,-1-1 0,-4-2 0,-2-9 0,0 3 0,-2 1 0,7 1 0,-3 6 0,4-1 0,-4 0 0,4 1 0,-4-1 0,4 1 0,1-1 0,-1-5 0,1 4 0,-1-4 0,5 6 0,-2 5 0,8 2 0,3 29 0,1-10 0,5 11 0,-6-17 0,0 0 0,-6-11 0,0 10 0,-7-18 0,0 10 0,0-10 0,0-1 0,-5-7 0,3 0 0,-8 1 0,4 0 0,-1 4 0,-3-4 0,9 1 0,-9 3 0,8-4 0,-8 0 0,8 4 0,-3-4 0,0 0 0,4 14 0,-5-17 0,1 17 0,-2-19 0,1 3 0,-4 1 0,7-4 0,-7 4 0,8 0 0,-8-4 0,4 4 0,0 0 0,-4 1 0,8 0 0,-3 4 0,-1 2 0,5 1 0,-4 5 0,5-1 0,0-4 0,6 11 0,-5-5 0,10 6 0,-8 7 0,18 10 0,-15 1 0,10 0 0,-14-11 0,-2-13 0,0-1 0,0-7 0,-1 0 0,0-5 0,1-1 0,-6-5 0,3 0 0,-6-1 0,2 1 0,0-1 0,-3 1 0,8 0 0,-8-1 0,3 1 0,-4 0 0,0-1 0,4-3 0,-3 2 0,3-3 0,-4 4 0,0 0 0,0 1 0,0-1 0,0 1 0,0-1 0,0 1 0,4-5 0,-3 3 0,3 2 0,-4 6 0,5 5 0,1 1 0,0-1 0,3 0 0,-8-5 0,8-1 0,-7-5 0,2 0 0,-4-1 0,0 0 0,0 1 0,0-1 0,4 0 0,-3 1 0,3-1 0,-4 0 0,0 0 0,0 0 0,0 1 0,0-1 0,0 0 0,0 0 0,4-4 0,1-2 0,4-3 0,-4 4 0,-1-3 0,-4 3 0</inkml:trace>
+</inkml:ink>
+</file>
+
+<file path=ppt/ink/ink58.xml><?xml version="1.0" encoding="utf-8"?>
+<inkml:ink xmlns:inkml="http://www.w3.org/2003/InkML">
+  <inkml:definitions>
+    <inkml:context xml:id="ctx0">
+      <inkml:inkSource xml:id="inkSrc0">
+        <inkml:traceFormat>
+          <inkml:channel name="X" type="integer" min="-2.14748E9" max="2.14748E9" units="cm"/>
+          <inkml:channel name="Y" type="integer" min="-2.14748E9" max="2.14748E9" units="cm"/>
+          <inkml:channel name="F" type="integer" max="32767" units="dev"/>
+        </inkml:traceFormat>
+        <inkml:channelProperties>
+          <inkml:channelProperty channel="X" name="resolution" value="1000" units="1/cm"/>
+          <inkml:channelProperty channel="Y" name="resolution" value="1000" units="1/cm"/>
+          <inkml:channelProperty channel="F" name="resolution" value="0" units="1/dev"/>
+        </inkml:channelProperties>
+      </inkml:inkSource>
+      <inkml:timestamp xml:id="ts0" timeString="2022-06-20T16:55:57.347"/>
+    </inkml:context>
+    <inkml:brush xml:id="br0">
+      <inkml:brushProperty name="width" value="0.1" units="cm"/>
+      <inkml:brushProperty name="height" value="0.1" units="cm"/>
+      <inkml:brushProperty name="color" value="#BFBFBF"/>
+    </inkml:brush>
+  </inkml:definitions>
+  <inkml:trace contextRef="#ctx0" brushRef="#br0">1 299 24575,'9'-4'0,"3"7"0,-1-2 0,0 14 0,10 2 0,-10 4 0,10 1 0,-10-1 0,10-4 0,-4 9 0,0-8 0,4 5 0,-3 3 0,-2-13 0,6 19 0,-11-19 0,11 19 0,-15-20 0,14 21 0,-14-16 0,5 6 0,2-3 0,-2 5 0,4-1 0,0 7 0,-6-10 0,0-5 0,6 4 0,-5-4 0,4 1 0,-5-3 0,-4-4 0,2 0 0,-7-1 0,8 1 0,-4-1 0,4 1 0,0-1 0,1 1 0,0-1 0,0 6 0,0-4 0,0 4 0,-1-6 0,1 1 0,-5 0 0,4-5 0,-5-1 0,11-4 0,-5 0 0,5 0 0,-5 0 0,-1 0 0,1 0 0,0 0 0,-1 0 0,-3-3 0,-2-2 0,-4-5 0,0 1 0,0 0 0,0-1 0,0-5 0,0-7 0,0-7 0,0-6 0,0 0 0,0-7 0,6-2 0,0 0 0,12 2 0,-5-1 0,4 13 0,-6-5 0,0 19 0,-1-4 0,0 13 0,-4-7 0,2 13 0,-7-7 0,8 3 0,-4-10 0,5-1 0,1-5 0,0-1 0,0-5 0,4 4 0,-2-11 0,2 17 0,-4-4 0,-1 11 0,-5 0 0,-1 1 0,-4 0 0,4 4 0,-3-3 0,7-1 0,-7-2 0,7-2 0,-7 3 0,4 1 0,-5-1 0,4 0 0,-3 1 0,7 0 0,-7 0 0,7 0 0,-3-1 0,0 1 0,-1-1 0,1 5 0,-4-3 0,3 3 0,0-5 0,-3 1 0,8-1 0,-8 1 0,7-1 0,-6 0 0,6 5 0,-7-3 0,3 3 0,-4-5 0,4 1 0,-3 0 0,3 3 0,-4 2 0</inkml:trace>
+</inkml:ink>
+</file>
+
+<file path=ppt/ink/ink59.xml><?xml version="1.0" encoding="utf-8"?>
+<inkml:ink xmlns:inkml="http://www.w3.org/2003/InkML">
+  <inkml:definitions>
+    <inkml:context xml:id="ctx0">
+      <inkml:inkSource xml:id="inkSrc0">
+        <inkml:traceFormat>
+          <inkml:channel name="X" type="integer" min="-2.14748E9" max="2.14748E9" units="cm"/>
+          <inkml:channel name="Y" type="integer" min="-2.14748E9" max="2.14748E9" units="cm"/>
+          <inkml:channel name="F" type="integer" max="32767" units="dev"/>
+        </inkml:traceFormat>
+        <inkml:channelProperties>
+          <inkml:channelProperty channel="X" name="resolution" value="1000" units="1/cm"/>
+          <inkml:channelProperty channel="Y" name="resolution" value="1000" units="1/cm"/>
+          <inkml:channelProperty channel="F" name="resolution" value="0" units="1/dev"/>
+        </inkml:channelProperties>
+      </inkml:inkSource>
+      <inkml:timestamp xml:id="ts0" timeString="2022-06-20T16:56:06.939"/>
+    </inkml:context>
+    <inkml:brush xml:id="br0">
+      <inkml:brushProperty name="width" value="0.1" units="cm"/>
+      <inkml:brushProperty name="height" value="0.1" units="cm"/>
+      <inkml:brushProperty name="color" value="#E71224"/>
+    </inkml:brush>
+  </inkml:definitions>
+  <inkml:trace contextRef="#ctx0" brushRef="#br0">10 1 24575,'0'14'0,"0"4"0,0-2 0,-5-4 0,4 2 0,-3-9 0,4 5 0,0-1 0,0 1 0,0-1 0,0 0 0,0 0 0,0 0 0,0 0 0,0 0 0,0 0 0,0 6 0,0-4 0,0 9 0,0-4 0,0 5 0,0 1 0,0-1 0,0 0 0,0-5 0,0-1 0,0-5 0,0 0 0,4-1 0,1 0 0,4 0 0,1 1 0,0 0 0,-1-1 0,1 1 0,0 0 0,-1-1 0,-3 1 0,2-5 0,-3 0 0,5-5 0,-1 0 0,1 0 0,0 0 0,4 0 0,-3 0 0,9 0 0,-9 0 0,4 0 0,-5 0 0,5 0 0,-4 0 0,3 0 0,-4 0 0,0 0 0,-1 0 0,1 0 0,0 0 0,-1 0 0,1 0 0,-1 0 0,1 0 0,-2 0 0,1 0 0,-4-9 0,-1 3 0,-4-7 0,0-2 0,5-1 0,-4 0 0,4 1 0,-5 0 0,0 4 0,0-3 0,-4 8 0,3-2 0,-7-2 0,-3-2 0,-1-8 0,-3 3 0,5 1 0,-6-4 0,5 9 0,-4-9 0,5 9 0,0-4 0,0 6 0,1-1 0,-1 1 0,1-1 0,-1 5 0,0-4 0,1 4 0,-1-1 0,0-2 0,1 2 0,-1-3 0,0 3 0,1-2 0,-1 2 0,1 1 0,-1 1 0,5 0 0,-2 2 0,6-10 0,-3 11 0,4-7 0</inkml:trace>
 </inkml:ink>
 </file>
 
@@ -1674,62 +1674,6 @@
           <inkml:channelProperty channel="F" name="resolution" value="0" units="1/dev"/>
         </inkml:channelProperties>
       </inkml:inkSource>
-      <inkml:timestamp xml:id="ts0" timeString="2022-06-20T16:55:57.347"/>
-    </inkml:context>
-    <inkml:brush xml:id="br0">
-      <inkml:brushProperty name="width" value="0.1" units="cm"/>
-      <inkml:brushProperty name="height" value="0.1" units="cm"/>
-      <inkml:brushProperty name="color" value="#BFBFBF"/>
-    </inkml:brush>
-  </inkml:definitions>
-  <inkml:trace contextRef="#ctx0" brushRef="#br0">1 299 24575,'9'-4'0,"3"7"0,-1-2 0,0 14 0,10 2 0,-10 4 0,10 1 0,-10-1 0,10-4 0,-4 9 0,0-8 0,4 5 0,-3 3 0,-2-13 0,6 19 0,-11-19 0,11 19 0,-15-20 0,14 21 0,-14-16 0,5 6 0,2-3 0,-2 5 0,4-1 0,0 7 0,-6-10 0,0-5 0,6 4 0,-5-4 0,4 1 0,-5-3 0,-4-4 0,2 0 0,-7-1 0,8 1 0,-4-1 0,4 1 0,0-1 0,1 1 0,0-1 0,0 6 0,0-4 0,0 4 0,-1-6 0,1 1 0,-5 0 0,4-5 0,-5-1 0,11-4 0,-5 0 0,5 0 0,-5 0 0,-1 0 0,1 0 0,0 0 0,-1 0 0,-3-3 0,-2-2 0,-4-5 0,0 1 0,0 0 0,0-1 0,0-5 0,0-7 0,0-7 0,0-6 0,0 0 0,0-7 0,6-2 0,0 0 0,12 2 0,-5-1 0,4 13 0,-6-5 0,0 19 0,-1-4 0,0 13 0,-4-7 0,2 13 0,-7-7 0,8 3 0,-4-10 0,5-1 0,1-5 0,0-1 0,0-5 0,4 4 0,-2-11 0,2 17 0,-4-4 0,-1 11 0,-5 0 0,-1 1 0,-4 0 0,4 4 0,-3-3 0,7-1 0,-7-2 0,7-2 0,-7 3 0,4 1 0,-5-1 0,4 0 0,-3 1 0,7 0 0,-7 0 0,7 0 0,-3-1 0,0 1 0,-1-1 0,1 5 0,-4-3 0,3 3 0,0-5 0,-3 1 0,8-1 0,-8 1 0,7-1 0,-6 0 0,6 5 0,-7-3 0,3 3 0,-4-5 0,4 1 0,-3 0 0,3 3 0,-4 2 0</inkml:trace>
-</inkml:ink>
-</file>
-
-<file path=ppt/ink/ink61.xml><?xml version="1.0" encoding="utf-8"?>
-<inkml:ink xmlns:inkml="http://www.w3.org/2003/InkML">
-  <inkml:definitions>
-    <inkml:context xml:id="ctx0">
-      <inkml:inkSource xml:id="inkSrc0">
-        <inkml:traceFormat>
-          <inkml:channel name="X" type="integer" min="-2.14748E9" max="2.14748E9" units="cm"/>
-          <inkml:channel name="Y" type="integer" min="-2.14748E9" max="2.14748E9" units="cm"/>
-          <inkml:channel name="F" type="integer" max="32767" units="dev"/>
-        </inkml:traceFormat>
-        <inkml:channelProperties>
-          <inkml:channelProperty channel="X" name="resolution" value="1000" units="1/cm"/>
-          <inkml:channelProperty channel="Y" name="resolution" value="1000" units="1/cm"/>
-          <inkml:channelProperty channel="F" name="resolution" value="0" units="1/dev"/>
-        </inkml:channelProperties>
-      </inkml:inkSource>
-      <inkml:timestamp xml:id="ts0" timeString="2022-06-20T16:56:06.939"/>
-    </inkml:context>
-    <inkml:brush xml:id="br0">
-      <inkml:brushProperty name="width" value="0.1" units="cm"/>
-      <inkml:brushProperty name="height" value="0.1" units="cm"/>
-      <inkml:brushProperty name="color" value="#E71224"/>
-    </inkml:brush>
-  </inkml:definitions>
-  <inkml:trace contextRef="#ctx0" brushRef="#br0">10 1 24575,'0'14'0,"0"4"0,0-2 0,-5-4 0,4 2 0,-3-9 0,4 5 0,0-1 0,0 1 0,0-1 0,0 0 0,0 0 0,0 0 0,0 0 0,0 0 0,0 0 0,0 6 0,0-4 0,0 9 0,0-4 0,0 5 0,0 1 0,0-1 0,0 0 0,0-5 0,0-1 0,0-5 0,0 0 0,4-1 0,1 0 0,4 0 0,1 1 0,0 0 0,-1-1 0,1 1 0,0 0 0,-1-1 0,-3 1 0,2-5 0,-3 0 0,5-5 0,-1 0 0,1 0 0,0 0 0,4 0 0,-3 0 0,9 0 0,-9 0 0,4 0 0,-5 0 0,5 0 0,-4 0 0,3 0 0,-4 0 0,0 0 0,-1 0 0,1 0 0,0 0 0,-1 0 0,1 0 0,-1 0 0,1 0 0,-2 0 0,1 0 0,-4-9 0,-1 3 0,-4-7 0,0-2 0,5-1 0,-4 0 0,4 1 0,-5 0 0,0 4 0,0-3 0,-4 8 0,3-2 0,-7-2 0,-3-2 0,-1-8 0,-3 3 0,5 1 0,-6-4 0,5 9 0,-4-9 0,5 9 0,0-4 0,0 6 0,1-1 0,-1 1 0,1-1 0,-1 5 0,0-4 0,1 4 0,-1-1 0,0-2 0,1 2 0,-1-3 0,0 3 0,1-2 0,-1 2 0,1 1 0,-1 1 0,5 0 0,-2 2 0,6-10 0,-3 11 0,4-7 0</inkml:trace>
-</inkml:ink>
-</file>
-
-<file path=ppt/ink/ink62.xml><?xml version="1.0" encoding="utf-8"?>
-<inkml:ink xmlns:inkml="http://www.w3.org/2003/InkML">
-  <inkml:definitions>
-    <inkml:context xml:id="ctx0">
-      <inkml:inkSource xml:id="inkSrc0">
-        <inkml:traceFormat>
-          <inkml:channel name="X" type="integer" min="-2.14748E9" max="2.14748E9" units="cm"/>
-          <inkml:channel name="Y" type="integer" min="-2.14748E9" max="2.14748E9" units="cm"/>
-          <inkml:channel name="F" type="integer" max="32767" units="dev"/>
-        </inkml:traceFormat>
-        <inkml:channelProperties>
-          <inkml:channelProperty channel="X" name="resolution" value="1000" units="1/cm"/>
-          <inkml:channelProperty channel="Y" name="resolution" value="1000" units="1/cm"/>
-          <inkml:channelProperty channel="F" name="resolution" value="0" units="1/dev"/>
-        </inkml:channelProperties>
-      </inkml:inkSource>
       <inkml:timestamp xml:id="ts0" timeString="2022-06-20T16:56:06.940"/>
     </inkml:context>
     <inkml:brush xml:id="br0">
@@ -1742,7 +1686,7 @@
 </inkml:ink>
 </file>
 
-<file path=ppt/ink/ink63.xml><?xml version="1.0" encoding="utf-8"?>
+<file path=ppt/ink/ink61.xml><?xml version="1.0" encoding="utf-8"?>
 <inkml:ink xmlns:inkml="http://www.w3.org/2003/InkML">
   <inkml:definitions>
     <inkml:context xml:id="ctx0">
@@ -1770,7 +1714,7 @@
 </inkml:ink>
 </file>
 
-<file path=ppt/ink/ink64.xml><?xml version="1.0" encoding="utf-8"?>
+<file path=ppt/ink/ink62.xml><?xml version="1.0" encoding="utf-8"?>
 <inkml:ink xmlns:inkml="http://www.w3.org/2003/InkML">
   <inkml:definitions>
     <inkml:context xml:id="ctx0">
@@ -1798,7 +1742,7 @@
 </inkml:ink>
 </file>
 
-<file path=ppt/ink/ink65.xml><?xml version="1.0" encoding="utf-8"?>
+<file path=ppt/ink/ink63.xml><?xml version="1.0" encoding="utf-8"?>
 <inkml:ink xmlns:inkml="http://www.w3.org/2003/InkML">
   <inkml:definitions>
     <inkml:context xml:id="ctx0">
@@ -1826,7 +1770,7 @@
 </inkml:ink>
 </file>
 
-<file path=ppt/ink/ink66.xml><?xml version="1.0" encoding="utf-8"?>
+<file path=ppt/ink/ink64.xml><?xml version="1.0" encoding="utf-8"?>
 <inkml:ink xmlns:inkml="http://www.w3.org/2003/InkML">
   <inkml:definitions>
     <inkml:context xml:id="ctx0">
@@ -1854,7 +1798,7 @@
 </inkml:ink>
 </file>
 
-<file path=ppt/ink/ink67.xml><?xml version="1.0" encoding="utf-8"?>
+<file path=ppt/ink/ink65.xml><?xml version="1.0" encoding="utf-8"?>
 <inkml:ink xmlns:inkml="http://www.w3.org/2003/InkML">
   <inkml:definitions>
     <inkml:context xml:id="ctx0">
@@ -2094,7 +2038,7 @@
           <a:p>
             <a:fld id="{5B15DD13-963A-5F46-82C4-D335A0D7E61E}" type="datetimeFigureOut">
               <a:rPr lang="en-US" smtClean="0"/>
-              <a:t>9/14/22</a:t>
+              <a:t>12/20/23</a:t>
             </a:fld>
             <a:endParaRPr lang="en-US"/>
           </a:p>
@@ -2264,7 +2208,7 @@
           <a:p>
             <a:fld id="{5B15DD13-963A-5F46-82C4-D335A0D7E61E}" type="datetimeFigureOut">
               <a:rPr lang="en-US" smtClean="0"/>
-              <a:t>9/14/22</a:t>
+              <a:t>12/20/23</a:t>
             </a:fld>
             <a:endParaRPr lang="en-US"/>
           </a:p>
@@ -2444,7 +2388,7 @@
           <a:p>
             <a:fld id="{5B15DD13-963A-5F46-82C4-D335A0D7E61E}" type="datetimeFigureOut">
               <a:rPr lang="en-US" smtClean="0"/>
-              <a:t>9/14/22</a:t>
+              <a:t>12/20/23</a:t>
             </a:fld>
             <a:endParaRPr lang="en-US"/>
           </a:p>
@@ -2614,7 +2558,7 @@
           <a:p>
             <a:fld id="{5B15DD13-963A-5F46-82C4-D335A0D7E61E}" type="datetimeFigureOut">
               <a:rPr lang="en-US" smtClean="0"/>
-              <a:t>9/14/22</a:t>
+              <a:t>12/20/23</a:t>
             </a:fld>
             <a:endParaRPr lang="en-US"/>
           </a:p>
@@ -2858,7 +2802,7 @@
           <a:p>
             <a:fld id="{5B15DD13-963A-5F46-82C4-D335A0D7E61E}" type="datetimeFigureOut">
               <a:rPr lang="en-US" smtClean="0"/>
-              <a:t>9/14/22</a:t>
+              <a:t>12/20/23</a:t>
             </a:fld>
             <a:endParaRPr lang="en-US"/>
           </a:p>
@@ -3090,7 +3034,7 @@
           <a:p>
             <a:fld id="{5B15DD13-963A-5F46-82C4-D335A0D7E61E}" type="datetimeFigureOut">
               <a:rPr lang="en-US" smtClean="0"/>
-              <a:t>9/14/22</a:t>
+              <a:t>12/20/23</a:t>
             </a:fld>
             <a:endParaRPr lang="en-US"/>
           </a:p>
@@ -3457,7 +3401,7 @@
           <a:p>
             <a:fld id="{5B15DD13-963A-5F46-82C4-D335A0D7E61E}" type="datetimeFigureOut">
               <a:rPr lang="en-US" smtClean="0"/>
-              <a:t>9/14/22</a:t>
+              <a:t>12/20/23</a:t>
             </a:fld>
             <a:endParaRPr lang="en-US"/>
           </a:p>
@@ -3575,7 +3519,7 @@
           <a:p>
             <a:fld id="{5B15DD13-963A-5F46-82C4-D335A0D7E61E}" type="datetimeFigureOut">
               <a:rPr lang="en-US" smtClean="0"/>
-              <a:t>9/14/22</a:t>
+              <a:t>12/20/23</a:t>
             </a:fld>
             <a:endParaRPr lang="en-US"/>
           </a:p>
@@ -3670,7 +3614,7 @@
           <a:p>
             <a:fld id="{5B15DD13-963A-5F46-82C4-D335A0D7E61E}" type="datetimeFigureOut">
               <a:rPr lang="en-US" smtClean="0"/>
-              <a:t>9/14/22</a:t>
+              <a:t>12/20/23</a:t>
             </a:fld>
             <a:endParaRPr lang="en-US"/>
           </a:p>
@@ -3947,7 +3891,7 @@
           <a:p>
             <a:fld id="{5B15DD13-963A-5F46-82C4-D335A0D7E61E}" type="datetimeFigureOut">
               <a:rPr lang="en-US" smtClean="0"/>
-              <a:t>9/14/22</a:t>
+              <a:t>12/20/23</a:t>
             </a:fld>
             <a:endParaRPr lang="en-US"/>
           </a:p>
@@ -4204,7 +4148,7 @@
           <a:p>
             <a:fld id="{5B15DD13-963A-5F46-82C4-D335A0D7E61E}" type="datetimeFigureOut">
               <a:rPr lang="en-US" smtClean="0"/>
-              <a:t>9/14/22</a:t>
+              <a:t>12/20/23</a:t>
             </a:fld>
             <a:endParaRPr lang="en-US"/>
           </a:p>
@@ -4417,7 +4361,7 @@
           <a:p>
             <a:fld id="{5B15DD13-963A-5F46-82C4-D335A0D7E61E}" type="datetimeFigureOut">
               <a:rPr lang="en-US" smtClean="0"/>
-              <a:t>9/14/22</a:t>
+              <a:t>12/20/23</a:t>
             </a:fld>
             <a:endParaRPr lang="en-US"/>
           </a:p>
@@ -4822,8 +4766,8 @@
           <a:chExt cx="0" cy="0"/>
         </a:xfrm>
       </p:grpSpPr>
-      <mc:AlternateContent xmlns:mc="http://schemas.openxmlformats.org/markup-compatibility/2006">
-        <mc:Choice xmlns:p14="http://schemas.microsoft.com/office/powerpoint/2010/main" Requires="p14">
+      <mc:AlternateContent xmlns:mc="http://schemas.openxmlformats.org/markup-compatibility/2006" xmlns:p14="http://schemas.microsoft.com/office/powerpoint/2010/main">
+        <mc:Choice Requires="p14">
           <p:contentPart p14:bwMode="auto" r:id="rId2">
             <p14:nvContentPartPr>
               <p14:cNvPr id="37" name="Ink 36">
@@ -4842,7 +4786,7 @@
             </p14:xfrm>
           </p:contentPart>
         </mc:Choice>
-        <mc:Fallback>
+        <mc:Fallback xmlns="">
           <p:pic>
             <p:nvPicPr>
               <p:cNvPr id="37" name="Ink 36">
@@ -4903,7 +4847,10 @@
           <a:p>
             <a:pPr algn="ctr"/>
             <a:r>
-              <a:rPr lang="en-US" sz="2400" dirty="0"/>
+              <a:rPr lang="en-US" sz="2400" dirty="0">
+                <a:latin typeface="Source Sans Pro" panose="020B0503030403020204" pitchFamily="34" charset="0"/>
+                <a:ea typeface="Source Sans Pro" panose="020B0503030403020204" pitchFamily="34" charset="0"/>
+              </a:rPr>
               <a:t>More money</a:t>
             </a:r>
           </a:p>
@@ -4929,8 +4876,8 @@
             <a:chExt cx="1677960" cy="1494000"/>
           </a:xfrm>
         </p:grpSpPr>
-        <mc:AlternateContent xmlns:mc="http://schemas.openxmlformats.org/markup-compatibility/2006">
-          <mc:Choice xmlns:p14="http://schemas.microsoft.com/office/powerpoint/2010/main" Requires="p14">
+        <mc:AlternateContent xmlns:mc="http://schemas.openxmlformats.org/markup-compatibility/2006" xmlns:p14="http://schemas.microsoft.com/office/powerpoint/2010/main">
+          <mc:Choice Requires="p14">
             <p:contentPart p14:bwMode="auto" r:id="rId4">
               <p14:nvContentPartPr>
                 <p14:cNvPr id="40" name="Ink 39">
@@ -4949,7 +4896,7 @@
               </p14:xfrm>
             </p:contentPart>
           </mc:Choice>
-          <mc:Fallback>
+          <mc:Fallback xmlns="">
             <p:pic>
               <p:nvPicPr>
                 <p:cNvPr id="40" name="Ink 39">
@@ -4994,8 +4941,8 @@
           </p:nvSpPr>
           <p:spPr>
             <a:xfrm>
-              <a:off x="6197438" y="7870274"/>
-              <a:ext cx="1475084" cy="461665"/>
+              <a:off x="6166981" y="7870274"/>
+              <a:ext cx="1535998" cy="461665"/>
             </a:xfrm>
             <a:prstGeom prst="rect">
               <a:avLst/>
@@ -5010,7 +4957,10 @@
             <a:p>
               <a:pPr algn="ctr"/>
               <a:r>
-                <a:rPr lang="en-US" sz="2400" dirty="0"/>
+                <a:rPr lang="en-US" sz="2400" dirty="0">
+                  <a:latin typeface="Source Sans Pro" panose="020B0503030403020204" pitchFamily="34" charset="0"/>
+                  <a:ea typeface="Source Sans Pro" panose="020B0503030403020204" pitchFamily="34" charset="0"/>
+                </a:rPr>
                 <a:t>Happiness</a:t>
               </a:r>
             </a:p>
@@ -5046,7 +4996,10 @@
           <a:lstStyle/>
           <a:p>
             <a:r>
-              <a:rPr lang="en-US" dirty="0"/>
+              <a:rPr lang="en-US" dirty="0">
+                <a:latin typeface="Source Sans Pro" panose="020B0503030403020204" pitchFamily="34" charset="0"/>
+                <a:ea typeface="Source Sans Pro" panose="020B0503030403020204" pitchFamily="34" charset="0"/>
+              </a:rPr>
               <a:t>Money</a:t>
             </a:r>
           </a:p>
@@ -5067,7 +5020,7 @@
         <p:spPr>
           <a:xfrm>
             <a:off x="10555527" y="16892027"/>
-            <a:ext cx="1152880" cy="369332"/>
+            <a:ext cx="1197764" cy="369332"/>
           </a:xfrm>
           <a:prstGeom prst="rect">
             <a:avLst/>
@@ -5081,7 +5034,10 @@
           <a:lstStyle/>
           <a:p>
             <a:r>
-              <a:rPr lang="en-US" dirty="0"/>
+              <a:rPr lang="en-US" dirty="0">
+                <a:latin typeface="Source Sans Pro" panose="020B0503030403020204" pitchFamily="34" charset="0"/>
+                <a:ea typeface="Source Sans Pro" panose="020B0503030403020204" pitchFamily="34" charset="0"/>
+              </a:rPr>
               <a:t>Happiness</a:t>
             </a:r>
           </a:p>
@@ -5210,8 +5166,8 @@
           </mc:Fallback>
         </mc:AlternateContent>
       </p:grpSp>
-      <mc:AlternateContent xmlns:mc="http://schemas.openxmlformats.org/markup-compatibility/2006">
-        <mc:Choice xmlns:p14="http://schemas.microsoft.com/office/powerpoint/2010/main" Requires="p14">
+      <mc:AlternateContent xmlns:mc="http://schemas.openxmlformats.org/markup-compatibility/2006" xmlns:p14="http://schemas.microsoft.com/office/powerpoint/2010/main">
+        <mc:Choice Requires="p14">
           <p:contentPart p14:bwMode="auto" r:id="rId19">
             <p14:nvContentPartPr>
               <p14:cNvPr id="31" name="Ink 30">
@@ -5230,7 +5186,7 @@
             </p14:xfrm>
           </p:contentPart>
         </mc:Choice>
-        <mc:Fallback>
+        <mc:Fallback xmlns="">
           <p:pic>
             <p:nvPicPr>
               <p:cNvPr id="31" name="Ink 30">
@@ -5291,7 +5247,10 @@
           <a:p>
             <a:pPr algn="ctr"/>
             <a:r>
-              <a:rPr lang="en-US" sz="2400" dirty="0"/>
+              <a:rPr lang="en-US" sz="2400" dirty="0">
+                <a:latin typeface="Source Sans Pro" panose="020B0503030403020204" pitchFamily="34" charset="0"/>
+                <a:ea typeface="Source Sans Pro" panose="020B0503030403020204" pitchFamily="34" charset="0"/>
+              </a:rPr>
               <a:t>Later time</a:t>
             </a:r>
           </a:p>
@@ -5347,8 +5306,8 @@
             <a:chExt cx="1686951" cy="1494000"/>
           </a:xfrm>
         </p:grpSpPr>
-        <mc:AlternateContent xmlns:mc="http://schemas.openxmlformats.org/markup-compatibility/2006">
-          <mc:Choice xmlns:p14="http://schemas.microsoft.com/office/powerpoint/2010/main" Requires="p14">
+        <mc:AlternateContent xmlns:mc="http://schemas.openxmlformats.org/markup-compatibility/2006" xmlns:p14="http://schemas.microsoft.com/office/powerpoint/2010/main">
+          <mc:Choice Requires="p14">
             <p:contentPart p14:bwMode="auto" r:id="rId21">
               <p14:nvContentPartPr>
                 <p14:cNvPr id="20" name="Ink 19">
@@ -5367,7 +5326,7 @@
               </p14:xfrm>
             </p:contentPart>
           </mc:Choice>
-          <mc:Fallback>
+          <mc:Fallback xmlns="">
             <p:pic>
               <p:nvPicPr>
                 <p:cNvPr id="20" name="Ink 19">
@@ -5428,7 +5387,10 @@
             <a:p>
               <a:pPr algn="ctr"/>
               <a:r>
-                <a:rPr lang="en-US" sz="2400" dirty="0"/>
+                <a:rPr lang="en-US" sz="2400" dirty="0">
+                  <a:latin typeface="Source Sans Pro" panose="020B0503030403020204" pitchFamily="34" charset="0"/>
+                  <a:ea typeface="Source Sans Pro" panose="020B0503030403020204" pitchFamily="34" charset="0"/>
+                </a:rPr>
                 <a:t>Condition assignment</a:t>
               </a:r>
             </a:p>
@@ -5455,8 +5417,8 @@
             <a:chExt cx="1568880" cy="1328400"/>
           </a:xfrm>
         </p:grpSpPr>
-        <mc:AlternateContent xmlns:mc="http://schemas.openxmlformats.org/markup-compatibility/2006">
-          <mc:Choice xmlns:p14="http://schemas.microsoft.com/office/powerpoint/2010/main" Requires="p14">
+        <mc:AlternateContent xmlns:mc="http://schemas.openxmlformats.org/markup-compatibility/2006" xmlns:p14="http://schemas.microsoft.com/office/powerpoint/2010/main">
+          <mc:Choice Requires="p14">
             <p:contentPart p14:bwMode="auto" r:id="rId22">
               <p14:nvContentPartPr>
                 <p14:cNvPr id="22" name="Ink 21">
@@ -5475,7 +5437,7 @@
               </p14:xfrm>
             </p:contentPart>
           </mc:Choice>
-          <mc:Fallback>
+          <mc:Fallback xmlns="">
             <p:pic>
               <p:nvPicPr>
                 <p:cNvPr id="22" name="Ink 21">
@@ -5506,8 +5468,8 @@
             </p:pic>
           </mc:Fallback>
         </mc:AlternateContent>
-        <mc:AlternateContent xmlns:mc="http://schemas.openxmlformats.org/markup-compatibility/2006">
-          <mc:Choice xmlns:p14="http://schemas.microsoft.com/office/powerpoint/2010/main" Requires="p14">
+        <mc:AlternateContent xmlns:mc="http://schemas.openxmlformats.org/markup-compatibility/2006" xmlns:p14="http://schemas.microsoft.com/office/powerpoint/2010/main">
+          <mc:Choice Requires="p14">
             <p:contentPart p14:bwMode="auto" r:id="rId24">
               <p14:nvContentPartPr>
                 <p14:cNvPr id="23" name="Ink 22">
@@ -5526,7 +5488,7 @@
               </p14:xfrm>
             </p:contentPart>
           </mc:Choice>
-          <mc:Fallback>
+          <mc:Fallback xmlns="">
             <p:pic>
               <p:nvPicPr>
                 <p:cNvPr id="23" name="Ink 22">
@@ -5578,8 +5540,8 @@
             <a:chExt cx="1682640" cy="1317600"/>
           </a:xfrm>
         </p:grpSpPr>
-        <mc:AlternateContent xmlns:mc="http://schemas.openxmlformats.org/markup-compatibility/2006">
-          <mc:Choice xmlns:p14="http://schemas.microsoft.com/office/powerpoint/2010/main" Requires="p14">
+        <mc:AlternateContent xmlns:mc="http://schemas.openxmlformats.org/markup-compatibility/2006" xmlns:p14="http://schemas.microsoft.com/office/powerpoint/2010/main">
+          <mc:Choice Requires="p14">
             <p:contentPart p14:bwMode="auto" r:id="rId26">
               <p14:nvContentPartPr>
                 <p14:cNvPr id="25" name="Ink 24">
@@ -5598,7 +5560,7 @@
               </p14:xfrm>
             </p:contentPart>
           </mc:Choice>
-          <mc:Fallback>
+          <mc:Fallback xmlns="">
             <p:pic>
               <p:nvPicPr>
                 <p:cNvPr id="25" name="Ink 24">
@@ -5629,8 +5591,8 @@
             </p:pic>
           </mc:Fallback>
         </mc:AlternateContent>
-        <mc:AlternateContent xmlns:mc="http://schemas.openxmlformats.org/markup-compatibility/2006">
-          <mc:Choice xmlns:p14="http://schemas.microsoft.com/office/powerpoint/2010/main" Requires="p14">
+        <mc:AlternateContent xmlns:mc="http://schemas.openxmlformats.org/markup-compatibility/2006" xmlns:p14="http://schemas.microsoft.com/office/powerpoint/2010/main">
+          <mc:Choice Requires="p14">
             <p:contentPart p14:bwMode="auto" r:id="rId28">
               <p14:nvContentPartPr>
                 <p14:cNvPr id="26" name="Ink 25">
@@ -5649,7 +5611,7 @@
               </p14:xfrm>
             </p:contentPart>
           </mc:Choice>
-          <mc:Fallback>
+          <mc:Fallback xmlns="">
             <p:pic>
               <p:nvPicPr>
                 <p:cNvPr id="26" name="Ink 25">
@@ -5701,8 +5663,8 @@
             <a:chExt cx="999000" cy="1170720"/>
           </a:xfrm>
         </p:grpSpPr>
-        <mc:AlternateContent xmlns:mc="http://schemas.openxmlformats.org/markup-compatibility/2006">
-          <mc:Choice xmlns:p14="http://schemas.microsoft.com/office/powerpoint/2010/main" Requires="p14">
+        <mc:AlternateContent xmlns:mc="http://schemas.openxmlformats.org/markup-compatibility/2006" xmlns:p14="http://schemas.microsoft.com/office/powerpoint/2010/main">
+          <mc:Choice Requires="p14">
             <p:contentPart p14:bwMode="auto" r:id="rId30">
               <p14:nvContentPartPr>
                 <p14:cNvPr id="34" name="Ink 33">
@@ -5721,7 +5683,7 @@
               </p14:xfrm>
             </p:contentPart>
           </mc:Choice>
-          <mc:Fallback>
+          <mc:Fallback xmlns="">
             <p:pic>
               <p:nvPicPr>
                 <p:cNvPr id="34" name="Ink 33">
@@ -5752,8 +5714,8 @@
             </p:pic>
           </mc:Fallback>
         </mc:AlternateContent>
-        <mc:AlternateContent xmlns:mc="http://schemas.openxmlformats.org/markup-compatibility/2006">
-          <mc:Choice xmlns:p14="http://schemas.microsoft.com/office/powerpoint/2010/main" Requires="p14">
+        <mc:AlternateContent xmlns:mc="http://schemas.openxmlformats.org/markup-compatibility/2006" xmlns:p14="http://schemas.microsoft.com/office/powerpoint/2010/main">
+          <mc:Choice Requires="p14">
             <p:contentPart p14:bwMode="auto" r:id="rId32">
               <p14:nvContentPartPr>
                 <p14:cNvPr id="35" name="Ink 34">
@@ -5772,7 +5734,7 @@
               </p14:xfrm>
             </p:contentPart>
           </mc:Choice>
-          <mc:Fallback>
+          <mc:Fallback xmlns="">
             <p:pic>
               <p:nvPicPr>
                 <p:cNvPr id="35" name="Ink 34">
@@ -5824,8 +5786,8 @@
             <a:chExt cx="1003680" cy="1236895"/>
           </a:xfrm>
         </p:grpSpPr>
-        <mc:AlternateContent xmlns:mc="http://schemas.openxmlformats.org/markup-compatibility/2006">
-          <mc:Choice xmlns:p14="http://schemas.microsoft.com/office/powerpoint/2010/main" Requires="p14">
+        <mc:AlternateContent xmlns:mc="http://schemas.openxmlformats.org/markup-compatibility/2006" xmlns:p14="http://schemas.microsoft.com/office/powerpoint/2010/main">
+          <mc:Choice Requires="p14">
             <p:contentPart p14:bwMode="auto" r:id="rId34">
               <p14:nvContentPartPr>
                 <p14:cNvPr id="39" name="Ink 38">
@@ -5844,7 +5806,7 @@
               </p14:xfrm>
             </p:contentPart>
           </mc:Choice>
-          <mc:Fallback>
+          <mc:Fallback xmlns="">
             <p:pic>
               <p:nvPicPr>
                 <p:cNvPr id="39" name="Ink 38">
@@ -5875,8 +5837,8 @@
             </p:pic>
           </mc:Fallback>
         </mc:AlternateContent>
-        <mc:AlternateContent xmlns:mc="http://schemas.openxmlformats.org/markup-compatibility/2006">
-          <mc:Choice xmlns:p14="http://schemas.microsoft.com/office/powerpoint/2010/main" Requires="p14">
+        <mc:AlternateContent xmlns:mc="http://schemas.openxmlformats.org/markup-compatibility/2006" xmlns:p14="http://schemas.microsoft.com/office/powerpoint/2010/main">
+          <mc:Choice Requires="p14">
             <p:contentPart p14:bwMode="auto" r:id="rId36">
               <p14:nvContentPartPr>
                 <p14:cNvPr id="51" name="Ink 50">
@@ -5895,7 +5857,7 @@
               </p14:xfrm>
             </p:contentPart>
           </mc:Choice>
-          <mc:Fallback>
+          <mc:Fallback xmlns="">
             <p:pic>
               <p:nvPicPr>
                 <p:cNvPr id="51" name="Ink 50">
@@ -5957,8 +5919,8 @@
           <a:chExt cx="0" cy="0"/>
         </a:xfrm>
       </p:grpSpPr>
-      <mc:AlternateContent xmlns:mc="http://schemas.openxmlformats.org/markup-compatibility/2006">
-        <mc:Choice xmlns:p14="http://schemas.microsoft.com/office/powerpoint/2010/main" Requires="p14">
+      <mc:AlternateContent xmlns:mc="http://schemas.openxmlformats.org/markup-compatibility/2006" xmlns:p14="http://schemas.microsoft.com/office/powerpoint/2010/main">
+        <mc:Choice Requires="p14">
           <p:contentPart p14:bwMode="auto" r:id="rId2">
             <p14:nvContentPartPr>
               <p14:cNvPr id="37" name="Ink 36">
@@ -5977,7 +5939,7 @@
             </p14:xfrm>
           </p:contentPart>
         </mc:Choice>
-        <mc:Fallback>
+        <mc:Fallback xmlns="">
           <p:pic>
             <p:nvPicPr>
               <p:cNvPr id="37" name="Ink 36">
@@ -6038,7 +6000,10 @@
           <a:p>
             <a:pPr algn="ctr"/>
             <a:r>
-              <a:rPr lang="en-US" sz="2400" dirty="0"/>
+              <a:rPr lang="en-US" sz="2400" dirty="0">
+                <a:latin typeface="Source Sans Pro" panose="020B0503030403020204" pitchFamily="34" charset="0"/>
+                <a:ea typeface="Source Sans Pro" panose="020B0503030403020204" pitchFamily="34" charset="0"/>
+              </a:rPr>
               <a:t>More money</a:t>
             </a:r>
           </a:p>
@@ -6064,8 +6029,8 @@
             <a:chExt cx="1677960" cy="1494000"/>
           </a:xfrm>
         </p:grpSpPr>
-        <mc:AlternateContent xmlns:mc="http://schemas.openxmlformats.org/markup-compatibility/2006">
-          <mc:Choice xmlns:p14="http://schemas.microsoft.com/office/powerpoint/2010/main" Requires="p14">
+        <mc:AlternateContent xmlns:mc="http://schemas.openxmlformats.org/markup-compatibility/2006" xmlns:p14="http://schemas.microsoft.com/office/powerpoint/2010/main">
+          <mc:Choice Requires="p14">
             <p:contentPart p14:bwMode="auto" r:id="rId4">
               <p14:nvContentPartPr>
                 <p14:cNvPr id="40" name="Ink 39">
@@ -6084,7 +6049,7 @@
               </p14:xfrm>
             </p:contentPart>
           </mc:Choice>
-          <mc:Fallback>
+          <mc:Fallback xmlns="">
             <p:pic>
               <p:nvPicPr>
                 <p:cNvPr id="40" name="Ink 39">
@@ -6129,8 +6094,8 @@
           </p:nvSpPr>
           <p:spPr>
             <a:xfrm>
-              <a:off x="6197438" y="7870274"/>
-              <a:ext cx="1475084" cy="461665"/>
+              <a:off x="6166981" y="7870274"/>
+              <a:ext cx="1535998" cy="461665"/>
             </a:xfrm>
             <a:prstGeom prst="rect">
               <a:avLst/>
@@ -6145,7 +6110,10 @@
             <a:p>
               <a:pPr algn="ctr"/>
               <a:r>
-                <a:rPr lang="en-US" sz="2400" dirty="0"/>
+                <a:rPr lang="en-US" sz="2400" dirty="0">
+                  <a:latin typeface="Source Sans Pro" panose="020B0503030403020204" pitchFamily="34" charset="0"/>
+                  <a:ea typeface="Source Sans Pro" panose="020B0503030403020204" pitchFamily="34" charset="0"/>
+                </a:rPr>
                 <a:t>Happiness</a:t>
               </a:r>
             </a:p>
@@ -6181,7 +6149,10 @@
           <a:lstStyle/>
           <a:p>
             <a:r>
-              <a:rPr lang="en-US" dirty="0"/>
+              <a:rPr lang="en-US" dirty="0">
+                <a:latin typeface="Source Sans Pro" panose="020B0503030403020204" pitchFamily="34" charset="0"/>
+                <a:ea typeface="Source Sans Pro" panose="020B0503030403020204" pitchFamily="34" charset="0"/>
+              </a:rPr>
               <a:t>Money</a:t>
             </a:r>
           </a:p>
@@ -6202,7 +6173,7 @@
         <p:spPr>
           <a:xfrm>
             <a:off x="10555527" y="16892027"/>
-            <a:ext cx="1152880" cy="369332"/>
+            <a:ext cx="1197764" cy="369332"/>
           </a:xfrm>
           <a:prstGeom prst="rect">
             <a:avLst/>
@@ -6216,138 +6187,18 @@
           <a:lstStyle/>
           <a:p>
             <a:r>
-              <a:rPr lang="en-US" dirty="0"/>
+              <a:rPr lang="en-US" dirty="0">
+                <a:latin typeface="Source Sans Pro" panose="020B0503030403020204" pitchFamily="34" charset="0"/>
+                <a:ea typeface="Source Sans Pro" panose="020B0503030403020204" pitchFamily="34" charset="0"/>
+              </a:rPr>
               <a:t>Happiness</a:t>
             </a:r>
           </a:p>
         </p:txBody>
       </p:sp>
-      <p:grpSp>
-        <p:nvGrpSpPr>
-          <p:cNvPr id="5" name="Group 4">
-            <a:extLst>
-              <a:ext uri="{FF2B5EF4-FFF2-40B4-BE49-F238E27FC236}">
-                <a16:creationId xmlns:a16="http://schemas.microsoft.com/office/drawing/2014/main" id="{799773D2-F22D-EFA5-FD83-E3548AEC6500}"/>
-              </a:ext>
-            </a:extLst>
-          </p:cNvPr>
-          <p:cNvGrpSpPr/>
-          <p:nvPr/>
-        </p:nvGrpSpPr>
-        <p:grpSpPr>
-          <a:xfrm>
-            <a:off x="8642400" y="4714920"/>
-            <a:ext cx="360" cy="360"/>
-            <a:chOff x="8642400" y="4714920"/>
-            <a:chExt cx="360" cy="360"/>
-          </a:xfrm>
-        </p:grpSpPr>
-        <mc:AlternateContent xmlns:mc="http://schemas.openxmlformats.org/markup-compatibility/2006">
-          <mc:Choice xmlns:p14="http://schemas.microsoft.com/office/powerpoint/2010/main" Requires="p14">
-            <p:contentPart p14:bwMode="auto" r:id="rId5">
-              <p14:nvContentPartPr>
-                <p14:cNvPr id="3" name="Ink 2">
-                  <a:extLst>
-                    <a:ext uri="{FF2B5EF4-FFF2-40B4-BE49-F238E27FC236}">
-                      <a16:creationId xmlns:a16="http://schemas.microsoft.com/office/drawing/2014/main" id="{CCEE581B-363E-9B6D-784A-8E7506BF12C7}"/>
-                    </a:ext>
-                  </a:extLst>
-                </p14:cNvPr>
-                <p14:cNvContentPartPr/>
-                <p14:nvPr/>
-              </p14:nvContentPartPr>
-              <p14:xfrm>
-                <a:off x="8642400" y="4714920"/>
-                <a:ext cx="360" cy="360"/>
-              </p14:xfrm>
-            </p:contentPart>
-          </mc:Choice>
-          <mc:Fallback>
-            <p:pic>
-              <p:nvPicPr>
-                <p:cNvPr id="3" name="Ink 2">
-                  <a:extLst>
-                    <a:ext uri="{FF2B5EF4-FFF2-40B4-BE49-F238E27FC236}">
-                      <a16:creationId xmlns:a16="http://schemas.microsoft.com/office/drawing/2014/main" id="{CCEE581B-363E-9B6D-784A-8E7506BF12C7}"/>
-                    </a:ext>
-                  </a:extLst>
-                </p:cNvPr>
-                <p:cNvPicPr/>
-                <p:nvPr/>
-              </p:nvPicPr>
-              <p:blipFill>
-                <a:blip r:embed="rId6"/>
-                <a:stretch>
-                  <a:fillRect/>
-                </a:stretch>
-              </p:blipFill>
-              <p:spPr>
-                <a:xfrm>
-                  <a:off x="8624400" y="4696920"/>
-                  <a:ext cx="36000" cy="36000"/>
-                </a:xfrm>
-                <a:prstGeom prst="rect">
-                  <a:avLst/>
-                </a:prstGeom>
-              </p:spPr>
-            </p:pic>
-          </mc:Fallback>
-        </mc:AlternateContent>
-        <mc:AlternateContent xmlns:mc="http://schemas.openxmlformats.org/markup-compatibility/2006">
-          <mc:Choice xmlns:p14="http://schemas.microsoft.com/office/powerpoint/2010/main" Requires="p14">
-            <p:contentPart p14:bwMode="auto" r:id="rId7">
-              <p14:nvContentPartPr>
-                <p14:cNvPr id="4" name="Ink 3">
-                  <a:extLst>
-                    <a:ext uri="{FF2B5EF4-FFF2-40B4-BE49-F238E27FC236}">
-                      <a16:creationId xmlns:a16="http://schemas.microsoft.com/office/drawing/2014/main" id="{ED9EBC83-087F-F838-C63C-CD4054E0C024}"/>
-                    </a:ext>
-                  </a:extLst>
-                </p14:cNvPr>
-                <p14:cNvContentPartPr/>
-                <p14:nvPr/>
-              </p14:nvContentPartPr>
-              <p14:xfrm>
-                <a:off x="8642400" y="4714920"/>
-                <a:ext cx="360" cy="360"/>
-              </p14:xfrm>
-            </p:contentPart>
-          </mc:Choice>
-          <mc:Fallback>
-            <p:pic>
-              <p:nvPicPr>
-                <p:cNvPr id="4" name="Ink 3">
-                  <a:extLst>
-                    <a:ext uri="{FF2B5EF4-FFF2-40B4-BE49-F238E27FC236}">
-                      <a16:creationId xmlns:a16="http://schemas.microsoft.com/office/drawing/2014/main" id="{ED9EBC83-087F-F838-C63C-CD4054E0C024}"/>
-                    </a:ext>
-                  </a:extLst>
-                </p:cNvPr>
-                <p:cNvPicPr/>
-                <p:nvPr/>
-              </p:nvPicPr>
-              <p:blipFill>
-                <a:blip r:embed="rId6"/>
-                <a:stretch>
-                  <a:fillRect/>
-                </a:stretch>
-              </p:blipFill>
-              <p:spPr>
-                <a:xfrm>
-                  <a:off x="8624400" y="4696920"/>
-                  <a:ext cx="36000" cy="36000"/>
-                </a:xfrm>
-                <a:prstGeom prst="rect">
-                  <a:avLst/>
-                </a:prstGeom>
-              </p:spPr>
-            </p:pic>
-          </mc:Fallback>
-        </mc:AlternateContent>
-      </p:grpSp>
-      <mc:AlternateContent xmlns:mc="http://schemas.openxmlformats.org/markup-compatibility/2006">
-        <mc:Choice xmlns:p14="http://schemas.microsoft.com/office/powerpoint/2010/main" Requires="p14">
-          <p:contentPart p14:bwMode="auto" r:id="rId8">
+      <mc:AlternateContent xmlns:mc="http://schemas.openxmlformats.org/markup-compatibility/2006" xmlns:p14="http://schemas.microsoft.com/office/powerpoint/2010/main">
+        <mc:Choice Requires="p14">
+          <p:contentPart p14:bwMode="auto" r:id="rId5">
             <p14:nvContentPartPr>
               <p14:cNvPr id="31" name="Ink 30">
                 <a:extLst>
@@ -6365,7 +6216,7 @@
             </p14:xfrm>
           </p:contentPart>
         </mc:Choice>
-        <mc:Fallback>
+        <mc:Fallback xmlns="">
           <p:pic>
             <p:nvPicPr>
               <p:cNvPr id="31" name="Ink 30">
@@ -6426,7 +6277,10 @@
           <a:p>
             <a:pPr algn="ctr"/>
             <a:r>
-              <a:rPr lang="en-US" sz="2400" dirty="0"/>
+              <a:rPr lang="en-US" sz="2400" dirty="0">
+                <a:latin typeface="Source Sans Pro" panose="020B0503030403020204" pitchFamily="34" charset="0"/>
+                <a:ea typeface="Source Sans Pro" panose="020B0503030403020204" pitchFamily="34" charset="0"/>
+              </a:rPr>
               <a:t>Later time</a:t>
             </a:r>
           </a:p>
@@ -6447,7 +6301,7 @@
           <p:nvPr/>
         </p:nvPicPr>
         <p:blipFill>
-          <a:blip r:embed="rId9"/>
+          <a:blip r:embed="rId6"/>
           <a:stretch>
             <a:fillRect/>
           </a:stretch>
@@ -6482,9 +6336,9 @@
             <a:chExt cx="1686951" cy="1494000"/>
           </a:xfrm>
         </p:grpSpPr>
-        <mc:AlternateContent xmlns:mc="http://schemas.openxmlformats.org/markup-compatibility/2006">
-          <mc:Choice xmlns:p14="http://schemas.microsoft.com/office/powerpoint/2010/main" Requires="p14">
-            <p:contentPart p14:bwMode="auto" r:id="rId10">
+        <mc:AlternateContent xmlns:mc="http://schemas.openxmlformats.org/markup-compatibility/2006" xmlns:p14="http://schemas.microsoft.com/office/powerpoint/2010/main">
+          <mc:Choice Requires="p14">
+            <p:contentPart p14:bwMode="auto" r:id="rId7">
               <p14:nvContentPartPr>
                 <p14:cNvPr id="20" name="Ink 19">
                   <a:extLst>
@@ -6502,7 +6356,7 @@
               </p14:xfrm>
             </p:contentPart>
           </mc:Choice>
-          <mc:Fallback>
+          <mc:Fallback xmlns="">
             <p:pic>
               <p:nvPicPr>
                 <p:cNvPr id="20" name="Ink 19">
@@ -6563,7 +6417,10 @@
             <a:p>
               <a:pPr algn="ctr"/>
               <a:r>
-                <a:rPr lang="en-US" sz="2400" dirty="0"/>
+                <a:rPr lang="en-US" sz="2400" dirty="0">
+                  <a:latin typeface="Source Sans Pro" panose="020B0503030403020204" pitchFamily="34" charset="0"/>
+                  <a:ea typeface="Source Sans Pro" panose="020B0503030403020204" pitchFamily="34" charset="0"/>
+                </a:rPr>
                 <a:t>Condition assignment</a:t>
               </a:r>
             </a:p>
@@ -6590,9 +6447,9 @@
             <a:chExt cx="1568880" cy="1328400"/>
           </a:xfrm>
         </p:grpSpPr>
-        <mc:AlternateContent xmlns:mc="http://schemas.openxmlformats.org/markup-compatibility/2006">
-          <mc:Choice xmlns:p14="http://schemas.microsoft.com/office/powerpoint/2010/main" Requires="p14">
-            <p:contentPart p14:bwMode="auto" r:id="rId11">
+        <mc:AlternateContent xmlns:mc="http://schemas.openxmlformats.org/markup-compatibility/2006" xmlns:p14="http://schemas.microsoft.com/office/powerpoint/2010/main">
+          <mc:Choice Requires="p14">
+            <p:contentPart p14:bwMode="auto" r:id="rId8">
               <p14:nvContentPartPr>
                 <p14:cNvPr id="22" name="Ink 21">
                   <a:extLst>
@@ -6610,7 +6467,7 @@
               </p14:xfrm>
             </p:contentPart>
           </mc:Choice>
-          <mc:Fallback>
+          <mc:Fallback xmlns="">
             <p:pic>
               <p:nvPicPr>
                 <p:cNvPr id="22" name="Ink 21">
@@ -6641,8 +6498,8 @@
             </p:pic>
           </mc:Fallback>
         </mc:AlternateContent>
-        <mc:AlternateContent xmlns:mc="http://schemas.openxmlformats.org/markup-compatibility/2006">
-          <mc:Choice xmlns:p14="http://schemas.microsoft.com/office/powerpoint/2010/main" Requires="p14">
+        <mc:AlternateContent xmlns:mc="http://schemas.openxmlformats.org/markup-compatibility/2006" xmlns:p14="http://schemas.microsoft.com/office/powerpoint/2010/main">
+          <mc:Choice Requires="p14">
             <p:contentPart p14:bwMode="auto" r:id="rId13">
               <p14:nvContentPartPr>
                 <p14:cNvPr id="23" name="Ink 22">
@@ -6661,7 +6518,7 @@
               </p14:xfrm>
             </p:contentPart>
           </mc:Choice>
-          <mc:Fallback>
+          <mc:Fallback xmlns="">
             <p:pic>
               <p:nvPicPr>
                 <p:cNvPr id="23" name="Ink 22">
@@ -6713,8 +6570,8 @@
             <a:chExt cx="999000" cy="1170720"/>
           </a:xfrm>
         </p:grpSpPr>
-        <mc:AlternateContent xmlns:mc="http://schemas.openxmlformats.org/markup-compatibility/2006">
-          <mc:Choice xmlns:p14="http://schemas.microsoft.com/office/powerpoint/2010/main" Requires="p14">
+        <mc:AlternateContent xmlns:mc="http://schemas.openxmlformats.org/markup-compatibility/2006" xmlns:p14="http://schemas.microsoft.com/office/powerpoint/2010/main">
+          <mc:Choice Requires="p14">
             <p:contentPart p14:bwMode="auto" r:id="rId15">
               <p14:nvContentPartPr>
                 <p14:cNvPr id="34" name="Ink 33">
@@ -6733,7 +6590,7 @@
               </p14:xfrm>
             </p:contentPart>
           </mc:Choice>
-          <mc:Fallback>
+          <mc:Fallback xmlns="">
             <p:pic>
               <p:nvPicPr>
                 <p:cNvPr id="34" name="Ink 33">
@@ -6764,8 +6621,8 @@
             </p:pic>
           </mc:Fallback>
         </mc:AlternateContent>
-        <mc:AlternateContent xmlns:mc="http://schemas.openxmlformats.org/markup-compatibility/2006">
-          <mc:Choice xmlns:p14="http://schemas.microsoft.com/office/powerpoint/2010/main" Requires="p14">
+        <mc:AlternateContent xmlns:mc="http://schemas.openxmlformats.org/markup-compatibility/2006" xmlns:p14="http://schemas.microsoft.com/office/powerpoint/2010/main">
+          <mc:Choice Requires="p14">
             <p:contentPart p14:bwMode="auto" r:id="rId17">
               <p14:nvContentPartPr>
                 <p14:cNvPr id="35" name="Ink 34">
@@ -6784,7 +6641,7 @@
               </p14:xfrm>
             </p:contentPart>
           </mc:Choice>
-          <mc:Fallback>
+          <mc:Fallback xmlns="">
             <p:pic>
               <p:nvPicPr>
                 <p:cNvPr id="35" name="Ink 34">
@@ -6836,8 +6693,8 @@
             <a:chExt cx="1003680" cy="1236895"/>
           </a:xfrm>
         </p:grpSpPr>
-        <mc:AlternateContent xmlns:mc="http://schemas.openxmlformats.org/markup-compatibility/2006">
-          <mc:Choice xmlns:p14="http://schemas.microsoft.com/office/powerpoint/2010/main" Requires="p14">
+        <mc:AlternateContent xmlns:mc="http://schemas.openxmlformats.org/markup-compatibility/2006" xmlns:p14="http://schemas.microsoft.com/office/powerpoint/2010/main">
+          <mc:Choice Requires="p14">
             <p:contentPart p14:bwMode="auto" r:id="rId19">
               <p14:nvContentPartPr>
                 <p14:cNvPr id="39" name="Ink 38">
@@ -6856,7 +6713,7 @@
               </p14:xfrm>
             </p:contentPart>
           </mc:Choice>
-          <mc:Fallback>
+          <mc:Fallback xmlns="">
             <p:pic>
               <p:nvPicPr>
                 <p:cNvPr id="39" name="Ink 38">
@@ -6887,8 +6744,8 @@
             </p:pic>
           </mc:Fallback>
         </mc:AlternateContent>
-        <mc:AlternateContent xmlns:mc="http://schemas.openxmlformats.org/markup-compatibility/2006">
-          <mc:Choice xmlns:p14="http://schemas.microsoft.com/office/powerpoint/2010/main" Requires="p14">
+        <mc:AlternateContent xmlns:mc="http://schemas.openxmlformats.org/markup-compatibility/2006" xmlns:p14="http://schemas.microsoft.com/office/powerpoint/2010/main">
+          <mc:Choice Requires="p14">
             <p:contentPart p14:bwMode="auto" r:id="rId21">
               <p14:nvContentPartPr>
                 <p14:cNvPr id="51" name="Ink 50">
@@ -6907,7 +6764,7 @@
               </p14:xfrm>
             </p:contentPart>
           </mc:Choice>
-          <mc:Fallback>
+          <mc:Fallback xmlns="">
             <p:pic>
               <p:nvPicPr>
                 <p:cNvPr id="51" name="Ink 50">
@@ -6953,14 +6810,14 @@
         </p:nvGrpSpPr>
         <p:grpSpPr>
           <a:xfrm>
-            <a:off x="3969332" y="3640060"/>
+            <a:off x="4073507" y="3605335"/>
             <a:ext cx="428040" cy="590040"/>
             <a:chOff x="5725680" y="6722280"/>
             <a:chExt cx="428040" cy="590040"/>
           </a:xfrm>
         </p:grpSpPr>
-        <mc:AlternateContent xmlns:mc="http://schemas.openxmlformats.org/markup-compatibility/2006">
-          <mc:Choice xmlns:p14="http://schemas.microsoft.com/office/powerpoint/2010/main" Requires="p14">
+        <mc:AlternateContent xmlns:mc="http://schemas.openxmlformats.org/markup-compatibility/2006" xmlns:p14="http://schemas.microsoft.com/office/powerpoint/2010/main">
+          <mc:Choice Requires="p14">
             <p:contentPart p14:bwMode="auto" r:id="rId23">
               <p14:nvContentPartPr>
                 <p14:cNvPr id="6" name="Ink 5">
@@ -6979,7 +6836,7 @@
               </p14:xfrm>
             </p:contentPart>
           </mc:Choice>
-          <mc:Fallback>
+          <mc:Fallback xmlns="">
             <p:pic>
               <p:nvPicPr>
                 <p:cNvPr id="6" name="Ink 5">
@@ -7010,8 +6867,8 @@
             </p:pic>
           </mc:Fallback>
         </mc:AlternateContent>
-        <mc:AlternateContent xmlns:mc="http://schemas.openxmlformats.org/markup-compatibility/2006">
-          <mc:Choice xmlns:p14="http://schemas.microsoft.com/office/powerpoint/2010/main" Requires="p14">
+        <mc:AlternateContent xmlns:mc="http://schemas.openxmlformats.org/markup-compatibility/2006" xmlns:p14="http://schemas.microsoft.com/office/powerpoint/2010/main">
+          <mc:Choice Requires="p14">
             <p:contentPart p14:bwMode="auto" r:id="rId25">
               <p14:nvContentPartPr>
                 <p14:cNvPr id="8" name="Ink 7">
@@ -7030,7 +6887,7 @@
               </p14:xfrm>
             </p:contentPart>
           </mc:Choice>
-          <mc:Fallback>
+          <mc:Fallback xmlns="">
             <p:pic>
               <p:nvPicPr>
                 <p:cNvPr id="8" name="Ink 7">
@@ -7061,8 +6918,8 @@
             </p:pic>
           </mc:Fallback>
         </mc:AlternateContent>
-        <mc:AlternateContent xmlns:mc="http://schemas.openxmlformats.org/markup-compatibility/2006">
-          <mc:Choice xmlns:p14="http://schemas.microsoft.com/office/powerpoint/2010/main" Requires="p14">
+        <mc:AlternateContent xmlns:mc="http://schemas.openxmlformats.org/markup-compatibility/2006" xmlns:p14="http://schemas.microsoft.com/office/powerpoint/2010/main">
+          <mc:Choice Requires="p14">
             <p:contentPart p14:bwMode="auto" r:id="rId27">
               <p14:nvContentPartPr>
                 <p14:cNvPr id="9" name="Ink 8">
@@ -7081,7 +6938,7 @@
               </p14:xfrm>
             </p:contentPart>
           </mc:Choice>
-          <mc:Fallback>
+          <mc:Fallback xmlns="">
             <p:pic>
               <p:nvPicPr>
                 <p:cNvPr id="9" name="Ink 8">
@@ -7113,8 +6970,8 @@
           </mc:Fallback>
         </mc:AlternateContent>
       </p:grpSp>
-      <mc:AlternateContent xmlns:mc="http://schemas.openxmlformats.org/markup-compatibility/2006">
-        <mc:Choice xmlns:p14="http://schemas.microsoft.com/office/powerpoint/2010/main" Requires="p14">
+      <mc:AlternateContent xmlns:mc="http://schemas.openxmlformats.org/markup-compatibility/2006" xmlns:p14="http://schemas.microsoft.com/office/powerpoint/2010/main">
+        <mc:Choice Requires="p14">
           <p:contentPart p14:bwMode="auto" r:id="rId29">
             <p14:nvContentPartPr>
               <p14:cNvPr id="11" name="Ink 10">
@@ -7133,7 +6990,7 @@
             </p14:xfrm>
           </p:contentPart>
         </mc:Choice>
-        <mc:Fallback>
+        <mc:Fallback xmlns="">
           <p:pic>
             <p:nvPicPr>
               <p:cNvPr id="11" name="Ink 10">
@@ -7164,8 +7021,8 @@
           </p:pic>
         </mc:Fallback>
       </mc:AlternateContent>
-      <mc:AlternateContent xmlns:mc="http://schemas.openxmlformats.org/markup-compatibility/2006">
-        <mc:Choice xmlns:p14="http://schemas.microsoft.com/office/powerpoint/2010/main" Requires="p14">
+      <mc:AlternateContent xmlns:mc="http://schemas.openxmlformats.org/markup-compatibility/2006" xmlns:p14="http://schemas.microsoft.com/office/powerpoint/2010/main">
+        <mc:Choice Requires="p14">
           <p:contentPart p14:bwMode="auto" r:id="rId31">
             <p14:nvContentPartPr>
               <p14:cNvPr id="14" name="Ink 13">
@@ -7184,7 +7041,7 @@
             </p14:xfrm>
           </p:contentPart>
         </mc:Choice>
-        <mc:Fallback>
+        <mc:Fallback xmlns="">
           <p:pic>
             <p:nvPicPr>
               <p:cNvPr id="14" name="Ink 13">
@@ -7215,8 +7072,8 @@
           </p:pic>
         </mc:Fallback>
       </mc:AlternateContent>
-      <mc:AlternateContent xmlns:mc="http://schemas.openxmlformats.org/markup-compatibility/2006">
-        <mc:Choice xmlns:p14="http://schemas.microsoft.com/office/powerpoint/2010/main" Requires="p14">
+      <mc:AlternateContent xmlns:mc="http://schemas.openxmlformats.org/markup-compatibility/2006" xmlns:p14="http://schemas.microsoft.com/office/powerpoint/2010/main">
+        <mc:Choice Requires="p14">
           <p:contentPart p14:bwMode="auto" r:id="rId33">
             <p14:nvContentPartPr>
               <p14:cNvPr id="16" name="Ink 15">
@@ -7235,7 +7092,7 @@
             </p14:xfrm>
           </p:contentPart>
         </mc:Choice>
-        <mc:Fallback>
+        <mc:Fallback xmlns="">
           <p:pic>
             <p:nvPicPr>
               <p:cNvPr id="16" name="Ink 15">
@@ -7286,8 +7143,8 @@
             <a:chExt cx="597240" cy="661680"/>
           </a:xfrm>
         </p:grpSpPr>
-        <mc:AlternateContent xmlns:mc="http://schemas.openxmlformats.org/markup-compatibility/2006">
-          <mc:Choice xmlns:p14="http://schemas.microsoft.com/office/powerpoint/2010/main" Requires="p14">
+        <mc:AlternateContent xmlns:mc="http://schemas.openxmlformats.org/markup-compatibility/2006" xmlns:p14="http://schemas.microsoft.com/office/powerpoint/2010/main">
+          <mc:Choice Requires="p14">
             <p:contentPart p14:bwMode="auto" r:id="rId35">
               <p14:nvContentPartPr>
                 <p14:cNvPr id="18" name="Ink 17">
@@ -7306,7 +7163,7 @@
               </p14:xfrm>
             </p:contentPart>
           </mc:Choice>
-          <mc:Fallback>
+          <mc:Fallback xmlns="">
             <p:pic>
               <p:nvPicPr>
                 <p:cNvPr id="18" name="Ink 17">
@@ -7337,8 +7194,8 @@
             </p:pic>
           </mc:Fallback>
         </mc:AlternateContent>
-        <mc:AlternateContent xmlns:mc="http://schemas.openxmlformats.org/markup-compatibility/2006">
-          <mc:Choice xmlns:p14="http://schemas.microsoft.com/office/powerpoint/2010/main" Requires="p14">
+        <mc:AlternateContent xmlns:mc="http://schemas.openxmlformats.org/markup-compatibility/2006" xmlns:p14="http://schemas.microsoft.com/office/powerpoint/2010/main">
+          <mc:Choice Requires="p14">
             <p:contentPart p14:bwMode="auto" r:id="rId37">
               <p14:nvContentPartPr>
                 <p14:cNvPr id="19" name="Ink 18">
@@ -7357,7 +7214,7 @@
               </p14:xfrm>
             </p:contentPart>
           </mc:Choice>
-          <mc:Fallback>
+          <mc:Fallback xmlns="">
             <p:pic>
               <p:nvPicPr>
                 <p:cNvPr id="19" name="Ink 18">
@@ -7388,8 +7245,8 @@
             </p:pic>
           </mc:Fallback>
         </mc:AlternateContent>
-        <mc:AlternateContent xmlns:mc="http://schemas.openxmlformats.org/markup-compatibility/2006">
-          <mc:Choice xmlns:p14="http://schemas.microsoft.com/office/powerpoint/2010/main" Requires="p14">
+        <mc:AlternateContent xmlns:mc="http://schemas.openxmlformats.org/markup-compatibility/2006" xmlns:p14="http://schemas.microsoft.com/office/powerpoint/2010/main">
+          <mc:Choice Requires="p14">
             <p:contentPart p14:bwMode="auto" r:id="rId39">
               <p14:nvContentPartPr>
                 <p14:cNvPr id="29" name="Ink 28">
@@ -7408,7 +7265,7 @@
               </p14:xfrm>
             </p:contentPart>
           </mc:Choice>
-          <mc:Fallback>
+          <mc:Fallback xmlns="">
             <p:pic>
               <p:nvPicPr>
                 <p:cNvPr id="29" name="Ink 28">
@@ -7439,8 +7296,8 @@
             </p:pic>
           </mc:Fallback>
         </mc:AlternateContent>
-        <mc:AlternateContent xmlns:mc="http://schemas.openxmlformats.org/markup-compatibility/2006">
-          <mc:Choice xmlns:p14="http://schemas.microsoft.com/office/powerpoint/2010/main" Requires="p14">
+        <mc:AlternateContent xmlns:mc="http://schemas.openxmlformats.org/markup-compatibility/2006" xmlns:p14="http://schemas.microsoft.com/office/powerpoint/2010/main">
+          <mc:Choice Requires="p14">
             <p:contentPart p14:bwMode="auto" r:id="rId41">
               <p14:nvContentPartPr>
                 <p14:cNvPr id="30" name="Ink 29">
@@ -7459,7 +7316,7 @@
               </p14:xfrm>
             </p:contentPart>
           </mc:Choice>
-          <mc:Fallback>
+          <mc:Fallback xmlns="">
             <p:pic>
               <p:nvPicPr>
                 <p:cNvPr id="30" name="Ink 29">
@@ -7490,8 +7347,8 @@
             </p:pic>
           </mc:Fallback>
         </mc:AlternateContent>
-        <mc:AlternateContent xmlns:mc="http://schemas.openxmlformats.org/markup-compatibility/2006">
-          <mc:Choice xmlns:p14="http://schemas.microsoft.com/office/powerpoint/2010/main" Requires="p14">
+        <mc:AlternateContent xmlns:mc="http://schemas.openxmlformats.org/markup-compatibility/2006" xmlns:p14="http://schemas.microsoft.com/office/powerpoint/2010/main">
+          <mc:Choice Requires="p14">
             <p:contentPart p14:bwMode="auto" r:id="rId43">
               <p14:nvContentPartPr>
                 <p14:cNvPr id="38" name="Ink 37">
@@ -7510,7 +7367,7 @@
               </p14:xfrm>
             </p:contentPart>
           </mc:Choice>
-          <mc:Fallback>
+          <mc:Fallback xmlns="">
             <p:pic>
               <p:nvPicPr>
                 <p:cNvPr id="38" name="Ink 37">
@@ -7541,8 +7398,8 @@
             </p:pic>
           </mc:Fallback>
         </mc:AlternateContent>
-        <mc:AlternateContent xmlns:mc="http://schemas.openxmlformats.org/markup-compatibility/2006">
-          <mc:Choice xmlns:p14="http://schemas.microsoft.com/office/powerpoint/2010/main" Requires="p14">
+        <mc:AlternateContent xmlns:mc="http://schemas.openxmlformats.org/markup-compatibility/2006" xmlns:p14="http://schemas.microsoft.com/office/powerpoint/2010/main">
+          <mc:Choice Requires="p14">
             <p:contentPart p14:bwMode="auto" r:id="rId45">
               <p14:nvContentPartPr>
                 <p14:cNvPr id="44" name="Ink 43">
@@ -7561,7 +7418,7 @@
               </p14:xfrm>
             </p:contentPart>
           </mc:Choice>
-          <mc:Fallback>
+          <mc:Fallback xmlns="">
             <p:pic>
               <p:nvPicPr>
                 <p:cNvPr id="44" name="Ink 43">
@@ -7623,8 +7480,8 @@
           <a:chExt cx="0" cy="0"/>
         </a:xfrm>
       </p:grpSpPr>
-      <mc:AlternateContent xmlns:mc="http://schemas.openxmlformats.org/markup-compatibility/2006">
-        <mc:Choice xmlns:p14="http://schemas.microsoft.com/office/powerpoint/2010/main" Requires="p14">
+      <mc:AlternateContent xmlns:mc="http://schemas.openxmlformats.org/markup-compatibility/2006" xmlns:p14="http://schemas.microsoft.com/office/powerpoint/2010/main">
+        <mc:Choice Requires="p14">
           <p:contentPart p14:bwMode="auto" r:id="rId2">
             <p14:nvContentPartPr>
               <p14:cNvPr id="37" name="Ink 36">
@@ -7643,7 +7500,7 @@
             </p14:xfrm>
           </p:contentPart>
         </mc:Choice>
-        <mc:Fallback>
+        <mc:Fallback xmlns="">
           <p:pic>
             <p:nvPicPr>
               <p:cNvPr id="37" name="Ink 36">
@@ -7674,8 +7531,8 @@
           </p:pic>
         </mc:Fallback>
       </mc:AlternateContent>
-      <mc:AlternateContent xmlns:mc="http://schemas.openxmlformats.org/markup-compatibility/2006">
-        <mc:Choice xmlns:p14="http://schemas.microsoft.com/office/powerpoint/2010/main" Requires="p14">
+      <mc:AlternateContent xmlns:mc="http://schemas.openxmlformats.org/markup-compatibility/2006" xmlns:p14="http://schemas.microsoft.com/office/powerpoint/2010/main">
+        <mc:Choice Requires="p14">
           <p:contentPart p14:bwMode="auto" r:id="rId4">
             <p14:nvContentPartPr>
               <p14:cNvPr id="40" name="Ink 39">
@@ -7694,7 +7551,7 @@
             </p14:xfrm>
           </p:contentPart>
         </mc:Choice>
-        <mc:Fallback>
+        <mc:Fallback xmlns="">
           <p:pic>
             <p:nvPicPr>
               <p:cNvPr id="40" name="Ink 39">
@@ -7797,8 +7654,8 @@
           </a:p>
         </p:txBody>
       </p:sp>
-      <mc:AlternateContent xmlns:mc="http://schemas.openxmlformats.org/markup-compatibility/2006">
-        <mc:Choice xmlns:p14="http://schemas.microsoft.com/office/powerpoint/2010/main" Requires="p14">
+      <mc:AlternateContent xmlns:mc="http://schemas.openxmlformats.org/markup-compatibility/2006" xmlns:p14="http://schemas.microsoft.com/office/powerpoint/2010/main">
+        <mc:Choice Requires="p14">
           <p:contentPart p14:bwMode="auto" r:id="rId5">
             <p14:nvContentPartPr>
               <p14:cNvPr id="43" name="Ink 42">
@@ -7817,7 +7674,7 @@
             </p14:xfrm>
           </p:contentPart>
         </mc:Choice>
-        <mc:Fallback>
+        <mc:Fallback xmlns="">
           <p:pic>
             <p:nvPicPr>
               <p:cNvPr id="43" name="Ink 42">
@@ -7904,8 +7761,8 @@
             <a:chExt cx="798120" cy="716400"/>
           </a:xfrm>
         </p:grpSpPr>
-        <mc:AlternateContent xmlns:mc="http://schemas.openxmlformats.org/markup-compatibility/2006">
-          <mc:Choice xmlns:p14="http://schemas.microsoft.com/office/powerpoint/2010/main" Requires="p14">
+        <mc:AlternateContent xmlns:mc="http://schemas.openxmlformats.org/markup-compatibility/2006" xmlns:p14="http://schemas.microsoft.com/office/powerpoint/2010/main">
+          <mc:Choice Requires="p14">
             <p:contentPart p14:bwMode="auto" r:id="rId6">
               <p14:nvContentPartPr>
                 <p14:cNvPr id="45" name="Ink 44">
@@ -7924,7 +7781,7 @@
               </p14:xfrm>
             </p:contentPart>
           </mc:Choice>
-          <mc:Fallback>
+          <mc:Fallback xmlns="">
             <p:pic>
               <p:nvPicPr>
                 <p:cNvPr id="45" name="Ink 44">
@@ -7955,8 +7812,8 @@
             </p:pic>
           </mc:Fallback>
         </mc:AlternateContent>
-        <mc:AlternateContent xmlns:mc="http://schemas.openxmlformats.org/markup-compatibility/2006">
-          <mc:Choice xmlns:p14="http://schemas.microsoft.com/office/powerpoint/2010/main" Requires="p14">
+        <mc:AlternateContent xmlns:mc="http://schemas.openxmlformats.org/markup-compatibility/2006" xmlns:p14="http://schemas.microsoft.com/office/powerpoint/2010/main">
+          <mc:Choice Requires="p14">
             <p:contentPart p14:bwMode="auto" r:id="rId8">
               <p14:nvContentPartPr>
                 <p14:cNvPr id="46" name="Ink 45">
@@ -7975,7 +7832,7 @@
               </p14:xfrm>
             </p:contentPart>
           </mc:Choice>
-          <mc:Fallback>
+          <mc:Fallback xmlns="">
             <p:pic>
               <p:nvPicPr>
                 <p:cNvPr id="46" name="Ink 45">
@@ -8027,8 +7884,8 @@
             <a:chExt cx="712440" cy="658440"/>
           </a:xfrm>
         </p:grpSpPr>
-        <mc:AlternateContent xmlns:mc="http://schemas.openxmlformats.org/markup-compatibility/2006">
-          <mc:Choice xmlns:p14="http://schemas.microsoft.com/office/powerpoint/2010/main" Requires="p14">
+        <mc:AlternateContent xmlns:mc="http://schemas.openxmlformats.org/markup-compatibility/2006" xmlns:p14="http://schemas.microsoft.com/office/powerpoint/2010/main">
+          <mc:Choice Requires="p14">
             <p:contentPart p14:bwMode="auto" r:id="rId10">
               <p14:nvContentPartPr>
                 <p14:cNvPr id="48" name="Ink 47">
@@ -8047,7 +7904,7 @@
               </p14:xfrm>
             </p:contentPart>
           </mc:Choice>
-          <mc:Fallback>
+          <mc:Fallback xmlns="">
             <p:pic>
               <p:nvPicPr>
                 <p:cNvPr id="48" name="Ink 47">
@@ -8078,8 +7935,8 @@
             </p:pic>
           </mc:Fallback>
         </mc:AlternateContent>
-        <mc:AlternateContent xmlns:mc="http://schemas.openxmlformats.org/markup-compatibility/2006">
-          <mc:Choice xmlns:p14="http://schemas.microsoft.com/office/powerpoint/2010/main" Requires="p14">
+        <mc:AlternateContent xmlns:mc="http://schemas.openxmlformats.org/markup-compatibility/2006" xmlns:p14="http://schemas.microsoft.com/office/powerpoint/2010/main">
+          <mc:Choice Requires="p14">
             <p:contentPart p14:bwMode="auto" r:id="rId12">
               <p14:nvContentPartPr>
                 <p14:cNvPr id="49" name="Ink 48">
@@ -8098,7 +7955,7 @@
               </p14:xfrm>
             </p:contentPart>
           </mc:Choice>
-          <mc:Fallback>
+          <mc:Fallback xmlns="">
             <p:pic>
               <p:nvPicPr>
                 <p:cNvPr id="49" name="Ink 48">
@@ -8200,8 +8057,8 @@
           </a:p>
         </p:txBody>
       </p:sp>
-      <mc:AlternateContent xmlns:mc="http://schemas.openxmlformats.org/markup-compatibility/2006">
-        <mc:Choice xmlns:p14="http://schemas.microsoft.com/office/powerpoint/2010/main" Requires="p14">
+      <mc:AlternateContent xmlns:mc="http://schemas.openxmlformats.org/markup-compatibility/2006" xmlns:p14="http://schemas.microsoft.com/office/powerpoint/2010/main">
+        <mc:Choice Requires="p14">
           <p:contentPart p14:bwMode="auto" r:id="rId14">
             <p14:nvContentPartPr>
               <p14:cNvPr id="2" name="Ink 1">
@@ -8220,7 +8077,7 @@
             </p14:xfrm>
           </p:contentPart>
         </mc:Choice>
-        <mc:Fallback>
+        <mc:Fallback xmlns="">
           <p:pic>
             <p:nvPicPr>
               <p:cNvPr id="2" name="Ink 1">
@@ -8271,8 +8128,8 @@
             <a:chExt cx="360" cy="360"/>
           </a:xfrm>
         </p:grpSpPr>
-        <mc:AlternateContent xmlns:mc="http://schemas.openxmlformats.org/markup-compatibility/2006">
-          <mc:Choice xmlns:p14="http://schemas.microsoft.com/office/powerpoint/2010/main" Requires="p14">
+        <mc:AlternateContent xmlns:mc="http://schemas.openxmlformats.org/markup-compatibility/2006" xmlns:p14="http://schemas.microsoft.com/office/powerpoint/2010/main">
+          <mc:Choice Requires="p14">
             <p:contentPart p14:bwMode="auto" r:id="rId16">
               <p14:nvContentPartPr>
                 <p14:cNvPr id="3" name="Ink 2">
@@ -8291,7 +8148,7 @@
               </p14:xfrm>
             </p:contentPart>
           </mc:Choice>
-          <mc:Fallback>
+          <mc:Fallback xmlns="">
             <p:pic>
               <p:nvPicPr>
                 <p:cNvPr id="3" name="Ink 2">
@@ -8322,8 +8179,8 @@
             </p:pic>
           </mc:Fallback>
         </mc:AlternateContent>
-        <mc:AlternateContent xmlns:mc="http://schemas.openxmlformats.org/markup-compatibility/2006">
-          <mc:Choice xmlns:p14="http://schemas.microsoft.com/office/powerpoint/2010/main" Requires="p14">
+        <mc:AlternateContent xmlns:mc="http://schemas.openxmlformats.org/markup-compatibility/2006" xmlns:p14="http://schemas.microsoft.com/office/powerpoint/2010/main">
+          <mc:Choice Requires="p14">
             <p:contentPart p14:bwMode="auto" r:id="rId18">
               <p14:nvContentPartPr>
                 <p14:cNvPr id="4" name="Ink 3">
@@ -8342,7 +8199,7 @@
               </p14:xfrm>
             </p:contentPart>
           </mc:Choice>
-          <mc:Fallback>
+          <mc:Fallback xmlns="">
             <p:pic>
               <p:nvPicPr>
                 <p:cNvPr id="4" name="Ink 3">
@@ -8394,8 +8251,8 @@
             <a:chExt cx="428040" cy="590040"/>
           </a:xfrm>
         </p:grpSpPr>
-        <mc:AlternateContent xmlns:mc="http://schemas.openxmlformats.org/markup-compatibility/2006">
-          <mc:Choice xmlns:p14="http://schemas.microsoft.com/office/powerpoint/2010/main" Requires="p14">
+        <mc:AlternateContent xmlns:mc="http://schemas.openxmlformats.org/markup-compatibility/2006" xmlns:p14="http://schemas.microsoft.com/office/powerpoint/2010/main">
+          <mc:Choice Requires="p14">
             <p:contentPart p14:bwMode="auto" r:id="rId19">
               <p14:nvContentPartPr>
                 <p14:cNvPr id="8" name="Ink 7">
@@ -8414,7 +8271,7 @@
               </p14:xfrm>
             </p:contentPart>
           </mc:Choice>
-          <mc:Fallback>
+          <mc:Fallback xmlns="">
             <p:pic>
               <p:nvPicPr>
                 <p:cNvPr id="8" name="Ink 7">
@@ -8445,8 +8302,8 @@
             </p:pic>
           </mc:Fallback>
         </mc:AlternateContent>
-        <mc:AlternateContent xmlns:mc="http://schemas.openxmlformats.org/markup-compatibility/2006">
-          <mc:Choice xmlns:p14="http://schemas.microsoft.com/office/powerpoint/2010/main" Requires="p14">
+        <mc:AlternateContent xmlns:mc="http://schemas.openxmlformats.org/markup-compatibility/2006" xmlns:p14="http://schemas.microsoft.com/office/powerpoint/2010/main">
+          <mc:Choice Requires="p14">
             <p:contentPart p14:bwMode="auto" r:id="rId21">
               <p14:nvContentPartPr>
                 <p14:cNvPr id="9" name="Ink 8">
@@ -8465,7 +8322,7 @@
               </p14:xfrm>
             </p:contentPart>
           </mc:Choice>
-          <mc:Fallback>
+          <mc:Fallback xmlns="">
             <p:pic>
               <p:nvPicPr>
                 <p:cNvPr id="9" name="Ink 8">
@@ -8496,8 +8353,8 @@
             </p:pic>
           </mc:Fallback>
         </mc:AlternateContent>
-        <mc:AlternateContent xmlns:mc="http://schemas.openxmlformats.org/markup-compatibility/2006">
-          <mc:Choice xmlns:p14="http://schemas.microsoft.com/office/powerpoint/2010/main" Requires="p14">
+        <mc:AlternateContent xmlns:mc="http://schemas.openxmlformats.org/markup-compatibility/2006" xmlns:p14="http://schemas.microsoft.com/office/powerpoint/2010/main">
+          <mc:Choice Requires="p14">
             <p:contentPart p14:bwMode="auto" r:id="rId23">
               <p14:nvContentPartPr>
                 <p14:cNvPr id="11" name="Ink 10">
@@ -8516,7 +8373,7 @@
               </p14:xfrm>
             </p:contentPart>
           </mc:Choice>
-          <mc:Fallback>
+          <mc:Fallback xmlns="">
             <p:pic>
               <p:nvPicPr>
                 <p:cNvPr id="11" name="Ink 10">
@@ -8548,8 +8405,8 @@
           </mc:Fallback>
         </mc:AlternateContent>
       </p:grpSp>
-      <mc:AlternateContent xmlns:mc="http://schemas.openxmlformats.org/markup-compatibility/2006">
-        <mc:Choice xmlns:p14="http://schemas.microsoft.com/office/powerpoint/2010/main" Requires="p14">
+      <mc:AlternateContent xmlns:mc="http://schemas.openxmlformats.org/markup-compatibility/2006" xmlns:p14="http://schemas.microsoft.com/office/powerpoint/2010/main">
+        <mc:Choice Requires="p14">
           <p:contentPart p14:bwMode="auto" r:id="rId25">
             <p14:nvContentPartPr>
               <p14:cNvPr id="60" name="Ink 59">
@@ -8568,7 +8425,7 @@
             </p14:xfrm>
           </p:contentPart>
         </mc:Choice>
-        <mc:Fallback>
+        <mc:Fallback xmlns="">
           <p:pic>
             <p:nvPicPr>
               <p:cNvPr id="60" name="Ink 59">
@@ -8619,8 +8476,8 @@
             <a:chExt cx="559793" cy="418002"/>
           </a:xfrm>
         </p:grpSpPr>
-        <mc:AlternateContent xmlns:mc="http://schemas.openxmlformats.org/markup-compatibility/2006">
-          <mc:Choice xmlns:p14="http://schemas.microsoft.com/office/powerpoint/2010/main" Requires="p14">
+        <mc:AlternateContent xmlns:mc="http://schemas.openxmlformats.org/markup-compatibility/2006" xmlns:p14="http://schemas.microsoft.com/office/powerpoint/2010/main">
+          <mc:Choice Requires="p14">
             <p:contentPart p14:bwMode="auto" r:id="rId27">
               <p14:nvContentPartPr>
                 <p14:cNvPr id="13" name="Ink 12">
@@ -8639,7 +8496,7 @@
               </p14:xfrm>
             </p:contentPart>
           </mc:Choice>
-          <mc:Fallback>
+          <mc:Fallback xmlns="">
             <p:pic>
               <p:nvPicPr>
                 <p:cNvPr id="13" name="Ink 12">
@@ -8670,8 +8527,8 @@
             </p:pic>
           </mc:Fallback>
         </mc:AlternateContent>
-        <mc:AlternateContent xmlns:mc="http://schemas.openxmlformats.org/markup-compatibility/2006">
-          <mc:Choice xmlns:p14="http://schemas.microsoft.com/office/powerpoint/2010/main" Requires="p14">
+        <mc:AlternateContent xmlns:mc="http://schemas.openxmlformats.org/markup-compatibility/2006" xmlns:p14="http://schemas.microsoft.com/office/powerpoint/2010/main">
+          <mc:Choice Requires="p14">
             <p:contentPart p14:bwMode="auto" r:id="rId29">
               <p14:nvContentPartPr>
                 <p14:cNvPr id="14" name="Ink 13">
@@ -8690,7 +8547,7 @@
               </p14:xfrm>
             </p:contentPart>
           </mc:Choice>
-          <mc:Fallback>
+          <mc:Fallback xmlns="">
             <p:pic>
               <p:nvPicPr>
                 <p:cNvPr id="14" name="Ink 13">
@@ -8721,8 +8578,8 @@
             </p:pic>
           </mc:Fallback>
         </mc:AlternateContent>
-        <mc:AlternateContent xmlns:mc="http://schemas.openxmlformats.org/markup-compatibility/2006">
-          <mc:Choice xmlns:p14="http://schemas.microsoft.com/office/powerpoint/2010/main" Requires="p14">
+        <mc:AlternateContent xmlns:mc="http://schemas.openxmlformats.org/markup-compatibility/2006" xmlns:p14="http://schemas.microsoft.com/office/powerpoint/2010/main">
+          <mc:Choice Requires="p14">
             <p:contentPart p14:bwMode="auto" r:id="rId31">
               <p14:nvContentPartPr>
                 <p14:cNvPr id="62" name="Ink 61">
@@ -8741,7 +8598,7 @@
               </p14:xfrm>
             </p:contentPart>
           </mc:Choice>
-          <mc:Fallback>
+          <mc:Fallback xmlns="">
             <p:pic>
               <p:nvPicPr>
                 <p:cNvPr id="62" name="Ink 61">
@@ -8773,8 +8630,8 @@
           </mc:Fallback>
         </mc:AlternateContent>
       </p:grpSp>
-      <mc:AlternateContent xmlns:mc="http://schemas.openxmlformats.org/markup-compatibility/2006">
-        <mc:Choice xmlns:p14="http://schemas.microsoft.com/office/powerpoint/2010/main" Requires="p14">
+      <mc:AlternateContent xmlns:mc="http://schemas.openxmlformats.org/markup-compatibility/2006" xmlns:p14="http://schemas.microsoft.com/office/powerpoint/2010/main">
+        <mc:Choice Requires="p14">
           <p:contentPart p14:bwMode="auto" r:id="rId33">
             <p14:nvContentPartPr>
               <p14:cNvPr id="31" name="Ink 30">
@@ -8793,7 +8650,7 @@
             </p14:xfrm>
           </p:contentPart>
         </mc:Choice>
-        <mc:Fallback>
+        <mc:Fallback xmlns="">
           <p:pic>
             <p:nvPicPr>
               <p:cNvPr id="31" name="Ink 30">
@@ -8910,8 +8767,8 @@
           </a:p>
         </p:txBody>
       </p:sp>
-      <mc:AlternateContent xmlns:mc="http://schemas.openxmlformats.org/markup-compatibility/2006">
-        <mc:Choice xmlns:p14="http://schemas.microsoft.com/office/powerpoint/2010/main" Requires="p14">
+      <mc:AlternateContent xmlns:mc="http://schemas.openxmlformats.org/markup-compatibility/2006" xmlns:p14="http://schemas.microsoft.com/office/powerpoint/2010/main">
+        <mc:Choice Requires="p14">
           <p:contentPart p14:bwMode="auto" r:id="rId34">
             <p14:nvContentPartPr>
               <p14:cNvPr id="10" name="Ink 9">
@@ -8930,7 +8787,7 @@
             </p14:xfrm>
           </p:contentPart>
         </mc:Choice>
-        <mc:Fallback>
+        <mc:Fallback xmlns="">
           <p:pic>
             <p:nvPicPr>
               <p:cNvPr id="10" name="Ink 9">
@@ -8961,8 +8818,8 @@
           </p:pic>
         </mc:Fallback>
       </mc:AlternateContent>
-      <mc:AlternateContent xmlns:mc="http://schemas.openxmlformats.org/markup-compatibility/2006">
-        <mc:Choice xmlns:p14="http://schemas.microsoft.com/office/powerpoint/2010/main" Requires="p14">
+      <mc:AlternateContent xmlns:mc="http://schemas.openxmlformats.org/markup-compatibility/2006" xmlns:p14="http://schemas.microsoft.com/office/powerpoint/2010/main">
+        <mc:Choice Requires="p14">
           <p:contentPart p14:bwMode="auto" r:id="rId36">
             <p14:nvContentPartPr>
               <p14:cNvPr id="16" name="Ink 15">
@@ -8981,7 +8838,7 @@
             </p14:xfrm>
           </p:contentPart>
         </mc:Choice>
-        <mc:Fallback>
+        <mc:Fallback xmlns="">
           <p:pic>
             <p:nvPicPr>
               <p:cNvPr id="16" name="Ink 15">
@@ -9012,8 +8869,8 @@
           </p:pic>
         </mc:Fallback>
       </mc:AlternateContent>
-      <mc:AlternateContent xmlns:mc="http://schemas.openxmlformats.org/markup-compatibility/2006">
-        <mc:Choice xmlns:p14="http://schemas.microsoft.com/office/powerpoint/2010/main" Requires="p14">
+      <mc:AlternateContent xmlns:mc="http://schemas.openxmlformats.org/markup-compatibility/2006" xmlns:p14="http://schemas.microsoft.com/office/powerpoint/2010/main">
+        <mc:Choice Requires="p14">
           <p:contentPart p14:bwMode="auto" r:id="rId38">
             <p14:nvContentPartPr>
               <p14:cNvPr id="18" name="Ink 17">
@@ -9032,7 +8889,7 @@
             </p14:xfrm>
           </p:contentPart>
         </mc:Choice>
-        <mc:Fallback>
+        <mc:Fallback xmlns="">
           <p:pic>
             <p:nvPicPr>
               <p:cNvPr id="18" name="Ink 17">
@@ -9063,8 +8920,8 @@
           </p:pic>
         </mc:Fallback>
       </mc:AlternateContent>
-      <mc:AlternateContent xmlns:mc="http://schemas.openxmlformats.org/markup-compatibility/2006">
-        <mc:Choice xmlns:p14="http://schemas.microsoft.com/office/powerpoint/2010/main" Requires="p14">
+      <mc:AlternateContent xmlns:mc="http://schemas.openxmlformats.org/markup-compatibility/2006" xmlns:p14="http://schemas.microsoft.com/office/powerpoint/2010/main">
+        <mc:Choice Requires="p14">
           <p:contentPart p14:bwMode="auto" r:id="rId40">
             <p14:nvContentPartPr>
               <p14:cNvPr id="19" name="Ink 18">
@@ -9083,7 +8940,7 @@
             </p14:xfrm>
           </p:contentPart>
         </mc:Choice>
-        <mc:Fallback>
+        <mc:Fallback xmlns="">
           <p:pic>
             <p:nvPicPr>
               <p:cNvPr id="19" name="Ink 18">
@@ -9114,8 +8971,8 @@
           </p:pic>
         </mc:Fallback>
       </mc:AlternateContent>
-      <mc:AlternateContent xmlns:mc="http://schemas.openxmlformats.org/markup-compatibility/2006">
-        <mc:Choice xmlns:p14="http://schemas.microsoft.com/office/powerpoint/2010/main" Requires="p14">
+      <mc:AlternateContent xmlns:mc="http://schemas.openxmlformats.org/markup-compatibility/2006" xmlns:p14="http://schemas.microsoft.com/office/powerpoint/2010/main">
+        <mc:Choice Requires="p14">
           <p:contentPart p14:bwMode="auto" r:id="rId42">
             <p14:nvContentPartPr>
               <p14:cNvPr id="55" name="Ink 54">
@@ -9134,7 +8991,7 @@
             </p14:xfrm>
           </p:contentPart>
         </mc:Choice>
-        <mc:Fallback>
+        <mc:Fallback xmlns="">
           <p:pic>
             <p:nvPicPr>
               <p:cNvPr id="55" name="Ink 54">
@@ -9185,8 +9042,8 @@
             <a:chExt cx="559793" cy="418002"/>
           </a:xfrm>
         </p:grpSpPr>
-        <mc:AlternateContent xmlns:mc="http://schemas.openxmlformats.org/markup-compatibility/2006">
-          <mc:Choice xmlns:p14="http://schemas.microsoft.com/office/powerpoint/2010/main" Requires="p14">
+        <mc:AlternateContent xmlns:mc="http://schemas.openxmlformats.org/markup-compatibility/2006" xmlns:p14="http://schemas.microsoft.com/office/powerpoint/2010/main">
+          <mc:Choice Requires="p14">
             <p:contentPart p14:bwMode="auto" r:id="rId43">
               <p14:nvContentPartPr>
                 <p14:cNvPr id="59" name="Ink 58">
@@ -9205,7 +9062,7 @@
               </p14:xfrm>
             </p:contentPart>
           </mc:Choice>
-          <mc:Fallback>
+          <mc:Fallback xmlns="">
             <p:pic>
               <p:nvPicPr>
                 <p:cNvPr id="59" name="Ink 58">
@@ -9236,8 +9093,8 @@
             </p:pic>
           </mc:Fallback>
         </mc:AlternateContent>
-        <mc:AlternateContent xmlns:mc="http://schemas.openxmlformats.org/markup-compatibility/2006">
-          <mc:Choice xmlns:p14="http://schemas.microsoft.com/office/powerpoint/2010/main" Requires="p14">
+        <mc:AlternateContent xmlns:mc="http://schemas.openxmlformats.org/markup-compatibility/2006" xmlns:p14="http://schemas.microsoft.com/office/powerpoint/2010/main">
+          <mc:Choice Requires="p14">
             <p:contentPart p14:bwMode="auto" r:id="rId44">
               <p14:nvContentPartPr>
                 <p14:cNvPr id="61" name="Ink 60">
@@ -9256,7 +9113,7 @@
               </p14:xfrm>
             </p:contentPart>
           </mc:Choice>
-          <mc:Fallback>
+          <mc:Fallback xmlns="">
             <p:pic>
               <p:nvPicPr>
                 <p:cNvPr id="61" name="Ink 60">
@@ -9287,8 +9144,8 @@
             </p:pic>
           </mc:Fallback>
         </mc:AlternateContent>
-        <mc:AlternateContent xmlns:mc="http://schemas.openxmlformats.org/markup-compatibility/2006">
-          <mc:Choice xmlns:p14="http://schemas.microsoft.com/office/powerpoint/2010/main" Requires="p14">
+        <mc:AlternateContent xmlns:mc="http://schemas.openxmlformats.org/markup-compatibility/2006" xmlns:p14="http://schemas.microsoft.com/office/powerpoint/2010/main">
+          <mc:Choice Requires="p14">
             <p:contentPart p14:bwMode="auto" r:id="rId45">
               <p14:nvContentPartPr>
                 <p14:cNvPr id="64" name="Ink 63">
@@ -9307,7 +9164,7 @@
               </p14:xfrm>
             </p:contentPart>
           </mc:Choice>
-          <mc:Fallback>
+          <mc:Fallback xmlns="">
             <p:pic>
               <p:nvPicPr>
                 <p:cNvPr id="64" name="Ink 63">
@@ -9359,8 +9216,8 @@
             <a:chExt cx="428040" cy="590040"/>
           </a:xfrm>
         </p:grpSpPr>
-        <mc:AlternateContent xmlns:mc="http://schemas.openxmlformats.org/markup-compatibility/2006">
-          <mc:Choice xmlns:p14="http://schemas.microsoft.com/office/powerpoint/2010/main" Requires="p14">
+        <mc:AlternateContent xmlns:mc="http://schemas.openxmlformats.org/markup-compatibility/2006" xmlns:p14="http://schemas.microsoft.com/office/powerpoint/2010/main">
+          <mc:Choice Requires="p14">
             <p:contentPart p14:bwMode="auto" r:id="rId46">
               <p14:nvContentPartPr>
                 <p14:cNvPr id="66" name="Ink 65">
@@ -9379,7 +9236,7 @@
               </p14:xfrm>
             </p:contentPart>
           </mc:Choice>
-          <mc:Fallback>
+          <mc:Fallback xmlns="">
             <p:pic>
               <p:nvPicPr>
                 <p:cNvPr id="66" name="Ink 65">
@@ -9410,8 +9267,8 @@
             </p:pic>
           </mc:Fallback>
         </mc:AlternateContent>
-        <mc:AlternateContent xmlns:mc="http://schemas.openxmlformats.org/markup-compatibility/2006">
-          <mc:Choice xmlns:p14="http://schemas.microsoft.com/office/powerpoint/2010/main" Requires="p14">
+        <mc:AlternateContent xmlns:mc="http://schemas.openxmlformats.org/markup-compatibility/2006" xmlns:p14="http://schemas.microsoft.com/office/powerpoint/2010/main">
+          <mc:Choice Requires="p14">
             <p:contentPart p14:bwMode="auto" r:id="rId47">
               <p14:nvContentPartPr>
                 <p14:cNvPr id="67" name="Ink 66">
@@ -9430,7 +9287,7 @@
               </p14:xfrm>
             </p:contentPart>
           </mc:Choice>
-          <mc:Fallback>
+          <mc:Fallback xmlns="">
             <p:pic>
               <p:nvPicPr>
                 <p:cNvPr id="67" name="Ink 66">
@@ -9461,8 +9318,8 @@
             </p:pic>
           </mc:Fallback>
         </mc:AlternateContent>
-        <mc:AlternateContent xmlns:mc="http://schemas.openxmlformats.org/markup-compatibility/2006">
-          <mc:Choice xmlns:p14="http://schemas.microsoft.com/office/powerpoint/2010/main" Requires="p14">
+        <mc:AlternateContent xmlns:mc="http://schemas.openxmlformats.org/markup-compatibility/2006" xmlns:p14="http://schemas.microsoft.com/office/powerpoint/2010/main">
+          <mc:Choice Requires="p14">
             <p:contentPart p14:bwMode="auto" r:id="rId48">
               <p14:nvContentPartPr>
                 <p14:cNvPr id="68" name="Ink 67">
@@ -9481,7 +9338,7 @@
               </p14:xfrm>
             </p:contentPart>
           </mc:Choice>
-          <mc:Fallback>
+          <mc:Fallback xmlns="">
             <p:pic>
               <p:nvPicPr>
                 <p:cNvPr id="68" name="Ink 67">
